--- a/Slides/Lesson 10.8 Callbacks and Interacting Objects.pptx
+++ b/Slides/Lesson 10.8 Callbacks and Interacting Objects.pptx
@@ -234,7 +234,7 @@
           <a:p>
             <a:fld id="{D921B35E-F9A9-4F4B-882B-2AFF4C2A0596}" type="datetimeFigureOut">
               <a:rPr lang="en-US" smtClean="0"/>
-              <a:t>11/10/2015</a:t>
+              <a:t>11/16/2015</a:t>
             </a:fld>
             <a:endParaRPr lang="en-US"/>
           </a:p>
@@ -1019,7 +1019,7 @@
           <a:p>
             <a:fld id="{2F1F79F5-7BEC-496A-AFC7-876E38F64D71}" type="datetime1">
               <a:rPr lang="en-US" smtClean="0"/>
-              <a:t>11/10/2015</a:t>
+              <a:t>11/16/2015</a:t>
             </a:fld>
             <a:endParaRPr lang="en-US"/>
           </a:p>
@@ -1144,7 +1144,7 @@
           <a:p>
             <a:fld id="{2F7B77F5-1464-4F6B-92A8-64FC8A508293}" type="datetime1">
               <a:rPr lang="en-US" smtClean="0"/>
-              <a:t>11/10/2015</a:t>
+              <a:t>11/16/2015</a:t>
             </a:fld>
             <a:endParaRPr lang="en-US"/>
           </a:p>
@@ -1246,7 +1246,7 @@
           <a:p>
             <a:fld id="{0A05703A-7669-4FEA-9056-25299B4D29D4}" type="datetime1">
               <a:rPr lang="en-US" smtClean="0"/>
-              <a:t>11/10/2015</a:t>
+              <a:t>11/16/2015</a:t>
             </a:fld>
             <a:endParaRPr lang="en-US"/>
           </a:p>
@@ -1523,7 +1523,7 @@
           <a:p>
             <a:fld id="{6E5077B5-BB57-49DB-88CA-226A139E5C01}" type="datetime1">
               <a:rPr lang="en-US" smtClean="0"/>
-              <a:t>11/10/2015</a:t>
+              <a:t>11/16/2015</a:t>
             </a:fld>
             <a:endParaRPr lang="en-US"/>
           </a:p>
@@ -1776,7 +1776,7 @@
           <a:p>
             <a:fld id="{C48D9447-CBD6-49A1-89FD-8512A8CF8999}" type="datetime1">
               <a:rPr lang="en-US" smtClean="0"/>
-              <a:t>11/10/2015</a:t>
+              <a:t>11/16/2015</a:t>
             </a:fld>
             <a:endParaRPr lang="en-US"/>
           </a:p>
@@ -1946,7 +1946,7 @@
           <a:p>
             <a:fld id="{A3639A2A-823D-48B7-9ACE-7FAF42870BA9}" type="datetime1">
               <a:rPr lang="en-US" smtClean="0"/>
-              <a:t>11/10/2015</a:t>
+              <a:t>11/16/2015</a:t>
             </a:fld>
             <a:endParaRPr lang="en-US"/>
           </a:p>
@@ -2126,7 +2126,7 @@
           <a:p>
             <a:fld id="{ED1B6996-82E9-463C-972C-7B56056E426C}" type="datetime1">
               <a:rPr lang="en-US" smtClean="0"/>
-              <a:t>11/10/2015</a:t>
+              <a:t>11/16/2015</a:t>
             </a:fld>
             <a:endParaRPr lang="en-US"/>
           </a:p>
@@ -2302,7 +2302,7 @@
           <a:p>
             <a:fld id="{E22ED4DA-448D-4BB1-B935-CC112220207B}" type="datetime1">
               <a:rPr lang="en-US" smtClean="0"/>
-              <a:t>11/10/2015</a:t>
+              <a:t>11/16/2015</a:t>
             </a:fld>
             <a:endParaRPr lang="en-US"/>
           </a:p>
@@ -2484,7 +2484,7 @@
           <a:p>
             <a:fld id="{E22ED4DA-448D-4BB1-B935-CC112220207B}" type="datetime1">
               <a:rPr lang="en-US" smtClean="0"/>
-              <a:t>11/10/2015</a:t>
+              <a:t>11/16/2015</a:t>
             </a:fld>
             <a:endParaRPr lang="en-US"/>
           </a:p>
@@ -2753,7 +2753,7 @@
           <a:p>
             <a:fld id="{FF5D65A6-AB94-4435-B0B7-3743215FA46C}" type="datetime1">
               <a:rPr lang="en-US" smtClean="0"/>
-              <a:t>11/10/2015</a:t>
+              <a:t>11/16/2015</a:t>
             </a:fld>
             <a:endParaRPr lang="en-US"/>
           </a:p>
@@ -3056,7 +3056,7 @@
           <a:p>
             <a:fld id="{5D1846AD-9252-4647-9435-4C2AC365653A}" type="datetime1">
               <a:rPr lang="en-US" smtClean="0"/>
-              <a:t>11/10/2015</a:t>
+              <a:t>11/16/2015</a:t>
             </a:fld>
             <a:endParaRPr lang="en-US"/>
           </a:p>
@@ -3234,7 +3234,7 @@
           <a:p>
             <a:fld id="{FF5D65A6-AB94-4435-B0B7-3743215FA46C}" type="datetime1">
               <a:rPr lang="en-US" smtClean="0"/>
-              <a:t>11/10/2015</a:t>
+              <a:t>11/16/2015</a:t>
             </a:fld>
             <a:endParaRPr lang="en-US"/>
           </a:p>
@@ -3536,7 +3536,7 @@
           <a:p>
             <a:fld id="{7C193DC4-6EF0-48C9-B29C-616106A645E1}" type="datetime1">
               <a:rPr lang="en-US" smtClean="0"/>
-              <a:t>11/10/2015</a:t>
+              <a:t>11/16/2015</a:t>
             </a:fld>
             <a:endParaRPr lang="en-US"/>
           </a:p>
@@ -3824,7 +3824,7 @@
           <a:p>
             <a:fld id="{5D1846AD-9252-4647-9435-4C2AC365653A}" type="datetime1">
               <a:rPr lang="en-US" smtClean="0"/>
-              <a:t>11/10/2015</a:t>
+              <a:t>11/16/2015</a:t>
             </a:fld>
             <a:endParaRPr lang="en-US"/>
           </a:p>
@@ -4246,7 +4246,7 @@
           <a:p>
             <a:fld id="{CE56DC10-3561-4063-A6AF-C1CC7A41040A}" type="datetime1">
               <a:rPr lang="en-US" smtClean="0"/>
-              <a:t>11/10/2015</a:t>
+              <a:t>11/16/2015</a:t>
             </a:fld>
             <a:endParaRPr lang="en-US"/>
           </a:p>
@@ -4471,7 +4471,7 @@
           <a:p>
             <a:fld id="{02B3F677-983B-48DB-ADFD-63FE6CBC7FB2}" type="datetime1">
               <a:rPr lang="en-US" smtClean="0"/>
-              <a:t>11/10/2015</a:t>
+              <a:t>11/16/2015</a:t>
             </a:fld>
             <a:endParaRPr lang="en-US"/>
           </a:p>
@@ -5330,7 +5330,29 @@
           <a:p>
             <a:r>
               <a:rPr lang="en-US" dirty="0" smtClean="0"/>
-              <a:t>The wall will have a </a:t>
+              <a:t>The ball will have an </a:t>
+            </a:r>
+            <a:r>
+              <a:rPr lang="en-US" b="1" dirty="0" smtClean="0"/>
+              <a:t>update-wall-</a:t>
+            </a:r>
+            <a:r>
+              <a:rPr lang="en-US" b="1" dirty="0" err="1" smtClean="0"/>
+              <a:t>pos</a:t>
+            </a:r>
+            <a:r>
+              <a:rPr lang="en-US" dirty="0" smtClean="0"/>
+              <a:t> method (as in 10-6-push-model-fixed).</a:t>
+            </a:r>
+          </a:p>
+          <a:p>
+            <a:r>
+              <a:rPr lang="en-US" dirty="0" smtClean="0"/>
+              <a:t>The </a:t>
+            </a:r>
+            <a:r>
+              <a:rPr lang="en-US" dirty="0" smtClean="0"/>
+              <a:t>wall will have a </a:t>
             </a:r>
             <a:r>
               <a:rPr lang="en-US" b="1" dirty="0" smtClean="0"/>
@@ -5344,13 +5366,21 @@
           <a:p>
             <a:r>
               <a:rPr lang="en-US" dirty="0" smtClean="0"/>
-              <a:t>The ball will call the move-to method with the x-position the wall should move to.</a:t>
-            </a:r>
-          </a:p>
-          <a:p>
-            <a:r>
-              <a:rPr lang="en-US" dirty="0" smtClean="0"/>
-              <a:t>The ball will use its cached version of wall-</a:t>
+              <a:t>The ball will call the move-to method with the x-position the wall should move to</a:t>
+            </a:r>
+            <a:r>
+              <a:rPr lang="en-US" dirty="0" smtClean="0"/>
+              <a:t>.</a:t>
+            </a:r>
+          </a:p>
+          <a:p>
+            <a:r>
+              <a:rPr lang="en-US" dirty="0" smtClean="0"/>
+              <a:t>The </a:t>
+            </a:r>
+            <a:r>
+              <a:rPr lang="en-US" dirty="0" smtClean="0"/>
+              <a:t>ball will use its cached version of wall-</a:t>
             </a:r>
             <a:r>
               <a:rPr lang="en-US" dirty="0" err="1" smtClean="0"/>
@@ -6188,15 +6218,7 @@
                   <a:schemeClr val="tx1"/>
                 </a:solidFill>
               </a:rPr>
-              <a:t>In the </a:t>
-            </a:r>
-            <a:r>
-              <a:rPr lang="en-US" dirty="0" smtClean="0">
-                <a:solidFill>
-                  <a:schemeClr val="tx1"/>
-                </a:solidFill>
-              </a:rPr>
-              <a:t>class definition.  </a:t>
+              <a:t>In the class definition.  </a:t>
             </a:r>
             <a:endParaRPr lang="en-US" dirty="0">
               <a:solidFill>
@@ -6260,11 +6282,6 @@
               </a:rPr>
               <a:t>The for-each is repeated code, and should probably be moved to a help function</a:t>
             </a:r>
-            <a:endParaRPr lang="en-US" sz="1200" dirty="0">
-              <a:solidFill>
-                <a:schemeClr val="tx1"/>
-              </a:solidFill>
-            </a:endParaRPr>
           </a:p>
         </p:txBody>
       </p:sp>
@@ -7312,11 +7329,7 @@
           <a:p>
             <a:r>
               <a:rPr lang="en-US" dirty="0" smtClean="0"/>
-              <a:t>What if we wanted to deal with multiple messages</a:t>
-            </a:r>
-            <a:r>
-              <a:rPr lang="en-US" dirty="0" smtClean="0"/>
-              <a:t>?</a:t>
+              <a:t>What if we wanted to deal with multiple messages?</a:t>
             </a:r>
           </a:p>
           <a:p>
@@ -7437,11 +7450,7 @@
           <a:p>
             <a:r>
               <a:rPr lang="en-US" dirty="0" smtClean="0"/>
-              <a:t>Good </a:t>
-            </a:r>
-            <a:r>
-              <a:rPr lang="en-US" dirty="0" smtClean="0"/>
-              <a:t>choice if different groups of methods want to see different sets of messages.</a:t>
+              <a:t>Good choice if different groups of methods want to see different sets of messages.</a:t>
             </a:r>
             <a:endParaRPr lang="en-US" dirty="0"/>
           </a:p>
@@ -7526,11 +7535,7 @@
           <a:p>
             <a:r>
               <a:rPr lang="en-US" dirty="0" smtClean="0"/>
-              <a:t>The agreement between publisher and </a:t>
-            </a:r>
-            <a:r>
-              <a:rPr lang="en-US" dirty="0" err="1" smtClean="0"/>
-              <a:t>subcriber</a:t>
+              <a:t>The agreement between publisher and subscriber</a:t>
             </a:r>
             <a:endParaRPr lang="en-US" dirty="0"/>
           </a:p>
@@ -7785,11 +7790,7 @@
           <a:p>
             <a:r>
               <a:rPr lang="en-US" dirty="0" smtClean="0"/>
-              <a:t>Design #2: Single subscription </a:t>
-            </a:r>
-            <a:r>
-              <a:rPr lang="en-US" dirty="0" smtClean="0"/>
-              <a:t>list</a:t>
+              <a:t>Design #2: Single subscription list</a:t>
             </a:r>
             <a:endParaRPr lang="en-US" dirty="0"/>
           </a:p>
@@ -7820,31 +7821,14 @@
           <a:p>
             <a:r>
               <a:rPr lang="en-US" dirty="0" smtClean="0"/>
-              <a:t>All </a:t>
-            </a:r>
-            <a:r>
-              <a:rPr lang="en-US" dirty="0" smtClean="0"/>
-              <a:t>subscribers now see all the </a:t>
-            </a:r>
-            <a:r>
-              <a:rPr lang="en-US" dirty="0" smtClean="0"/>
-              <a:t>messages</a:t>
-            </a:r>
-          </a:p>
-          <a:p>
-            <a:r>
-              <a:rPr lang="en-US" dirty="0" smtClean="0"/>
-              <a:t>The object can </a:t>
-            </a:r>
-            <a:r>
-              <a:rPr lang="en-US" dirty="0" smtClean="0"/>
-              <a:t>simply ignore the messages it’s not interested in</a:t>
-            </a:r>
-            <a:r>
-              <a:rPr lang="en-US" dirty="0" smtClean="0"/>
-              <a:t>.</a:t>
-            </a:r>
-            <a:endParaRPr lang="en-US" dirty="0" smtClean="0"/>
+              <a:t>All subscribers now see all the messages</a:t>
+            </a:r>
+          </a:p>
+          <a:p>
+            <a:r>
+              <a:rPr lang="en-US" dirty="0" smtClean="0"/>
+              <a:t>The object can simply ignore the messages it’s not interested in.</a:t>
+            </a:r>
           </a:p>
         </p:txBody>
       </p:sp>
@@ -8151,11 +8135,7 @@
           <a:p>
             <a:r>
               <a:rPr lang="en-US" dirty="0" smtClean="0"/>
-              <a:t>Summary: Reasons </a:t>
-            </a:r>
-            <a:r>
-              <a:rPr lang="en-US" dirty="0" smtClean="0"/>
-              <a:t>to use publish-subscribe</a:t>
+              <a:t>Summary: Reasons to use publish-subscribe</a:t>
             </a:r>
             <a:endParaRPr lang="en-US" dirty="0"/>
           </a:p>
@@ -8438,7 +8418,15 @@
             </a:r>
             <a:r>
               <a:rPr lang="en-US" dirty="0" smtClean="0"/>
-              <a:t>: call a registered closure with some data</a:t>
+              <a:t>: call a registered </a:t>
+            </a:r>
+            <a:r>
+              <a:rPr lang="en-US" dirty="0" smtClean="0"/>
+              <a:t>closure with </a:t>
+            </a:r>
+            <a:r>
+              <a:rPr lang="en-US" dirty="0" smtClean="0"/>
+              <a:t>some data</a:t>
             </a:r>
           </a:p>
           <a:p>
@@ -8576,7 +8564,6 @@
               <a:rPr lang="en-US" dirty="0" smtClean="0"/>
               <a:t>10-8-interacting-objects.rkt</a:t>
             </a:r>
-            <a:endParaRPr lang="en-US" dirty="0" smtClean="0"/>
           </a:p>
           <a:p>
             <a:r>
@@ -9142,11 +9129,7 @@
             </a:r>
             <a:r>
               <a:rPr lang="en-US" dirty="0" smtClean="0"/>
-              <a:t>   </a:t>
-            </a:r>
-            <a:r>
-              <a:rPr lang="en-US" dirty="0" smtClean="0"/>
-              <a:t>....</a:t>
+              <a:t>   ....</a:t>
             </a:r>
           </a:p>
           <a:p>
@@ -9811,35 +9794,8 @@
                 <a:latin typeface="Consolas" pitchFamily="49" charset="0"/>
                 <a:cs typeface="Consolas" pitchFamily="49" charset="0"/>
               </a:rPr>
-              <a:t>       w </a:t>
-            </a:r>
-            <a:r>
-              <a:rPr lang="en-US" b="1" dirty="0" smtClean="0">
-                <a:solidFill>
-                  <a:schemeClr val="tx1"/>
-                </a:solidFill>
-                <a:latin typeface="Consolas" pitchFamily="49" charset="0"/>
-                <a:cs typeface="Consolas" pitchFamily="49" charset="0"/>
-              </a:rPr>
-              <a:t>= </a:t>
-            </a:r>
-            <a:r>
-              <a:rPr lang="en-US" b="1" dirty="0" smtClean="0">
-                <a:solidFill>
-                  <a:schemeClr val="tx1"/>
-                </a:solidFill>
-                <a:latin typeface="Consolas" pitchFamily="49" charset="0"/>
-                <a:cs typeface="Consolas" pitchFamily="49" charset="0"/>
-              </a:rPr>
-              <a:t>wall1</a:t>
-            </a:r>
-            <a:endParaRPr lang="en-US" b="1" dirty="0" smtClean="0">
-              <a:solidFill>
-                <a:schemeClr val="tx1"/>
-              </a:solidFill>
-              <a:latin typeface="Consolas" pitchFamily="49" charset="0"/>
-              <a:cs typeface="Consolas" pitchFamily="49" charset="0"/>
-            </a:endParaRPr>
+              <a:t>       w = wall1</a:t>
+            </a:r>
           </a:p>
           <a:p>
             <a:r>
@@ -9870,17 +9826,7 @@
                 <a:latin typeface="Consolas" pitchFamily="49" charset="0"/>
                 <a:cs typeface="Consolas" pitchFamily="49" charset="0"/>
               </a:rPr>
-              <a:t> =    </a:t>
-            </a:r>
-            <a:r>
-              <a:rPr lang="en-US" b="1" dirty="0" smtClean="0">
-                <a:solidFill>
-                  <a:schemeClr val="tx1"/>
-                </a:solidFill>
-                <a:latin typeface="Consolas" pitchFamily="49" charset="0"/>
-                <a:cs typeface="Consolas" pitchFamily="49" charset="0"/>
-              </a:rPr>
-              <a:t>   </a:t>
+              <a:t> =       </a:t>
             </a:r>
             <a:endParaRPr lang="en-US" b="1" dirty="0">
               <a:solidFill>
@@ -10207,11 +10153,7 @@
           <a:p>
             <a:r>
               <a:rPr lang="en-US" dirty="0" smtClean="0"/>
-              <a:t>(register f1</a:t>
-            </a:r>
-            <a:r>
-              <a:rPr lang="en-US" dirty="0" smtClean="0"/>
-              <a:t>)</a:t>
+              <a:t>(register f1)</a:t>
             </a:r>
             <a:endParaRPr lang="en-US" dirty="0"/>
           </a:p>
@@ -10394,11 +10336,7 @@
             </a:r>
             <a:r>
               <a:rPr lang="en-US" dirty="0" smtClean="0"/>
-              <a:t> </a:t>
-            </a:r>
-            <a:r>
-              <a:rPr lang="en-US" dirty="0" smtClean="0"/>
-              <a:t>= 250</a:t>
+              <a:t> = 250</a:t>
             </a:r>
           </a:p>
           <a:p>
@@ -10558,7 +10496,6 @@
               <a:rPr lang="en-US" dirty="0" smtClean="0"/>
               <a:t>callbacks =</a:t>
             </a:r>
-            <a:endParaRPr lang="en-US" dirty="0" smtClean="0"/>
           </a:p>
           <a:p>
             <a:r>
@@ -12366,11 +12303,7 @@
           <a:p>
             <a:r>
               <a:rPr lang="en-US" dirty="0" smtClean="0"/>
-              <a:t>(register f1</a:t>
-            </a:r>
-            <a:r>
-              <a:rPr lang="en-US" dirty="0" smtClean="0"/>
-              <a:t>)</a:t>
+              <a:t>(register f1)</a:t>
             </a:r>
             <a:endParaRPr lang="en-US" dirty="0"/>
           </a:p>
@@ -12523,11 +12456,7 @@
             </a:r>
             <a:r>
               <a:rPr lang="en-US" dirty="0" smtClean="0"/>
-              <a:t> </a:t>
-            </a:r>
-            <a:r>
-              <a:rPr lang="en-US" dirty="0" smtClean="0"/>
-              <a:t>= 250</a:t>
+              <a:t> = 250</a:t>
             </a:r>
           </a:p>
           <a:p>
@@ -12975,11 +12904,7 @@
           <a:p>
             <a:r>
               <a:rPr lang="en-US" dirty="0" smtClean="0"/>
-              <a:t>(register f2</a:t>
-            </a:r>
-            <a:r>
-              <a:rPr lang="en-US" dirty="0" smtClean="0"/>
-              <a:t>)</a:t>
+              <a:t>(register f2)</a:t>
             </a:r>
             <a:endParaRPr lang="en-US" dirty="0"/>
           </a:p>
@@ -13388,13 +13313,6 @@
                 </a:rPr>
                 <a:t>       w = wall1</a:t>
               </a:r>
-              <a:endParaRPr lang="en-US" b="1" dirty="0" smtClean="0">
-                <a:solidFill>
-                  <a:schemeClr val="tx1"/>
-                </a:solidFill>
-                <a:latin typeface="Consolas" pitchFamily="49" charset="0"/>
-                <a:cs typeface="Consolas" pitchFamily="49" charset="0"/>
-              </a:endParaRPr>
             </a:p>
             <a:p>
               <a:r>
@@ -13425,17 +13343,7 @@
                   <a:latin typeface="Consolas" pitchFamily="49" charset="0"/>
                   <a:cs typeface="Consolas" pitchFamily="49" charset="0"/>
                 </a:rPr>
-                <a:t> </a:t>
-              </a:r>
-              <a:r>
-                <a:rPr lang="en-US" b="1" dirty="0" smtClean="0">
-                  <a:solidFill>
-                    <a:schemeClr val="tx1"/>
-                  </a:solidFill>
-                  <a:latin typeface="Consolas" pitchFamily="49" charset="0"/>
-                  <a:cs typeface="Consolas" pitchFamily="49" charset="0"/>
-                </a:rPr>
-                <a:t>= </a:t>
+                <a:t> = </a:t>
               </a:r>
               <a:endParaRPr lang="en-US" b="1" dirty="0">
                 <a:solidFill>

--- a/Slides/Lesson 10.8 Callbacks and Interacting Objects.pptx
+++ b/Slides/Lesson 10.8 Callbacks and Interacting Objects.pptx
@@ -5,7 +5,7 @@
     <p:sldMasterId id="2147483661" r:id="rId1"/>
   </p:sldMasterIdLst>
   <p:notesMasterIdLst>
-    <p:notesMasterId r:id="rId26"/>
+    <p:notesMasterId r:id="rId27"/>
   </p:notesMasterIdLst>
   <p:sldIdLst>
     <p:sldId id="256" r:id="rId2"/>
@@ -30,13 +30,14 @@
     <p:sldId id="278" r:id="rId21"/>
     <p:sldId id="297" r:id="rId22"/>
     <p:sldId id="270" r:id="rId23"/>
-    <p:sldId id="273" r:id="rId24"/>
-    <p:sldId id="275" r:id="rId25"/>
+    <p:sldId id="299" r:id="rId24"/>
+    <p:sldId id="273" r:id="rId25"/>
+    <p:sldId id="275" r:id="rId26"/>
   </p:sldIdLst>
   <p:sldSz cx="9144000" cy="6858000" type="screen4x3"/>
   <p:notesSz cx="6858000" cy="9144000"/>
   <p:custDataLst>
-    <p:tags r:id="rId27"/>
+    <p:tags r:id="rId28"/>
   </p:custDataLst>
   <p:defaultTextStyle>
     <a:defPPr>
@@ -234,7 +235,7 @@
           <a:p>
             <a:fld id="{D921B35E-F9A9-4F4B-882B-2AFF4C2A0596}" type="datetimeFigureOut">
               <a:rPr lang="en-US" smtClean="0"/>
-              <a:t>11/16/2015</a:t>
+              <a:t>11/4/2016</a:t>
             </a:fld>
             <a:endParaRPr lang="en-US"/>
           </a:p>
@@ -298,38 +299,37 @@
           <a:p>
             <a:pPr lvl="0"/>
             <a:r>
-              <a:rPr lang="en-US" smtClean="0"/>
+              <a:rPr lang="en-US"/>
               <a:t>Click to edit Master text styles</a:t>
             </a:r>
           </a:p>
           <a:p>
             <a:pPr lvl="1"/>
             <a:r>
-              <a:rPr lang="en-US" smtClean="0"/>
+              <a:rPr lang="en-US"/>
               <a:t>Second level</a:t>
             </a:r>
           </a:p>
           <a:p>
             <a:pPr lvl="2"/>
             <a:r>
-              <a:rPr lang="en-US" smtClean="0"/>
+              <a:rPr lang="en-US"/>
               <a:t>Third level</a:t>
             </a:r>
           </a:p>
           <a:p>
             <a:pPr lvl="3"/>
             <a:r>
-              <a:rPr lang="en-US" smtClean="0"/>
+              <a:rPr lang="en-US"/>
               <a:t>Fourth level</a:t>
             </a:r>
           </a:p>
           <a:p>
             <a:pPr lvl="4"/>
             <a:r>
-              <a:rPr lang="en-US" smtClean="0"/>
+              <a:rPr lang="en-US"/>
               <a:t>Fifth level</a:t>
             </a:r>
-            <a:endParaRPr lang="en-US"/>
           </a:p>
         </p:txBody>
       </p:sp>
@@ -876,10 +876,9 @@
           <a:lstStyle/>
           <a:p>
             <a:r>
-              <a:rPr lang="en-US" smtClean="0"/>
+              <a:rPr lang="en-US"/>
               <a:t>Click to edit Master title style</a:t>
             </a:r>
-            <a:endParaRPr lang="en-US"/>
           </a:p>
         </p:txBody>
       </p:sp>
@@ -995,10 +994,9 @@
           </a:lstStyle>
           <a:p>
             <a:r>
-              <a:rPr lang="en-US" smtClean="0"/>
+              <a:rPr lang="en-US"/>
               <a:t>Click to edit Master subtitle style</a:t>
             </a:r>
-            <a:endParaRPr lang="en-US"/>
           </a:p>
         </p:txBody>
       </p:sp>
@@ -1019,7 +1017,7 @@
           <a:p>
             <a:fld id="{2F1F79F5-7BEC-496A-AFC7-876E38F64D71}" type="datetime1">
               <a:rPr lang="en-US" smtClean="0"/>
-              <a:t>11/16/2015</a:t>
+              <a:t>11/4/2016</a:t>
             </a:fld>
             <a:endParaRPr lang="en-US"/>
           </a:p>
@@ -1077,13 +1075,6 @@
   <p:clrMapOvr>
     <a:masterClrMapping/>
   </p:clrMapOvr>
-  <p:timing>
-    <p:tnLst>
-      <p:par>
-        <p:cTn id="1" dur="indefinite" restart="never" nodeType="tmRoot"/>
-      </p:par>
-    </p:tnLst>
-  </p:timing>
 </p:sldLayout>
 </file>
 
@@ -1120,10 +1111,9 @@
           <a:lstStyle/>
           <a:p>
             <a:r>
-              <a:rPr lang="en-US" smtClean="0"/>
+              <a:rPr lang="en-US"/>
               <a:t>Click to edit Master title style</a:t>
             </a:r>
-            <a:endParaRPr lang="en-US"/>
           </a:p>
         </p:txBody>
       </p:sp>
@@ -1144,7 +1134,7 @@
           <a:p>
             <a:fld id="{2F7B77F5-1464-4F6B-92A8-64FC8A508293}" type="datetime1">
               <a:rPr lang="en-US" smtClean="0"/>
-              <a:t>11/16/2015</a:t>
+              <a:t>11/4/2016</a:t>
             </a:fld>
             <a:endParaRPr lang="en-US"/>
           </a:p>
@@ -1202,13 +1192,6 @@
   <p:clrMapOvr>
     <a:masterClrMapping/>
   </p:clrMapOvr>
-  <p:timing>
-    <p:tnLst>
-      <p:par>
-        <p:cTn id="1" dur="indefinite" restart="never" nodeType="tmRoot"/>
-      </p:par>
-    </p:tnLst>
-  </p:timing>
 </p:sldLayout>
 </file>
 
@@ -1246,7 +1229,7 @@
           <a:p>
             <a:fld id="{0A05703A-7669-4FEA-9056-25299B4D29D4}" type="datetime1">
               <a:rPr lang="en-US" smtClean="0"/>
-              <a:t>11/16/2015</a:t>
+              <a:t>11/4/2016</a:t>
             </a:fld>
             <a:endParaRPr lang="en-US"/>
           </a:p>
@@ -1349,10 +1332,9 @@
           </a:lstStyle>
           <a:p>
             <a:r>
-              <a:rPr lang="en-US" smtClean="0"/>
+              <a:rPr lang="en-US"/>
               <a:t>Click to edit Master title style</a:t>
             </a:r>
-            <a:endParaRPr lang="en-US"/>
           </a:p>
         </p:txBody>
       </p:sp>
@@ -1406,38 +1388,37 @@
           <a:p>
             <a:pPr lvl="0"/>
             <a:r>
-              <a:rPr lang="en-US" smtClean="0"/>
+              <a:rPr lang="en-US"/>
               <a:t>Click to edit Master text styles</a:t>
             </a:r>
           </a:p>
           <a:p>
             <a:pPr lvl="1"/>
             <a:r>
-              <a:rPr lang="en-US" smtClean="0"/>
+              <a:rPr lang="en-US"/>
               <a:t>Second level</a:t>
             </a:r>
           </a:p>
           <a:p>
             <a:pPr lvl="2"/>
             <a:r>
-              <a:rPr lang="en-US" smtClean="0"/>
+              <a:rPr lang="en-US"/>
               <a:t>Third level</a:t>
             </a:r>
           </a:p>
           <a:p>
             <a:pPr lvl="3"/>
             <a:r>
-              <a:rPr lang="en-US" smtClean="0"/>
+              <a:rPr lang="en-US"/>
               <a:t>Fourth level</a:t>
             </a:r>
           </a:p>
           <a:p>
             <a:pPr lvl="4"/>
             <a:r>
-              <a:rPr lang="en-US" smtClean="0"/>
+              <a:rPr lang="en-US"/>
               <a:t>Fifth level</a:t>
             </a:r>
-            <a:endParaRPr lang="en-US"/>
           </a:p>
         </p:txBody>
       </p:sp>
@@ -1500,7 +1481,7 @@
           <a:p>
             <a:pPr lvl="0"/>
             <a:r>
-              <a:rPr lang="en-US" smtClean="0"/>
+              <a:rPr lang="en-US"/>
               <a:t>Click to edit Master text styles</a:t>
             </a:r>
           </a:p>
@@ -1523,7 +1504,7 @@
           <a:p>
             <a:fld id="{6E5077B5-BB57-49DB-88CA-226A139E5C01}" type="datetime1">
               <a:rPr lang="en-US" smtClean="0"/>
-              <a:t>11/16/2015</a:t>
+              <a:t>11/4/2016</a:t>
             </a:fld>
             <a:endParaRPr lang="en-US"/>
           </a:p>
@@ -1626,10 +1607,9 @@
           </a:lstStyle>
           <a:p>
             <a:r>
-              <a:rPr lang="en-US" smtClean="0"/>
+              <a:rPr lang="en-US"/>
               <a:t>Click to edit Master title style</a:t>
             </a:r>
-            <a:endParaRPr lang="en-US"/>
           </a:p>
         </p:txBody>
       </p:sp>
@@ -1753,7 +1733,7 @@
           <a:p>
             <a:pPr lvl="0"/>
             <a:r>
-              <a:rPr lang="en-US" smtClean="0"/>
+              <a:rPr lang="en-US"/>
               <a:t>Click to edit Master text styles</a:t>
             </a:r>
           </a:p>
@@ -1776,7 +1756,7 @@
           <a:p>
             <a:fld id="{C48D9447-CBD6-49A1-89FD-8512A8CF8999}" type="datetime1">
               <a:rPr lang="en-US" smtClean="0"/>
-              <a:t>11/16/2015</a:t>
+              <a:t>11/4/2016</a:t>
             </a:fld>
             <a:endParaRPr lang="en-US"/>
           </a:p>
@@ -1870,10 +1850,9 @@
           <a:lstStyle/>
           <a:p>
             <a:r>
-              <a:rPr lang="en-US" smtClean="0"/>
+              <a:rPr lang="en-US"/>
               <a:t>Click to edit Master title style</a:t>
             </a:r>
-            <a:endParaRPr lang="en-US"/>
           </a:p>
         </p:txBody>
       </p:sp>
@@ -1894,38 +1873,37 @@
           <a:p>
             <a:pPr lvl="0"/>
             <a:r>
-              <a:rPr lang="en-US" smtClean="0"/>
+              <a:rPr lang="en-US"/>
               <a:t>Click to edit Master text styles</a:t>
             </a:r>
           </a:p>
           <a:p>
             <a:pPr lvl="1"/>
             <a:r>
-              <a:rPr lang="en-US" smtClean="0"/>
+              <a:rPr lang="en-US"/>
               <a:t>Second level</a:t>
             </a:r>
           </a:p>
           <a:p>
             <a:pPr lvl="2"/>
             <a:r>
-              <a:rPr lang="en-US" smtClean="0"/>
+              <a:rPr lang="en-US"/>
               <a:t>Third level</a:t>
             </a:r>
           </a:p>
           <a:p>
             <a:pPr lvl="3"/>
             <a:r>
-              <a:rPr lang="en-US" smtClean="0"/>
+              <a:rPr lang="en-US"/>
               <a:t>Fourth level</a:t>
             </a:r>
           </a:p>
           <a:p>
             <a:pPr lvl="4"/>
             <a:r>
-              <a:rPr lang="en-US" smtClean="0"/>
+              <a:rPr lang="en-US"/>
               <a:t>Fifth level</a:t>
             </a:r>
-            <a:endParaRPr lang="en-US"/>
           </a:p>
         </p:txBody>
       </p:sp>
@@ -1946,7 +1924,7 @@
           <a:p>
             <a:fld id="{A3639A2A-823D-48B7-9ACE-7FAF42870BA9}" type="datetime1">
               <a:rPr lang="en-US" smtClean="0"/>
-              <a:t>11/16/2015</a:t>
+              <a:t>11/4/2016</a:t>
             </a:fld>
             <a:endParaRPr lang="en-US"/>
           </a:p>
@@ -2045,10 +2023,9 @@
           <a:lstStyle/>
           <a:p>
             <a:r>
-              <a:rPr lang="en-US" smtClean="0"/>
+              <a:rPr lang="en-US"/>
               <a:t>Click to edit Master title style</a:t>
             </a:r>
-            <a:endParaRPr lang="en-US"/>
           </a:p>
         </p:txBody>
       </p:sp>
@@ -2074,38 +2051,37 @@
           <a:p>
             <a:pPr lvl="0"/>
             <a:r>
-              <a:rPr lang="en-US" smtClean="0"/>
+              <a:rPr lang="en-US"/>
               <a:t>Click to edit Master text styles</a:t>
             </a:r>
           </a:p>
           <a:p>
             <a:pPr lvl="1"/>
             <a:r>
-              <a:rPr lang="en-US" smtClean="0"/>
+              <a:rPr lang="en-US"/>
               <a:t>Second level</a:t>
             </a:r>
           </a:p>
           <a:p>
             <a:pPr lvl="2"/>
             <a:r>
-              <a:rPr lang="en-US" smtClean="0"/>
+              <a:rPr lang="en-US"/>
               <a:t>Third level</a:t>
             </a:r>
           </a:p>
           <a:p>
             <a:pPr lvl="3"/>
             <a:r>
-              <a:rPr lang="en-US" smtClean="0"/>
+              <a:rPr lang="en-US"/>
               <a:t>Fourth level</a:t>
             </a:r>
           </a:p>
           <a:p>
             <a:pPr lvl="4"/>
             <a:r>
-              <a:rPr lang="en-US" smtClean="0"/>
+              <a:rPr lang="en-US"/>
               <a:t>Fifth level</a:t>
             </a:r>
-            <a:endParaRPr lang="en-US"/>
           </a:p>
         </p:txBody>
       </p:sp>
@@ -2126,7 +2102,7 @@
           <a:p>
             <a:fld id="{ED1B6996-82E9-463C-972C-7B56056E426C}" type="datetime1">
               <a:rPr lang="en-US" smtClean="0"/>
-              <a:t>11/16/2015</a:t>
+              <a:t>11/4/2016</a:t>
             </a:fld>
             <a:endParaRPr lang="en-US"/>
           </a:p>
@@ -2226,10 +2202,9 @@
           <a:lstStyle/>
           <a:p>
             <a:r>
-              <a:rPr lang="en-US" dirty="0" smtClean="0"/>
+              <a:rPr lang="en-US" dirty="0"/>
               <a:t>Click to edit Master title style</a:t>
             </a:r>
-            <a:endParaRPr lang="en-US" dirty="0"/>
           </a:p>
         </p:txBody>
       </p:sp>
@@ -2250,38 +2225,37 @@
           <a:p>
             <a:pPr lvl="0"/>
             <a:r>
-              <a:rPr lang="en-US" smtClean="0"/>
+              <a:rPr lang="en-US"/>
               <a:t>Click to edit Master text styles</a:t>
             </a:r>
           </a:p>
           <a:p>
             <a:pPr lvl="1"/>
             <a:r>
-              <a:rPr lang="en-US" smtClean="0"/>
+              <a:rPr lang="en-US"/>
               <a:t>Second level</a:t>
             </a:r>
           </a:p>
           <a:p>
             <a:pPr lvl="2"/>
             <a:r>
-              <a:rPr lang="en-US" smtClean="0"/>
+              <a:rPr lang="en-US"/>
               <a:t>Third level</a:t>
             </a:r>
           </a:p>
           <a:p>
             <a:pPr lvl="3"/>
             <a:r>
-              <a:rPr lang="en-US" smtClean="0"/>
+              <a:rPr lang="en-US"/>
               <a:t>Fourth level</a:t>
             </a:r>
           </a:p>
           <a:p>
             <a:pPr lvl="4"/>
             <a:r>
-              <a:rPr lang="en-US" smtClean="0"/>
+              <a:rPr lang="en-US"/>
               <a:t>Fifth level</a:t>
             </a:r>
-            <a:endParaRPr lang="en-US"/>
           </a:p>
         </p:txBody>
       </p:sp>
@@ -2302,7 +2276,7 @@
           <a:p>
             <a:fld id="{E22ED4DA-448D-4BB1-B935-CC112220207B}" type="datetime1">
               <a:rPr lang="en-US" smtClean="0"/>
-              <a:t>11/16/2015</a:t>
+              <a:t>11/4/2016</a:t>
             </a:fld>
             <a:endParaRPr lang="en-US"/>
           </a:p>
@@ -2360,13 +2334,6 @@
   <p:clrMapOvr>
     <a:masterClrMapping/>
   </p:clrMapOvr>
-  <p:timing>
-    <p:tnLst>
-      <p:par>
-        <p:cTn id="1" dur="indefinite" restart="never" nodeType="tmRoot"/>
-      </p:par>
-    </p:tnLst>
-  </p:timing>
 </p:sldLayout>
 </file>
 
@@ -2403,10 +2370,9 @@
           <a:lstStyle/>
           <a:p>
             <a:r>
-              <a:rPr lang="en-US" smtClean="0"/>
+              <a:rPr lang="en-US"/>
               <a:t>Click to edit Master title style</a:t>
             </a:r>
-            <a:endParaRPr lang="en-US"/>
           </a:p>
         </p:txBody>
       </p:sp>
@@ -2432,38 +2398,37 @@
           <a:p>
             <a:pPr lvl="0"/>
             <a:r>
-              <a:rPr lang="en-US" dirty="0" smtClean="0"/>
+              <a:rPr lang="en-US" dirty="0"/>
               <a:t>Click to edit Master text styles</a:t>
             </a:r>
           </a:p>
           <a:p>
             <a:pPr lvl="1"/>
             <a:r>
-              <a:rPr lang="en-US" dirty="0" smtClean="0"/>
+              <a:rPr lang="en-US" dirty="0"/>
               <a:t>Second level</a:t>
             </a:r>
           </a:p>
           <a:p>
             <a:pPr lvl="2"/>
             <a:r>
-              <a:rPr lang="en-US" dirty="0" smtClean="0"/>
+              <a:rPr lang="en-US" dirty="0"/>
               <a:t>Third level</a:t>
             </a:r>
           </a:p>
           <a:p>
             <a:pPr lvl="3"/>
             <a:r>
-              <a:rPr lang="en-US" dirty="0" smtClean="0"/>
+              <a:rPr lang="en-US" dirty="0"/>
               <a:t>Fourth level</a:t>
             </a:r>
           </a:p>
           <a:p>
             <a:pPr lvl="4"/>
             <a:r>
-              <a:rPr lang="en-US" dirty="0" smtClean="0"/>
+              <a:rPr lang="en-US" dirty="0"/>
               <a:t>Fifth level</a:t>
             </a:r>
-            <a:endParaRPr lang="en-US" dirty="0"/>
           </a:p>
         </p:txBody>
       </p:sp>
@@ -2484,7 +2449,7 @@
           <a:p>
             <a:fld id="{E22ED4DA-448D-4BB1-B935-CC112220207B}" type="datetime1">
               <a:rPr lang="en-US" smtClean="0"/>
-              <a:t>11/16/2015</a:t>
+              <a:t>11/4/2016</a:t>
             </a:fld>
             <a:endParaRPr lang="en-US"/>
           </a:p>
@@ -2574,7 +2539,7 @@
           <a:lstStyle/>
           <a:p>
             <a:pPr algn="ctr"/>
-            <a:endParaRPr lang="en-US" dirty="0" smtClean="0">
+            <a:endParaRPr lang="en-US" dirty="0">
               <a:solidFill>
                 <a:schemeClr val="tx1"/>
               </a:solidFill>
@@ -2605,11 +2570,11 @@
           <a:lstStyle/>
           <a:p>
             <a:r>
-              <a:rPr lang="en-US" dirty="0" smtClean="0"/>
+              <a:rPr lang="en-US" dirty="0"/>
               <a:t>Resize video to this</a:t>
             </a:r>
             <a:r>
-              <a:rPr lang="en-US" baseline="0" dirty="0" smtClean="0"/>
+              <a:rPr lang="en-US" baseline="0" dirty="0"/>
               <a:t> box.</a:t>
             </a:r>
             <a:endParaRPr lang="en-US" dirty="0"/>
@@ -2626,13 +2591,6 @@
   <p:clrMapOvr>
     <a:masterClrMapping/>
   </p:clrMapOvr>
-  <p:timing>
-    <p:tnLst>
-      <p:par>
-        <p:cTn id="1" dur="indefinite" restart="never" nodeType="tmRoot"/>
-      </p:par>
-    </p:tnLst>
-  </p:timing>
 </p:sldLayout>
 </file>
 
@@ -2669,10 +2627,9 @@
           <a:lstStyle/>
           <a:p>
             <a:r>
-              <a:rPr lang="en-US" smtClean="0"/>
+              <a:rPr lang="en-US"/>
               <a:t>Click to edit Master title style</a:t>
             </a:r>
-            <a:endParaRPr lang="en-US"/>
           </a:p>
         </p:txBody>
       </p:sp>
@@ -2701,38 +2658,37 @@
           <a:p>
             <a:pPr lvl="0"/>
             <a:r>
-              <a:rPr lang="en-US" dirty="0" smtClean="0"/>
+              <a:rPr lang="en-US" dirty="0"/>
               <a:t>Click to edit Master text styles</a:t>
             </a:r>
           </a:p>
           <a:p>
             <a:pPr lvl="1"/>
             <a:r>
-              <a:rPr lang="en-US" dirty="0" smtClean="0"/>
+              <a:rPr lang="en-US" dirty="0"/>
               <a:t>Second level</a:t>
             </a:r>
           </a:p>
           <a:p>
             <a:pPr lvl="2"/>
             <a:r>
-              <a:rPr lang="en-US" dirty="0" smtClean="0"/>
+              <a:rPr lang="en-US" dirty="0"/>
               <a:t>Third level</a:t>
             </a:r>
           </a:p>
           <a:p>
             <a:pPr lvl="3"/>
             <a:r>
-              <a:rPr lang="en-US" dirty="0" smtClean="0"/>
+              <a:rPr lang="en-US" dirty="0"/>
               <a:t>Fourth level</a:t>
             </a:r>
           </a:p>
           <a:p>
             <a:pPr lvl="4"/>
             <a:r>
-              <a:rPr lang="en-US" dirty="0" smtClean="0"/>
+              <a:rPr lang="en-US" dirty="0"/>
               <a:t>Fifth level</a:t>
             </a:r>
-            <a:endParaRPr lang="en-US" dirty="0"/>
           </a:p>
         </p:txBody>
       </p:sp>
@@ -2753,7 +2709,7 @@
           <a:p>
             <a:fld id="{FF5D65A6-AB94-4435-B0B7-3743215FA46C}" type="datetime1">
               <a:rPr lang="en-US" smtClean="0"/>
-              <a:t>11/16/2015</a:t>
+              <a:t>11/4/2016</a:t>
             </a:fld>
             <a:endParaRPr lang="en-US"/>
           </a:p>
@@ -2811,13 +2767,6 @@
   <p:clrMapOvr>
     <a:masterClrMapping/>
   </p:clrMapOvr>
-  <p:timing>
-    <p:tnLst>
-      <p:par>
-        <p:cTn id="1" dur="indefinite" restart="never" nodeType="tmRoot"/>
-      </p:par>
-    </p:tnLst>
-  </p:timing>
 </p:sldLayout>
 </file>
 
@@ -2854,10 +2803,9 @@
           <a:lstStyle/>
           <a:p>
             <a:r>
-              <a:rPr lang="en-US" smtClean="0"/>
+              <a:rPr lang="en-US"/>
               <a:t>Click to edit Master title style</a:t>
             </a:r>
-            <a:endParaRPr lang="en-US"/>
           </a:p>
         </p:txBody>
       </p:sp>
@@ -2915,38 +2863,37 @@
           <a:p>
             <a:pPr lvl="0"/>
             <a:r>
-              <a:rPr lang="en-US" dirty="0" smtClean="0"/>
+              <a:rPr lang="en-US" dirty="0"/>
               <a:t>Click to edit Master text styles</a:t>
             </a:r>
           </a:p>
           <a:p>
             <a:pPr lvl="1"/>
             <a:r>
-              <a:rPr lang="en-US" dirty="0" smtClean="0"/>
+              <a:rPr lang="en-US" dirty="0"/>
               <a:t>Second level</a:t>
             </a:r>
           </a:p>
           <a:p>
             <a:pPr lvl="2"/>
             <a:r>
-              <a:rPr lang="en-US" dirty="0" smtClean="0"/>
+              <a:rPr lang="en-US" dirty="0"/>
               <a:t>Third level</a:t>
             </a:r>
           </a:p>
           <a:p>
             <a:pPr lvl="3"/>
             <a:r>
-              <a:rPr lang="en-US" dirty="0" smtClean="0"/>
+              <a:rPr lang="en-US" dirty="0"/>
               <a:t>Fourth level</a:t>
             </a:r>
           </a:p>
           <a:p>
             <a:pPr lvl="4"/>
             <a:r>
-              <a:rPr lang="en-US" dirty="0" smtClean="0"/>
+              <a:rPr lang="en-US" dirty="0"/>
               <a:t>Fifth level</a:t>
             </a:r>
-            <a:endParaRPr lang="en-US" dirty="0"/>
           </a:p>
         </p:txBody>
       </p:sp>
@@ -3004,38 +2951,37 @@
           <a:p>
             <a:pPr lvl="0"/>
             <a:r>
-              <a:rPr lang="en-US" dirty="0" smtClean="0"/>
+              <a:rPr lang="en-US" dirty="0"/>
               <a:t>Click to edit Master text styles</a:t>
             </a:r>
           </a:p>
           <a:p>
             <a:pPr lvl="1"/>
             <a:r>
-              <a:rPr lang="en-US" dirty="0" smtClean="0"/>
+              <a:rPr lang="en-US" dirty="0"/>
               <a:t>Second level</a:t>
             </a:r>
           </a:p>
           <a:p>
             <a:pPr lvl="2"/>
             <a:r>
-              <a:rPr lang="en-US" dirty="0" smtClean="0"/>
+              <a:rPr lang="en-US" dirty="0"/>
               <a:t>Third level</a:t>
             </a:r>
           </a:p>
           <a:p>
             <a:pPr lvl="3"/>
             <a:r>
-              <a:rPr lang="en-US" dirty="0" smtClean="0"/>
+              <a:rPr lang="en-US" dirty="0"/>
               <a:t>Fourth level</a:t>
             </a:r>
           </a:p>
           <a:p>
             <a:pPr lvl="4"/>
             <a:r>
-              <a:rPr lang="en-US" dirty="0" smtClean="0"/>
+              <a:rPr lang="en-US" dirty="0"/>
               <a:t>Fifth level</a:t>
             </a:r>
-            <a:endParaRPr lang="en-US" dirty="0"/>
           </a:p>
         </p:txBody>
       </p:sp>
@@ -3056,7 +3002,7 @@
           <a:p>
             <a:fld id="{5D1846AD-9252-4647-9435-4C2AC365653A}" type="datetime1">
               <a:rPr lang="en-US" smtClean="0"/>
-              <a:t>11/16/2015</a:t>
+              <a:t>11/4/2016</a:t>
             </a:fld>
             <a:endParaRPr lang="en-US"/>
           </a:p>
@@ -3150,10 +3096,9 @@
           <a:lstStyle/>
           <a:p>
             <a:r>
-              <a:rPr lang="en-US" smtClean="0"/>
+              <a:rPr lang="en-US"/>
               <a:t>Click to edit Master title style</a:t>
             </a:r>
-            <a:endParaRPr lang="en-US"/>
           </a:p>
         </p:txBody>
       </p:sp>
@@ -3182,38 +3127,37 @@
           <a:p>
             <a:pPr lvl="0"/>
             <a:r>
-              <a:rPr lang="en-US" dirty="0" smtClean="0"/>
+              <a:rPr lang="en-US" dirty="0"/>
               <a:t>Click to edit Master text styles</a:t>
             </a:r>
           </a:p>
           <a:p>
             <a:pPr lvl="1"/>
             <a:r>
-              <a:rPr lang="en-US" dirty="0" smtClean="0"/>
+              <a:rPr lang="en-US" dirty="0"/>
               <a:t>Second level</a:t>
             </a:r>
           </a:p>
           <a:p>
             <a:pPr lvl="2"/>
             <a:r>
-              <a:rPr lang="en-US" dirty="0" smtClean="0"/>
+              <a:rPr lang="en-US" dirty="0"/>
               <a:t>Third level</a:t>
             </a:r>
           </a:p>
           <a:p>
             <a:pPr lvl="3"/>
             <a:r>
-              <a:rPr lang="en-US" dirty="0" smtClean="0"/>
+              <a:rPr lang="en-US" dirty="0"/>
               <a:t>Fourth level</a:t>
             </a:r>
           </a:p>
           <a:p>
             <a:pPr lvl="4"/>
             <a:r>
-              <a:rPr lang="en-US" dirty="0" smtClean="0"/>
+              <a:rPr lang="en-US" dirty="0"/>
               <a:t>Fifth level</a:t>
             </a:r>
-            <a:endParaRPr lang="en-US" dirty="0"/>
           </a:p>
         </p:txBody>
       </p:sp>
@@ -3234,7 +3178,7 @@
           <a:p>
             <a:fld id="{FF5D65A6-AB94-4435-B0B7-3743215FA46C}" type="datetime1">
               <a:rPr lang="en-US" smtClean="0"/>
-              <a:t>11/16/2015</a:t>
+              <a:t>11/4/2016</a:t>
             </a:fld>
             <a:endParaRPr lang="en-US"/>
           </a:p>
@@ -3341,13 +3285,6 @@
   <p:clrMapOvr>
     <a:masterClrMapping/>
   </p:clrMapOvr>
-  <p:timing>
-    <p:tnLst>
-      <p:par>
-        <p:cTn id="1" dur="indefinite" restart="never" nodeType="tmRoot"/>
-      </p:par>
-    </p:tnLst>
-  </p:timing>
 </p:sldLayout>
 </file>
 
@@ -3393,10 +3330,9 @@
           </a:lstStyle>
           <a:p>
             <a:r>
-              <a:rPr lang="en-US" smtClean="0"/>
+              <a:rPr lang="en-US"/>
               <a:t>Click to edit Master title style</a:t>
             </a:r>
-            <a:endParaRPr lang="en-US"/>
           </a:p>
         </p:txBody>
       </p:sp>
@@ -3513,7 +3449,7 @@
           <a:p>
             <a:pPr lvl="0"/>
             <a:r>
-              <a:rPr lang="en-US" smtClean="0"/>
+              <a:rPr lang="en-US"/>
               <a:t>Click to edit Master text styles</a:t>
             </a:r>
           </a:p>
@@ -3536,7 +3472,7 @@
           <a:p>
             <a:fld id="{7C193DC4-6EF0-48C9-B29C-616106A645E1}" type="datetime1">
               <a:rPr lang="en-US" smtClean="0"/>
-              <a:t>11/16/2015</a:t>
+              <a:t>11/4/2016</a:t>
             </a:fld>
             <a:endParaRPr lang="en-US"/>
           </a:p>
@@ -3630,10 +3566,9 @@
           <a:lstStyle/>
           <a:p>
             <a:r>
-              <a:rPr lang="en-US" smtClean="0"/>
+              <a:rPr lang="en-US"/>
               <a:t>Click to edit Master title style</a:t>
             </a:r>
-            <a:endParaRPr lang="en-US"/>
           </a:p>
         </p:txBody>
       </p:sp>
@@ -3687,38 +3622,37 @@
           <a:p>
             <a:pPr lvl="0"/>
             <a:r>
-              <a:rPr lang="en-US" smtClean="0"/>
+              <a:rPr lang="en-US"/>
               <a:t>Click to edit Master text styles</a:t>
             </a:r>
           </a:p>
           <a:p>
             <a:pPr lvl="1"/>
             <a:r>
-              <a:rPr lang="en-US" smtClean="0"/>
+              <a:rPr lang="en-US"/>
               <a:t>Second level</a:t>
             </a:r>
           </a:p>
           <a:p>
             <a:pPr lvl="2"/>
             <a:r>
-              <a:rPr lang="en-US" smtClean="0"/>
+              <a:rPr lang="en-US"/>
               <a:t>Third level</a:t>
             </a:r>
           </a:p>
           <a:p>
             <a:pPr lvl="3"/>
             <a:r>
-              <a:rPr lang="en-US" smtClean="0"/>
+              <a:rPr lang="en-US"/>
               <a:t>Fourth level</a:t>
             </a:r>
           </a:p>
           <a:p>
             <a:pPr lvl="4"/>
             <a:r>
-              <a:rPr lang="en-US" smtClean="0"/>
+              <a:rPr lang="en-US"/>
               <a:t>Fifth level</a:t>
             </a:r>
-            <a:endParaRPr lang="en-US"/>
           </a:p>
         </p:txBody>
       </p:sp>
@@ -3772,38 +3706,37 @@
           <a:p>
             <a:pPr lvl="0"/>
             <a:r>
-              <a:rPr lang="en-US" smtClean="0"/>
+              <a:rPr lang="en-US"/>
               <a:t>Click to edit Master text styles</a:t>
             </a:r>
           </a:p>
           <a:p>
             <a:pPr lvl="1"/>
             <a:r>
-              <a:rPr lang="en-US" smtClean="0"/>
+              <a:rPr lang="en-US"/>
               <a:t>Second level</a:t>
             </a:r>
           </a:p>
           <a:p>
             <a:pPr lvl="2"/>
             <a:r>
-              <a:rPr lang="en-US" smtClean="0"/>
+              <a:rPr lang="en-US"/>
               <a:t>Third level</a:t>
             </a:r>
           </a:p>
           <a:p>
             <a:pPr lvl="3"/>
             <a:r>
-              <a:rPr lang="en-US" smtClean="0"/>
+              <a:rPr lang="en-US"/>
               <a:t>Fourth level</a:t>
             </a:r>
           </a:p>
           <a:p>
             <a:pPr lvl="4"/>
             <a:r>
-              <a:rPr lang="en-US" smtClean="0"/>
+              <a:rPr lang="en-US"/>
               <a:t>Fifth level</a:t>
             </a:r>
-            <a:endParaRPr lang="en-US"/>
           </a:p>
         </p:txBody>
       </p:sp>
@@ -3824,7 +3757,7 @@
           <a:p>
             <a:fld id="{5D1846AD-9252-4647-9435-4C2AC365653A}" type="datetime1">
               <a:rPr lang="en-US" smtClean="0"/>
-              <a:t>11/16/2015</a:t>
+              <a:t>11/4/2016</a:t>
             </a:fld>
             <a:endParaRPr lang="en-US"/>
           </a:p>
@@ -3922,10 +3855,9 @@
           </a:lstStyle>
           <a:p>
             <a:r>
-              <a:rPr lang="en-US" smtClean="0"/>
+              <a:rPr lang="en-US"/>
               <a:t>Click to edit Master title style</a:t>
             </a:r>
-            <a:endParaRPr lang="en-US"/>
           </a:p>
         </p:txBody>
       </p:sp>
@@ -3988,7 +3920,7 @@
           <a:p>
             <a:pPr lvl="0"/>
             <a:r>
-              <a:rPr lang="en-US" smtClean="0"/>
+              <a:rPr lang="en-US"/>
               <a:t>Click to edit Master text styles</a:t>
             </a:r>
           </a:p>
@@ -4044,38 +3976,37 @@
           <a:p>
             <a:pPr lvl="0"/>
             <a:r>
-              <a:rPr lang="en-US" smtClean="0"/>
+              <a:rPr lang="en-US"/>
               <a:t>Click to edit Master text styles</a:t>
             </a:r>
           </a:p>
           <a:p>
             <a:pPr lvl="1"/>
             <a:r>
-              <a:rPr lang="en-US" smtClean="0"/>
+              <a:rPr lang="en-US"/>
               <a:t>Second level</a:t>
             </a:r>
           </a:p>
           <a:p>
             <a:pPr lvl="2"/>
             <a:r>
-              <a:rPr lang="en-US" smtClean="0"/>
+              <a:rPr lang="en-US"/>
               <a:t>Third level</a:t>
             </a:r>
           </a:p>
           <a:p>
             <a:pPr lvl="3"/>
             <a:r>
-              <a:rPr lang="en-US" smtClean="0"/>
+              <a:rPr lang="en-US"/>
               <a:t>Fourth level</a:t>
             </a:r>
           </a:p>
           <a:p>
             <a:pPr lvl="4"/>
             <a:r>
-              <a:rPr lang="en-US" smtClean="0"/>
+              <a:rPr lang="en-US"/>
               <a:t>Fifth level</a:t>
             </a:r>
-            <a:endParaRPr lang="en-US"/>
           </a:p>
         </p:txBody>
       </p:sp>
@@ -4138,7 +4069,7 @@
           <a:p>
             <a:pPr lvl="0"/>
             <a:r>
-              <a:rPr lang="en-US" smtClean="0"/>
+              <a:rPr lang="en-US"/>
               <a:t>Click to edit Master text styles</a:t>
             </a:r>
           </a:p>
@@ -4194,38 +4125,37 @@
           <a:p>
             <a:pPr lvl="0"/>
             <a:r>
-              <a:rPr lang="en-US" smtClean="0"/>
+              <a:rPr lang="en-US"/>
               <a:t>Click to edit Master text styles</a:t>
             </a:r>
           </a:p>
           <a:p>
             <a:pPr lvl="1"/>
             <a:r>
-              <a:rPr lang="en-US" smtClean="0"/>
+              <a:rPr lang="en-US"/>
               <a:t>Second level</a:t>
             </a:r>
           </a:p>
           <a:p>
             <a:pPr lvl="2"/>
             <a:r>
-              <a:rPr lang="en-US" smtClean="0"/>
+              <a:rPr lang="en-US"/>
               <a:t>Third level</a:t>
             </a:r>
           </a:p>
           <a:p>
             <a:pPr lvl="3"/>
             <a:r>
-              <a:rPr lang="en-US" smtClean="0"/>
+              <a:rPr lang="en-US"/>
               <a:t>Fourth level</a:t>
             </a:r>
           </a:p>
           <a:p>
             <a:pPr lvl="4"/>
             <a:r>
-              <a:rPr lang="en-US" smtClean="0"/>
+              <a:rPr lang="en-US"/>
               <a:t>Fifth level</a:t>
             </a:r>
-            <a:endParaRPr lang="en-US"/>
           </a:p>
         </p:txBody>
       </p:sp>
@@ -4246,7 +4176,7 @@
           <a:p>
             <a:fld id="{CE56DC10-3561-4063-A6AF-C1CC7A41040A}" type="datetime1">
               <a:rPr lang="en-US" smtClean="0"/>
-              <a:t>11/16/2015</a:t>
+              <a:t>11/4/2016</a:t>
             </a:fld>
             <a:endParaRPr lang="en-US"/>
           </a:p>
@@ -4367,10 +4297,9 @@
           <a:lstStyle/>
           <a:p>
             <a:r>
-              <a:rPr lang="en-US" smtClean="0"/>
+              <a:rPr lang="en-US"/>
               <a:t>Click to edit Master title style</a:t>
             </a:r>
-            <a:endParaRPr lang="en-US"/>
           </a:p>
         </p:txBody>
       </p:sp>
@@ -4401,38 +4330,37 @@
           <a:p>
             <a:pPr lvl="0"/>
             <a:r>
-              <a:rPr lang="en-US" smtClean="0"/>
+              <a:rPr lang="en-US"/>
               <a:t>Click to edit Master text styles</a:t>
             </a:r>
           </a:p>
           <a:p>
             <a:pPr lvl="1"/>
             <a:r>
-              <a:rPr lang="en-US" smtClean="0"/>
+              <a:rPr lang="en-US"/>
               <a:t>Second level</a:t>
             </a:r>
           </a:p>
           <a:p>
             <a:pPr lvl="2"/>
             <a:r>
-              <a:rPr lang="en-US" smtClean="0"/>
+              <a:rPr lang="en-US"/>
               <a:t>Third level</a:t>
             </a:r>
           </a:p>
           <a:p>
             <a:pPr lvl="3"/>
             <a:r>
-              <a:rPr lang="en-US" smtClean="0"/>
+              <a:rPr lang="en-US"/>
               <a:t>Fourth level</a:t>
             </a:r>
           </a:p>
           <a:p>
             <a:pPr lvl="4"/>
             <a:r>
-              <a:rPr lang="en-US" smtClean="0"/>
+              <a:rPr lang="en-US"/>
               <a:t>Fifth level</a:t>
             </a:r>
-            <a:endParaRPr lang="en-US"/>
           </a:p>
         </p:txBody>
       </p:sp>
@@ -4471,7 +4399,7 @@
           <a:p>
             <a:fld id="{02B3F677-983B-48DB-ADFD-63FE6CBC7FB2}" type="datetime1">
               <a:rPr lang="en-US" smtClean="0"/>
-              <a:t>11/16/2015</a:t>
+              <a:t>11/4/2016</a:t>
             </a:fld>
             <a:endParaRPr lang="en-US"/>
           </a:p>
@@ -4580,13 +4508,6 @@
     <p:sldLayoutId id="2147483675" r:id="rId14"/>
     <p:sldLayoutId id="2147483676" r:id="rId15"/>
   </p:sldLayoutIdLst>
-  <p:timing>
-    <p:tnLst>
-      <p:par>
-        <p:cTn id="1" dur="indefinite" restart="never" nodeType="tmRoot"/>
-      </p:par>
-    </p:tnLst>
-  </p:timing>
   <p:hf hdr="0" ftr="0" dt="0"/>
   <p:txStyles>
     <p:titleStyle>
@@ -4874,10 +4795,9 @@
           <a:lstStyle/>
           <a:p>
             <a:r>
-              <a:rPr lang="en-US" dirty="0" smtClean="0"/>
+              <a:rPr lang="en-US" dirty="0"/>
               <a:t>Callbacks and Interacting Objects</a:t>
             </a:r>
-            <a:endParaRPr lang="en-US" dirty="0"/>
           </a:p>
         </p:txBody>
       </p:sp>
@@ -4897,30 +4817,29 @@
           <a:lstStyle/>
           <a:p>
             <a:r>
-              <a:rPr lang="en-US" dirty="0" smtClean="0"/>
+              <a:rPr lang="en-US" dirty="0"/>
               <a:t>CS 5010 Program Design Paradigms</a:t>
             </a:r>
           </a:p>
           <a:p>
             <a:r>
-              <a:rPr lang="en-US" dirty="0" smtClean="0"/>
+              <a:rPr lang="en-US" dirty="0"/>
               <a:t>"</a:t>
             </a:r>
             <a:r>
-              <a:rPr lang="en-US" dirty="0" err="1" smtClean="0"/>
+              <a:rPr lang="en-US" dirty="0" err="1"/>
               <a:t>Bootcamp</a:t>
             </a:r>
             <a:r>
-              <a:rPr lang="en-US" dirty="0" smtClean="0"/>
+              <a:rPr lang="en-US" dirty="0"/>
               <a:t>"</a:t>
             </a:r>
           </a:p>
           <a:p>
             <a:r>
-              <a:rPr lang="en-US" dirty="0" smtClean="0"/>
+              <a:rPr lang="en-US" dirty="0"/>
               <a:t>Lesson 10.8</a:t>
             </a:r>
-            <a:endParaRPr lang="en-US" dirty="0"/>
           </a:p>
         </p:txBody>
       </p:sp>
@@ -5015,27 +4934,13 @@
             <a:p>
               <a:r>
                 <a:rPr lang="en-US" sz="1000" dirty="0"/>
-                <a:t>© Mitchell Wand, </a:t>
-              </a:r>
-              <a:r>
-                <a:rPr lang="en-US" sz="1000" dirty="0" smtClean="0"/>
-                <a:t>2012-2014</a:t>
+                <a:t>© Mitchell Wand, 2012-2014</a:t>
               </a:r>
             </a:p>
             <a:p>
               <a:r>
-                <a:rPr lang="en-US" sz="1000" dirty="0" smtClean="0"/>
+                <a:rPr lang="en-US" sz="1000" dirty="0"/>
                 <a:t>This work is licensed under a </a:t>
-              </a:r>
-              <a:r>
-                <a:rPr lang="en-US" altLang="en-US" sz="1000" dirty="0" smtClean="0">
-                  <a:solidFill>
-                    <a:srgbClr val="4374B7"/>
-                  </a:solidFill>
-                  <a:latin typeface="Helvetica Neue"/>
-                  <a:hlinkClick r:id="rId4"/>
-                </a:rPr>
-                <a:t>Creative </a:t>
               </a:r>
               <a:r>
                 <a:rPr lang="en-US" altLang="en-US" sz="1000" dirty="0">
@@ -5045,7 +4950,7 @@
                   <a:latin typeface="Helvetica Neue"/>
                   <a:hlinkClick r:id="rId4"/>
                 </a:rPr>
-                <a:t>Commons Attribution-</a:t>
+                <a:t>Creative Commons Attribution-</a:t>
               </a:r>
               <a:r>
                 <a:rPr lang="en-US" altLang="en-US" sz="1000" dirty="0" err="1">
@@ -5068,10 +4973,9 @@
                 <a:t> 4.0 International License</a:t>
               </a:r>
               <a:r>
-                <a:rPr lang="en-US" sz="1000" dirty="0" smtClean="0"/>
+                <a:rPr lang="en-US" sz="1000" dirty="0"/>
                 <a:t>.</a:t>
               </a:r>
-              <a:endParaRPr lang="en-US" sz="1000" dirty="0"/>
             </a:p>
           </p:txBody>
         </p:sp>
@@ -5086,13 +4990,6 @@
   <p:clrMapOvr>
     <a:masterClrMapping/>
   </p:clrMapOvr>
-  <p:timing>
-    <p:tnLst>
-      <p:par>
-        <p:cTn id="1" dur="indefinite" restart="never" nodeType="tmRoot"/>
-      </p:par>
-    </p:tnLst>
-  </p:timing>
 </p:sld>
 </file>
 
@@ -5131,10 +5028,9 @@
           <a:lstStyle/>
           <a:p>
             <a:r>
-              <a:rPr lang="en-US" dirty="0" smtClean="0"/>
+              <a:rPr lang="en-US" dirty="0"/>
               <a:t>Example: 10-8-communicating objects</a:t>
             </a:r>
-            <a:endParaRPr lang="en-US" dirty="0"/>
           </a:p>
         </p:txBody>
       </p:sp>
@@ -5156,74 +5052,27 @@
           <a:lstStyle/>
           <a:p>
             <a:r>
-              <a:rPr lang="en-US" dirty="0" smtClean="0"/>
-              <a:t>In </a:t>
-            </a:r>
-            <a:r>
-              <a:rPr lang="en-US" dirty="0"/>
-              <a:t>this version, we'll allow the balls to interact with the </a:t>
-            </a:r>
-            <a:r>
-              <a:rPr lang="en-US" dirty="0" smtClean="0"/>
-              <a:t>wall </a:t>
-            </a:r>
-            <a:r>
-              <a:rPr lang="en-US" dirty="0"/>
-              <a:t>directly. </a:t>
-            </a:r>
-            <a:endParaRPr lang="en-US" dirty="0" smtClean="0"/>
-          </a:p>
-          <a:p>
-            <a:r>
-              <a:rPr lang="en-US" dirty="0" smtClean="0"/>
-              <a:t>When </a:t>
-            </a:r>
-            <a:r>
-              <a:rPr lang="en-US" dirty="0"/>
-              <a:t>a ball is selected, </a:t>
-            </a:r>
-            <a:r>
-              <a:rPr lang="en-US" dirty="0" smtClean="0"/>
-              <a:t>the key event "a</a:t>
-            </a:r>
-            <a:r>
-              <a:rPr lang="en-US" dirty="0"/>
-              <a:t>" attracts the </a:t>
-            </a:r>
-            <a:r>
-              <a:rPr lang="en-US" dirty="0" smtClean="0"/>
-              <a:t>wall.  It makes the wall move 50% closer to the ball. </a:t>
-            </a:r>
-            <a:endParaRPr lang="en-US" dirty="0"/>
-          </a:p>
-          <a:p>
-            <a:r>
-              <a:rPr lang="en-US" dirty="0" smtClean="0"/>
-              <a:t>Similarly "r</a:t>
-            </a:r>
-            <a:r>
-              <a:rPr lang="en-US" dirty="0"/>
-              <a:t>" repels the </a:t>
-            </a:r>
-            <a:r>
-              <a:rPr lang="en-US" dirty="0" smtClean="0"/>
-              <a:t>wall and moves the </a:t>
-            </a:r>
-            <a:r>
-              <a:rPr lang="en-US" dirty="0"/>
-              <a:t>wall 50% farther away</a:t>
-            </a:r>
-            <a:r>
-              <a:rPr lang="en-US" dirty="0" smtClean="0"/>
-              <a:t>.</a:t>
-            </a:r>
-          </a:p>
-          <a:p>
-            <a:r>
-              <a:rPr lang="en-US" dirty="0" smtClean="0"/>
+              <a:rPr lang="en-US" dirty="0"/>
+              <a:t>In this version, we'll allow the balls to interact with the wall directly. </a:t>
+            </a:r>
+          </a:p>
+          <a:p>
+            <a:r>
+              <a:rPr lang="en-US" dirty="0"/>
+              <a:t>When a ball is selected, the key event "a" attracts the wall.  It makes the wall move 50% closer to the ball. </a:t>
+            </a:r>
+          </a:p>
+          <a:p>
+            <a:r>
+              <a:rPr lang="en-US" dirty="0"/>
+              <a:t>Similarly "r" repels the wall and moves the wall 50% farther away.</a:t>
+            </a:r>
+          </a:p>
+          <a:p>
+            <a:r>
+              <a:rPr lang="en-US" dirty="0"/>
               <a:t>Note this relies on the ball handling the keystrokes.</a:t>
             </a:r>
-            <a:endParaRPr lang="en-US" dirty="0"/>
           </a:p>
           <a:p>
             <a:endParaRPr lang="en-US" dirty="0"/>
@@ -5263,13 +5112,6 @@
   <p:clrMapOvr>
     <a:masterClrMapping/>
   </p:clrMapOvr>
-  <p:timing>
-    <p:tnLst>
-      <p:par>
-        <p:cTn id="1" dur="indefinite" restart="never" nodeType="tmRoot"/>
-      </p:par>
-    </p:tnLst>
-  </p:timing>
 </p:sld>
 </file>
 
@@ -5306,10 +5148,9 @@
           <a:lstStyle/>
           <a:p>
             <a:r>
-              <a:rPr lang="en-US" dirty="0" smtClean="0"/>
+              <a:rPr lang="en-US" dirty="0"/>
               <a:t>Protocol for this communication</a:t>
             </a:r>
-            <a:endParaRPr lang="en-US" dirty="0"/>
           </a:p>
         </p:txBody>
       </p:sp>
@@ -5329,68 +5170,55 @@
           <a:lstStyle/>
           <a:p>
             <a:r>
-              <a:rPr lang="en-US" dirty="0" smtClean="0"/>
+              <a:rPr lang="en-US" dirty="0"/>
               <a:t>The ball will have an </a:t>
             </a:r>
             <a:r>
-              <a:rPr lang="en-US" b="1" dirty="0" smtClean="0"/>
+              <a:rPr lang="en-US" b="1" dirty="0"/>
               <a:t>update-wall-</a:t>
             </a:r>
             <a:r>
-              <a:rPr lang="en-US" b="1" dirty="0" err="1" smtClean="0"/>
+              <a:rPr lang="en-US" b="1" dirty="0" err="1"/>
               <a:t>pos</a:t>
             </a:r>
             <a:r>
-              <a:rPr lang="en-US" dirty="0" smtClean="0"/>
+              <a:rPr lang="en-US" dirty="0"/>
               <a:t> method (as in 10-6-push-model-fixed).</a:t>
             </a:r>
           </a:p>
           <a:p>
             <a:r>
-              <a:rPr lang="en-US" dirty="0" smtClean="0"/>
-              <a:t>The </a:t>
-            </a:r>
-            <a:r>
-              <a:rPr lang="en-US" dirty="0" smtClean="0"/>
-              <a:t>wall will have a </a:t>
-            </a:r>
-            <a:r>
-              <a:rPr lang="en-US" b="1" dirty="0" smtClean="0"/>
+              <a:rPr lang="en-US" dirty="0"/>
+              <a:t>The wall will have a </a:t>
+            </a:r>
+            <a:r>
+              <a:rPr lang="en-US" b="1" dirty="0"/>
               <a:t>move-to</a:t>
             </a:r>
             <a:r>
-              <a:rPr lang="en-US" dirty="0" smtClean="0"/>
+              <a:rPr lang="en-US" dirty="0"/>
               <a:t> method.</a:t>
             </a:r>
           </a:p>
           <a:p>
             <a:r>
-              <a:rPr lang="en-US" dirty="0" smtClean="0"/>
-              <a:t>The ball will call the move-to method with the x-position the wall should move to</a:t>
-            </a:r>
-            <a:r>
-              <a:rPr lang="en-US" dirty="0" smtClean="0"/>
-              <a:t>.</a:t>
-            </a:r>
-          </a:p>
-          <a:p>
-            <a:r>
-              <a:rPr lang="en-US" dirty="0" smtClean="0"/>
-              <a:t>The </a:t>
-            </a:r>
-            <a:r>
-              <a:rPr lang="en-US" dirty="0" smtClean="0"/>
-              <a:t>ball will use its cached version of wall-</a:t>
-            </a:r>
-            <a:r>
-              <a:rPr lang="en-US" dirty="0" err="1" smtClean="0"/>
+              <a:rPr lang="en-US" dirty="0"/>
+              <a:t>The ball will call the move-to method with the x-position the wall should move to.</a:t>
+            </a:r>
+          </a:p>
+          <a:p>
+            <a:r>
+              <a:rPr lang="en-US" dirty="0"/>
+              <a:t>The ball will use its cached version of wall-</a:t>
+            </a:r>
+            <a:r>
+              <a:rPr lang="en-US" dirty="0" err="1"/>
               <a:t>pos</a:t>
             </a:r>
             <a:r>
-              <a:rPr lang="en-US" dirty="0" smtClean="0"/>
+              <a:rPr lang="en-US" dirty="0"/>
               <a:t> to calculate the desired new position for the wall.</a:t>
             </a:r>
-            <a:endParaRPr lang="en-US" dirty="0"/>
           </a:p>
         </p:txBody>
       </p:sp>
@@ -5427,13 +5255,6 @@
   <p:clrMapOvr>
     <a:masterClrMapping/>
   </p:clrMapOvr>
-  <p:timing>
-    <p:tnLst>
-      <p:par>
-        <p:cTn id="1" dur="indefinite" restart="never" nodeType="tmRoot"/>
-      </p:par>
-    </p:tnLst>
-  </p:timing>
 </p:sld>
 </file>
 
@@ -5470,10 +5291,9 @@
           <a:lstStyle/>
           <a:p>
             <a:r>
-              <a:rPr lang="en-US" b="1" dirty="0" smtClean="0"/>
+              <a:rPr lang="en-US" b="1" dirty="0"/>
               <a:t>move-to</a:t>
             </a:r>
-            <a:endParaRPr lang="en-US" b="1" dirty="0"/>
           </a:p>
         </p:txBody>
       </p:sp>
@@ -5562,62 +5382,29 @@
               <a:rPr lang="en-US" dirty="0"/>
               <a:t>    ; EFFECT: registers the ball </a:t>
             </a:r>
-            <a:endParaRPr lang="en-US" dirty="0" smtClean="0"/>
-          </a:p>
-          <a:p>
-            <a:r>
-              <a:rPr lang="en-US" dirty="0"/>
-              <a:t> </a:t>
-            </a:r>
-            <a:r>
-              <a:rPr lang="en-US" dirty="0" smtClean="0"/>
-              <a:t>   ;  to </a:t>
-            </a:r>
-            <a:r>
-              <a:rPr lang="en-US" dirty="0"/>
-              <a:t>receive position </a:t>
-            </a:r>
-            <a:r>
-              <a:rPr lang="en-US" dirty="0" smtClean="0"/>
-              <a:t>updates</a:t>
-            </a:r>
-          </a:p>
-          <a:p>
-            <a:r>
-              <a:rPr lang="en-US" dirty="0"/>
-              <a:t> </a:t>
-            </a:r>
-            <a:r>
-              <a:rPr lang="en-US" dirty="0" smtClean="0"/>
-              <a:t>   ;  from </a:t>
-            </a:r>
-            <a:r>
-              <a:rPr lang="en-US" dirty="0"/>
-              <a:t>this wall.</a:t>
-            </a:r>
-          </a:p>
-          <a:p>
-            <a:r>
-              <a:rPr lang="en-US" dirty="0"/>
-              <a:t>    ; RETURNS: the x-position of </a:t>
-            </a:r>
-            <a:r>
-              <a:rPr lang="en-US" dirty="0" smtClean="0"/>
-              <a:t>the</a:t>
-            </a:r>
-          </a:p>
-          <a:p>
-            <a:r>
-              <a:rPr lang="en-US" dirty="0"/>
-              <a:t> </a:t>
-            </a:r>
-            <a:r>
-              <a:rPr lang="en-US" dirty="0" smtClean="0"/>
-              <a:t>   ;  </a:t>
-            </a:r>
-            <a:r>
-              <a:rPr lang="en-US" dirty="0"/>
-              <a:t>wall</a:t>
+          </a:p>
+          <a:p>
+            <a:r>
+              <a:rPr lang="en-US" dirty="0"/>
+              <a:t>    ;  to receive position updates</a:t>
+            </a:r>
+          </a:p>
+          <a:p>
+            <a:r>
+              <a:rPr lang="en-US" dirty="0"/>
+              <a:t>    ;  from this wall.</a:t>
+            </a:r>
+          </a:p>
+          <a:p>
+            <a:r>
+              <a:rPr lang="en-US" dirty="0"/>
+              <a:t>    ; RETURNS: the x-position of the</a:t>
+            </a:r>
+          </a:p>
+          <a:p>
+            <a:r>
+              <a:rPr lang="en-US" dirty="0"/>
+              <a:t>    ;  wall</a:t>
             </a:r>
           </a:p>
           <a:p>
@@ -5666,15 +5453,7 @@
                   <a:srgbClr val="FF0000"/>
                 </a:solidFill>
               </a:rPr>
-              <a:t>    ; EFFECT: moves the wall to the </a:t>
-            </a:r>
-            <a:r>
-              <a:rPr lang="en-US" dirty="0" smtClean="0">
-                <a:solidFill>
-                  <a:srgbClr val="FF0000"/>
-                </a:solidFill>
-              </a:rPr>
-              <a:t>given</a:t>
+              <a:t>    ; EFFECT: moves the wall to the given</a:t>
             </a:r>
           </a:p>
           <a:p>
@@ -5684,23 +5463,7 @@
                   <a:srgbClr val="FF0000"/>
                 </a:solidFill>
               </a:rPr>
-              <a:t> </a:t>
-            </a:r>
-            <a:r>
-              <a:rPr lang="en-US" dirty="0" smtClean="0">
-                <a:solidFill>
-                  <a:srgbClr val="FF0000"/>
-                </a:solidFill>
-              </a:rPr>
-              <a:t>   ; </a:t>
-            </a:r>
-            <a:r>
-              <a:rPr lang="en-US" dirty="0">
-                <a:solidFill>
-                  <a:srgbClr val="FF0000"/>
-                </a:solidFill>
-              </a:rPr>
-              <a:t>position.  Notifies all the</a:t>
+              <a:t>    ; position.  Notifies all the</a:t>
             </a:r>
           </a:p>
           <a:p>
@@ -5776,30 +5539,18 @@
             </a:r>
           </a:p>
           <a:p>
-            <a:endParaRPr lang="en-US" dirty="0" smtClean="0"/>
-          </a:p>
-          <a:p>
-            <a:r>
-              <a:rPr lang="en-US" dirty="0"/>
-              <a:t> </a:t>
-            </a:r>
-            <a:r>
-              <a:rPr lang="en-US" dirty="0" smtClean="0"/>
-              <a:t>   </a:t>
-            </a:r>
-            <a:r>
-              <a:rPr lang="en-US" dirty="0"/>
-              <a:t>; the x position of the wall</a:t>
-            </a:r>
-          </a:p>
-          <a:p>
-            <a:r>
-              <a:rPr lang="en-US" dirty="0" smtClean="0"/>
-              <a:t>    </a:t>
-            </a:r>
-            <a:r>
-              <a:rPr lang="en-US" dirty="0"/>
-              <a:t>(</a:t>
+            <a:endParaRPr lang="en-US" dirty="0"/>
+          </a:p>
+          <a:p>
+            <a:r>
+              <a:rPr lang="en-US" dirty="0"/>
+              <a:t>    ; the x position of the wall</a:t>
+            </a:r>
+          </a:p>
+          <a:p>
+            <a:r>
+              <a:rPr lang="en-US" dirty="0"/>
+              <a:t>    (</a:t>
             </a:r>
             <a:r>
               <a:rPr lang="en-US" dirty="0" err="1"/>
@@ -5815,11 +5566,7 @@
             </a:r>
             <a:r>
               <a:rPr lang="en-US" dirty="0"/>
-              <a:t> INITIAL-WALL-POSITION</a:t>
-            </a:r>
-            <a:r>
-              <a:rPr lang="en-US" dirty="0" smtClean="0"/>
-              <a:t>])</a:t>
+              <a:t> INITIAL-WALL-POSITION])</a:t>
             </a:r>
           </a:p>
           <a:p>
@@ -5827,7 +5574,7 @@
           </a:p>
           <a:p>
             <a:r>
-              <a:rPr lang="en-US" dirty="0" smtClean="0"/>
+              <a:rPr lang="en-US" dirty="0"/>
               <a:t>     ...</a:t>
             </a:r>
           </a:p>
@@ -5836,16 +5583,8 @@
           </a:p>
           <a:p>
             <a:r>
-              <a:rPr lang="en-US" dirty="0" smtClean="0"/>
+              <a:rPr lang="en-US" dirty="0"/>
               <a:t>    </a:t>
-            </a:r>
-            <a:r>
-              <a:rPr lang="en-US" dirty="0" smtClean="0">
-                <a:solidFill>
-                  <a:srgbClr val="FF0000"/>
-                </a:solidFill>
-              </a:rPr>
-              <a:t>; </a:t>
             </a:r>
             <a:r>
               <a:rPr lang="en-US" dirty="0">
@@ -5853,7 +5592,7 @@
                   <a:srgbClr val="FF0000"/>
                 </a:solidFill>
               </a:rPr>
-              <a:t>move-to : Integer -&gt; Void</a:t>
+              <a:t>; move-to : Integer -&gt; Void</a:t>
             </a:r>
           </a:p>
           <a:p>
@@ -5863,15 +5602,7 @@
                   <a:srgbClr val="FF0000"/>
                 </a:solidFill>
               </a:rPr>
-              <a:t>    ; EFFECT: moves the wall to the </a:t>
-            </a:r>
-            <a:r>
-              <a:rPr lang="en-US" dirty="0" smtClean="0">
-                <a:solidFill>
-                  <a:srgbClr val="FF0000"/>
-                </a:solidFill>
-              </a:rPr>
-              <a:t>specified</a:t>
+              <a:t>    ; EFFECT: moves the wall to the specified</a:t>
             </a:r>
           </a:p>
           <a:p>
@@ -5881,70 +5612,17 @@
                   <a:srgbClr val="FF0000"/>
                 </a:solidFill>
               </a:rPr>
-              <a:t> </a:t>
-            </a:r>
-            <a:r>
-              <a:rPr lang="en-US" dirty="0" smtClean="0">
-                <a:solidFill>
-                  <a:srgbClr val="FF0000"/>
-                </a:solidFill>
-              </a:rPr>
-              <a:t>   ; </a:t>
-            </a:r>
+              <a:t>    ; position, and reports the new position </a:t>
+            </a:r>
+          </a:p>
+          <a:p>
             <a:r>
               <a:rPr lang="en-US" dirty="0">
                 <a:solidFill>
                   <a:srgbClr val="FF0000"/>
                 </a:solidFill>
               </a:rPr>
-              <a:t>position, and </a:t>
-            </a:r>
-            <a:r>
-              <a:rPr lang="en-US" dirty="0" smtClean="0">
-                <a:solidFill>
-                  <a:srgbClr val="FF0000"/>
-                </a:solidFill>
-              </a:rPr>
-              <a:t>reports the new </a:t>
-            </a:r>
-            <a:r>
-              <a:rPr lang="en-US" dirty="0">
-                <a:solidFill>
-                  <a:srgbClr val="FF0000"/>
-                </a:solidFill>
-              </a:rPr>
-              <a:t>position </a:t>
-            </a:r>
-            <a:endParaRPr lang="en-US" dirty="0" smtClean="0">
-              <a:solidFill>
-                <a:srgbClr val="FF0000"/>
-              </a:solidFill>
-            </a:endParaRPr>
-          </a:p>
-          <a:p>
-            <a:r>
-              <a:rPr lang="en-US" dirty="0">
-                <a:solidFill>
-                  <a:srgbClr val="FF0000"/>
-                </a:solidFill>
-              </a:rPr>
-              <a:t> </a:t>
-            </a:r>
-            <a:r>
-              <a:rPr lang="en-US" dirty="0" smtClean="0">
-                <a:solidFill>
-                  <a:srgbClr val="FF0000"/>
-                </a:solidFill>
-              </a:rPr>
-              <a:t>   ; to all </a:t>
-            </a:r>
-            <a:r>
-              <a:rPr lang="en-US" dirty="0">
-                <a:solidFill>
-                  <a:srgbClr val="FF0000"/>
-                </a:solidFill>
-              </a:rPr>
-              <a:t>registered balls</a:t>
+              <a:t>    ; to all registered balls</a:t>
             </a:r>
           </a:p>
           <a:p>
@@ -6002,11 +5680,6 @@
               </a:rPr>
               <a:t>        (lambda (b) </a:t>
             </a:r>
-            <a:endParaRPr lang="en-US" dirty="0" smtClean="0">
-              <a:solidFill>
-                <a:srgbClr val="FF0000"/>
-              </a:solidFill>
-            </a:endParaRPr>
           </a:p>
           <a:p>
             <a:r>
@@ -6015,23 +5688,7 @@
                   <a:srgbClr val="FF0000"/>
                 </a:solidFill>
               </a:rPr>
-              <a:t> </a:t>
-            </a:r>
-            <a:r>
-              <a:rPr lang="en-US" dirty="0" smtClean="0">
-                <a:solidFill>
-                  <a:srgbClr val="FF0000"/>
-                </a:solidFill>
-              </a:rPr>
-              <a:t>        (</a:t>
-            </a:r>
-            <a:r>
-              <a:rPr lang="en-US" dirty="0">
-                <a:solidFill>
-                  <a:srgbClr val="FF0000"/>
-                </a:solidFill>
-              </a:rPr>
-              <a:t>send b update-wall-</a:t>
+              <a:t>         (send b update-wall-</a:t>
             </a:r>
             <a:r>
               <a:rPr lang="en-US" dirty="0" err="1">
@@ -6151,18 +5808,13 @@
           <a:p>
             <a:pPr algn="ctr"/>
             <a:r>
-              <a:rPr lang="en-US" dirty="0" smtClean="0">
+              <a:rPr lang="en-US" dirty="0">
                 <a:solidFill>
                   <a:schemeClr val="tx1"/>
                 </a:solidFill>
               </a:rPr>
               <a:t>In the interface</a:t>
             </a:r>
-            <a:endParaRPr lang="en-US" dirty="0">
-              <a:solidFill>
-                <a:schemeClr val="tx1"/>
-              </a:solidFill>
-            </a:endParaRPr>
           </a:p>
         </p:txBody>
       </p:sp>
@@ -6213,18 +5865,13 @@
           <a:p>
             <a:pPr algn="ctr"/>
             <a:r>
-              <a:rPr lang="en-US" dirty="0" smtClean="0">
+              <a:rPr lang="en-US" dirty="0">
                 <a:solidFill>
                   <a:schemeClr val="tx1"/>
                 </a:solidFill>
               </a:rPr>
               <a:t>In the class definition.  </a:t>
             </a:r>
-            <a:endParaRPr lang="en-US" dirty="0">
-              <a:solidFill>
-                <a:schemeClr val="tx1"/>
-              </a:solidFill>
-            </a:endParaRPr>
           </a:p>
         </p:txBody>
       </p:sp>
@@ -6295,13 +5942,6 @@
   <p:clrMapOvr>
     <a:masterClrMapping/>
   </p:clrMapOvr>
-  <p:timing>
-    <p:tnLst>
-      <p:par>
-        <p:cTn id="1" dur="indefinite" restart="never" nodeType="tmRoot"/>
-      </p:par>
-    </p:tnLst>
-  </p:timing>
 </p:sld>
 </file>
 
@@ -6338,14 +5978,13 @@
           <a:lstStyle/>
           <a:p>
             <a:r>
-              <a:rPr lang="en-US" dirty="0" smtClean="0"/>
+              <a:rPr lang="en-US" dirty="0"/>
               <a:t>... and in </a:t>
             </a:r>
             <a:r>
-              <a:rPr lang="en-US" b="1" dirty="0" smtClean="0"/>
+              <a:rPr lang="en-US" b="1" dirty="0"/>
               <a:t>Ball%</a:t>
             </a:r>
-            <a:endParaRPr lang="en-US" b="1" dirty="0"/>
           </a:p>
         </p:txBody>
       </p:sp>
@@ -6367,7 +6006,7 @@
           <a:lstStyle/>
           <a:p>
             <a:r>
-              <a:rPr lang="en-US" dirty="0" smtClean="0"/>
+              <a:rPr lang="en-US" dirty="0"/>
               <a:t>    ;; </a:t>
             </a:r>
             <a:r>
@@ -6436,18 +6075,13 @@
           <a:p>
             <a:r>
               <a:rPr lang="en-US" dirty="0"/>
-              <a:t>        this</a:t>
-            </a:r>
-            <a:r>
-              <a:rPr lang="en-US" dirty="0" smtClean="0"/>
-              <a:t>))     </a:t>
-            </a:r>
+              <a:t>        this))     </a:t>
+            </a:r>
+          </a:p>
+          <a:p>
             <a:endParaRPr lang="en-US" dirty="0"/>
           </a:p>
           <a:p>
-            <a:endParaRPr lang="en-US" dirty="0"/>
-          </a:p>
-          <a:p>
             <a:r>
               <a:rPr lang="en-US" dirty="0"/>
               <a:t>    (define (attract-wall)</a:t>
@@ -6456,23 +6090,15 @@
           <a:p>
             <a:r>
               <a:rPr lang="en-US" dirty="0"/>
-              <a:t>      (send w move-to </a:t>
-            </a:r>
-            <a:r>
-              <a:rPr lang="en-US" dirty="0" smtClean="0"/>
-              <a:t>(- wall-</a:t>
-            </a:r>
-            <a:r>
-              <a:rPr lang="en-US" dirty="0" err="1" smtClean="0"/>
+              <a:t>      (send w move-to (- wall-</a:t>
+            </a:r>
+            <a:r>
+              <a:rPr lang="en-US" dirty="0" err="1"/>
               <a:t>pos</a:t>
             </a:r>
             <a:r>
-              <a:rPr lang="en-US" dirty="0" smtClean="0"/>
-              <a:t> (/ </a:t>
-            </a:r>
-            <a:r>
-              <a:rPr lang="en-US" dirty="0"/>
-              <a:t>(- wall-</a:t>
+              <a:rPr lang="en-US" dirty="0"/>
+              <a:t> (/ (- wall-</a:t>
             </a:r>
             <a:r>
               <a:rPr lang="en-US" dirty="0" err="1"/>
@@ -6549,13 +6175,6 @@
   <p:clrMapOvr>
     <a:masterClrMapping/>
   </p:clrMapOvr>
-  <p:timing>
-    <p:tnLst>
-      <p:par>
-        <p:cTn id="1" dur="indefinite" restart="never" nodeType="tmRoot"/>
-      </p:par>
-    </p:tnLst>
-  </p:timing>
 </p:sld>
 </file>
 
@@ -6594,10 +6213,9 @@
           <a:lstStyle/>
           <a:p>
             <a:r>
-              <a:rPr lang="en-US" dirty="0" smtClean="0"/>
+              <a:rPr lang="en-US" dirty="0"/>
               <a:t>Many other protocols could accomplish the same thing</a:t>
             </a:r>
-            <a:endParaRPr lang="en-US" dirty="0"/>
           </a:p>
         </p:txBody>
       </p:sp>
@@ -6617,18 +6235,14 @@
           <a:lstStyle/>
           <a:p>
             <a:r>
-              <a:rPr lang="en-US" dirty="0" smtClean="0"/>
+              <a:rPr lang="en-US" dirty="0"/>
               <a:t>Ball could send the wall the distance to move (either positive or negative), and the wall could move that distance.</a:t>
             </a:r>
           </a:p>
           <a:p>
             <a:r>
-              <a:rPr lang="en-US" dirty="0" smtClean="0"/>
-              <a:t>Or the </a:t>
-            </a:r>
-            <a:r>
-              <a:rPr lang="en-US" dirty="0"/>
-              <a:t>wall could have two methods, </a:t>
+              <a:rPr lang="en-US" dirty="0"/>
+              <a:t>Or the wall could have two methods, </a:t>
             </a:r>
             <a:r>
               <a:rPr lang="en-US" b="1" dirty="0"/>
@@ -6639,20 +6253,12 @@
               <a:t> and </a:t>
             </a:r>
             <a:r>
-              <a:rPr lang="en-US" b="1" dirty="0" smtClean="0"/>
+              <a:rPr lang="en-US" b="1" dirty="0"/>
               <a:t>repel</a:t>
             </a:r>
             <a:r>
-              <a:rPr lang="en-US" dirty="0" smtClean="0"/>
-              <a:t>, and the ball </a:t>
-            </a:r>
-            <a:r>
-              <a:rPr lang="en-US" dirty="0"/>
-              <a:t>could </a:t>
-            </a:r>
-            <a:r>
-              <a:rPr lang="en-US" dirty="0" smtClean="0"/>
-              <a:t>send </a:t>
+              <a:rPr lang="en-US" dirty="0"/>
+              <a:t>, and the ball could send </a:t>
             </a:r>
             <a:r>
               <a:rPr lang="en-US" b="1" dirty="0"/>
@@ -6664,14 +6270,10 @@
             </a:r>
             <a:r>
               <a:rPr lang="en-US" b="1" dirty="0"/>
-              <a:t> x) 2</a:t>
-            </a:r>
-            <a:r>
-              <a:rPr lang="en-US" b="1" dirty="0" smtClean="0"/>
-              <a:t>)</a:t>
-            </a:r>
-            <a:r>
-              <a:rPr lang="en-US" dirty="0" smtClean="0"/>
+              <a:t> x) 2)</a:t>
+            </a:r>
+            <a:r>
+              <a:rPr lang="en-US" dirty="0"/>
               <a:t> to one or the other of the methods.</a:t>
             </a:r>
           </a:p>
@@ -6713,13 +6315,6 @@
   <p:clrMapOvr>
     <a:masterClrMapping/>
   </p:clrMapOvr>
-  <p:timing>
-    <p:tnLst>
-      <p:par>
-        <p:cTn id="1" dur="indefinite" restart="never" nodeType="tmRoot"/>
-      </p:par>
-    </p:tnLst>
-  </p:timing>
 </p:sld>
 </file>
 
@@ -6756,10 +6351,9 @@
           <a:lstStyle/>
           <a:p>
             <a:r>
-              <a:rPr lang="en-US" dirty="0" smtClean="0"/>
+              <a:rPr lang="en-US" dirty="0"/>
               <a:t>Yet another protocol (part 1)</a:t>
             </a:r>
-            <a:endParaRPr lang="en-US" dirty="0"/>
           </a:p>
         </p:txBody>
       </p:sp>
@@ -6779,14 +6373,14 @@
           <a:lstStyle/>
           <a:p>
             <a:r>
-              <a:rPr lang="en-US" b="0" dirty="0" smtClean="0">
+              <a:rPr lang="en-US" b="0" dirty="0">
                 <a:latin typeface="+mj-lt"/>
               </a:rPr>
               <a:t>Introduce a data type of messages, say something like:</a:t>
             </a:r>
           </a:p>
           <a:p>
-            <a:endParaRPr lang="en-US" sz="1800" b="0" dirty="0" smtClean="0">
+            <a:endParaRPr lang="en-US" sz="1800" b="0" dirty="0">
               <a:latin typeface="+mj-lt"/>
             </a:endParaRPr>
           </a:p>
@@ -6797,15 +6391,15 @@
               </a:spcBef>
             </a:pPr>
             <a:r>
-              <a:rPr lang="en-US" sz="2800" dirty="0" smtClean="0"/>
+              <a:rPr lang="en-US" sz="2800" dirty="0"/>
               <a:t>A </a:t>
             </a:r>
             <a:r>
-              <a:rPr lang="en-US" sz="2800" dirty="0" err="1" smtClean="0"/>
+              <a:rPr lang="en-US" sz="2800" dirty="0" err="1"/>
               <a:t>MoveMessage</a:t>
             </a:r>
             <a:r>
-              <a:rPr lang="en-US" sz="2800" dirty="0" smtClean="0"/>
+              <a:rPr lang="en-US" sz="2800" dirty="0"/>
               <a:t> is one of</a:t>
             </a:r>
           </a:p>
@@ -6816,15 +6410,15 @@
               </a:spcBef>
             </a:pPr>
             <a:r>
-              <a:rPr lang="en-US" sz="2800" dirty="0" smtClean="0"/>
+              <a:rPr lang="en-US" sz="2800" dirty="0"/>
               <a:t>-- (make-move-left </a:t>
             </a:r>
             <a:r>
-              <a:rPr lang="en-US" sz="2800" dirty="0" err="1" smtClean="0"/>
+              <a:rPr lang="en-US" sz="2800" dirty="0" err="1"/>
               <a:t>NonNegInt</a:t>
             </a:r>
             <a:r>
-              <a:rPr lang="en-US" sz="2800" dirty="0" smtClean="0"/>
+              <a:rPr lang="en-US" sz="2800" dirty="0"/>
               <a:t>)</a:t>
             </a:r>
           </a:p>
@@ -6835,15 +6429,15 @@
               </a:spcBef>
             </a:pPr>
             <a:r>
-              <a:rPr lang="en-US" sz="2800" dirty="0" smtClean="0"/>
+              <a:rPr lang="en-US" sz="2800" dirty="0"/>
               <a:t>-- (make-move-right </a:t>
             </a:r>
             <a:r>
-              <a:rPr lang="en-US" sz="2800" dirty="0" err="1" smtClean="0"/>
+              <a:rPr lang="en-US" sz="2800" dirty="0" err="1"/>
               <a:t>NonNegInt</a:t>
             </a:r>
             <a:r>
-              <a:rPr lang="en-US" sz="2800" dirty="0" smtClean="0"/>
+              <a:rPr lang="en-US" sz="2800" dirty="0"/>
               <a:t>)</a:t>
             </a:r>
           </a:p>
@@ -6854,22 +6448,21 @@
               </a:spcBef>
             </a:pPr>
             <a:r>
-              <a:rPr lang="en-US" sz="2800" dirty="0" err="1" smtClean="0"/>
+              <a:rPr lang="en-US" sz="2800" dirty="0" err="1"/>
               <a:t>Interp</a:t>
             </a:r>
             <a:r>
-              <a:rPr lang="en-US" sz="2800" dirty="0" smtClean="0"/>
+              <a:rPr lang="en-US" sz="2800" dirty="0"/>
               <a:t>: the </a:t>
             </a:r>
             <a:r>
-              <a:rPr lang="en-US" sz="2800" dirty="0" err="1" smtClean="0"/>
+              <a:rPr lang="en-US" sz="2800" dirty="0" err="1"/>
               <a:t>NonNegInt</a:t>
             </a:r>
             <a:r>
-              <a:rPr lang="en-US" sz="2800" dirty="0" smtClean="0"/>
+              <a:rPr lang="en-US" sz="2800" dirty="0"/>
               <a:t> is the distance to move</a:t>
             </a:r>
-            <a:endParaRPr lang="en-US" sz="2800" dirty="0"/>
           </a:p>
         </p:txBody>
       </p:sp>
@@ -6906,13 +6499,6 @@
   <p:clrMapOvr>
     <a:masterClrMapping/>
   </p:clrMapOvr>
-  <p:timing>
-    <p:tnLst>
-      <p:par>
-        <p:cTn id="1" dur="indefinite" restart="never" nodeType="tmRoot"/>
-      </p:par>
-    </p:tnLst>
-  </p:timing>
 </p:sld>
 </file>
 
@@ -6949,10 +6535,9 @@
           <a:lstStyle/>
           <a:p>
             <a:r>
-              <a:rPr lang="en-US" dirty="0" smtClean="0"/>
+              <a:rPr lang="en-US" dirty="0"/>
               <a:t>Yet another protocol (part 2)</a:t>
             </a:r>
-            <a:endParaRPr lang="en-US" dirty="0"/>
           </a:p>
         </p:txBody>
       </p:sp>
@@ -6972,22 +6557,21 @@
           <a:lstStyle/>
           <a:p>
             <a:r>
-              <a:rPr lang="en-US" dirty="0" smtClean="0"/>
+              <a:rPr lang="en-US" dirty="0"/>
               <a:t>Then the receiver method in the wall will decode the message and move to the right position.</a:t>
             </a:r>
           </a:p>
           <a:p>
             <a:r>
-              <a:rPr lang="en-US" dirty="0" smtClean="0"/>
+              <a:rPr lang="en-US" dirty="0"/>
               <a:t>This protocol generalizes:  you could send the wall messages in an arbitrary complicated way.</a:t>
             </a:r>
           </a:p>
           <a:p>
             <a:r>
-              <a:rPr lang="en-US" dirty="0" smtClean="0"/>
+              <a:rPr lang="en-US" dirty="0"/>
               <a:t>For example:</a:t>
             </a:r>
-            <a:endParaRPr lang="en-US" dirty="0"/>
           </a:p>
         </p:txBody>
       </p:sp>
@@ -7024,13 +6608,6 @@
   <p:clrMapOvr>
     <a:masterClrMapping/>
   </p:clrMapOvr>
-  <p:timing>
-    <p:tnLst>
-      <p:par>
-        <p:cTn id="1" dur="indefinite" restart="never" nodeType="tmRoot"/>
-      </p:par>
-    </p:tnLst>
-  </p:timing>
 </p:sld>
 </file>
 
@@ -7067,10 +6644,9 @@
           <a:lstStyle/>
           <a:p>
             <a:r>
-              <a:rPr lang="en-US" dirty="0" smtClean="0"/>
+              <a:rPr lang="en-US" dirty="0"/>
               <a:t>Wall choreography</a:t>
             </a:r>
-            <a:endParaRPr lang="en-US" dirty="0"/>
           </a:p>
         </p:txBody>
       </p:sp>
@@ -7090,115 +6666,99 @@
           <a:lstStyle/>
           <a:p>
             <a:r>
-              <a:rPr lang="en-US" sz="1800" dirty="0" smtClean="0"/>
+              <a:rPr lang="en-US" sz="1800" dirty="0"/>
               <a:t>;; A </a:t>
             </a:r>
             <a:r>
-              <a:rPr lang="en-US" sz="1800" dirty="0" err="1" smtClean="0"/>
+              <a:rPr lang="en-US" sz="1800" dirty="0" err="1"/>
               <a:t>WallDance</a:t>
             </a:r>
             <a:r>
-              <a:rPr lang="en-US" sz="1800" dirty="0" smtClean="0"/>
+              <a:rPr lang="en-US" sz="1800" dirty="0"/>
               <a:t> is a </a:t>
             </a:r>
             <a:r>
-              <a:rPr lang="en-US" sz="1800" dirty="0" err="1" smtClean="0"/>
+              <a:rPr lang="en-US" sz="1800" dirty="0" err="1"/>
               <a:t>ListOfMoveMessage</a:t>
             </a:r>
-            <a:endParaRPr lang="en-US" sz="1800" dirty="0" smtClean="0"/>
-          </a:p>
-          <a:p>
             <a:endParaRPr lang="en-US" sz="1800" dirty="0"/>
           </a:p>
           <a:p>
-            <a:r>
-              <a:rPr lang="en-US" sz="1800" dirty="0" smtClean="0"/>
+            <a:endParaRPr lang="en-US" sz="1800" dirty="0"/>
+          </a:p>
+          <a:p>
+            <a:r>
+              <a:rPr lang="en-US" sz="1800" dirty="0"/>
               <a:t>;; </a:t>
             </a:r>
             <a:r>
-              <a:rPr lang="en-US" sz="1800" dirty="0" err="1" smtClean="0"/>
+              <a:rPr lang="en-US" sz="1800" dirty="0" err="1"/>
               <a:t>WallDance</a:t>
             </a:r>
             <a:r>
-              <a:rPr lang="en-US" sz="1800" dirty="0" smtClean="0"/>
+              <a:rPr lang="en-US" sz="1800" dirty="0"/>
               <a:t> -&gt; Void</a:t>
             </a:r>
           </a:p>
           <a:p>
             <a:r>
-              <a:rPr lang="en-US" sz="1800" dirty="0" smtClean="0"/>
+              <a:rPr lang="en-US" sz="1800" dirty="0"/>
               <a:t>(define/public (interpret-dance </a:t>
             </a:r>
             <a:r>
-              <a:rPr lang="en-US" sz="1800" dirty="0" err="1" smtClean="0"/>
+              <a:rPr lang="en-US" sz="1800" dirty="0" err="1"/>
               <a:t>msg</a:t>
             </a:r>
             <a:r>
-              <a:rPr lang="en-US" sz="1800" dirty="0" smtClean="0"/>
+              <a:rPr lang="en-US" sz="1800" dirty="0"/>
               <a:t>)</a:t>
             </a:r>
           </a:p>
           <a:p>
             <a:r>
               <a:rPr lang="en-US" sz="1800" dirty="0"/>
-              <a:t> </a:t>
-            </a:r>
-            <a:r>
-              <a:rPr lang="en-US" sz="1800" dirty="0" smtClean="0"/>
-              <a:t> (cond </a:t>
+              <a:t>  (cond </a:t>
             </a:r>
           </a:p>
           <a:p>
             <a:r>
               <a:rPr lang="en-US" sz="1800" dirty="0"/>
-              <a:t> </a:t>
-            </a:r>
-            <a:r>
-              <a:rPr lang="en-US" sz="1800" dirty="0" smtClean="0"/>
-              <a:t>   [(empty? </a:t>
-            </a:r>
-            <a:r>
-              <a:rPr lang="en-US" sz="1800" dirty="0" err="1" smtClean="0"/>
+              <a:t>    [(empty? </a:t>
+            </a:r>
+            <a:r>
+              <a:rPr lang="en-US" sz="1800" dirty="0" err="1"/>
               <a:t>msg</a:t>
             </a:r>
             <a:r>
-              <a:rPr lang="en-US" sz="1800" dirty="0" smtClean="0"/>
+              <a:rPr lang="en-US" sz="1800" dirty="0"/>
               <a:t>) this]</a:t>
             </a:r>
           </a:p>
           <a:p>
             <a:r>
               <a:rPr lang="en-US" sz="1800" dirty="0"/>
-              <a:t> </a:t>
-            </a:r>
-            <a:r>
-              <a:rPr lang="en-US" sz="1800" dirty="0" smtClean="0"/>
-              <a:t>   [else (begin (interpret-move (first </a:t>
-            </a:r>
-            <a:r>
-              <a:rPr lang="en-US" sz="1800" dirty="0" err="1" smtClean="0"/>
+              <a:t>    [else (begin (interpret-move (first </a:t>
+            </a:r>
+            <a:r>
+              <a:rPr lang="en-US" sz="1800" dirty="0" err="1"/>
               <a:t>msg</a:t>
             </a:r>
             <a:r>
-              <a:rPr lang="en-US" sz="1800" dirty="0" smtClean="0"/>
+              <a:rPr lang="en-US" sz="1800" dirty="0"/>
               <a:t>))</a:t>
             </a:r>
           </a:p>
           <a:p>
             <a:r>
               <a:rPr lang="en-US" sz="1800" dirty="0"/>
-              <a:t> </a:t>
-            </a:r>
-            <a:r>
-              <a:rPr lang="en-US" sz="1800" dirty="0" smtClean="0"/>
-              <a:t>                (interpret-dance (rest </a:t>
-            </a:r>
-            <a:r>
-              <a:rPr lang="en-US" sz="1800" dirty="0" err="1" smtClean="0"/>
+              <a:t>                 (interpret-dance (rest </a:t>
+            </a:r>
+            <a:r>
+              <a:rPr lang="en-US" sz="1800" dirty="0" err="1"/>
               <a:t>msg</a:t>
             </a:r>
             <a:r>
-              <a:rPr lang="en-US" sz="1800" dirty="0" smtClean="0"/>
+              <a:rPr lang="en-US" sz="1800" dirty="0"/>
               <a:t>)))]))</a:t>
             </a:r>
           </a:p>
@@ -7207,7 +6767,7 @@
           </a:p>
           <a:p>
             <a:r>
-              <a:rPr lang="en-US" sz="1800" b="0" dirty="0" smtClean="0">
+              <a:rPr lang="en-US" sz="1800" b="0" dirty="0">
                 <a:latin typeface="+mn-lt"/>
               </a:rPr>
               <a:t>Now the ball can give the wall a whole sequence of instructions in a single message.</a:t>
@@ -7215,13 +6775,13 @@
           </a:p>
           <a:p>
             <a:r>
-              <a:rPr lang="en-US" sz="1800" b="0" dirty="0" err="1" smtClean="0">
+              <a:rPr lang="en-US" sz="1800" b="0" dirty="0" err="1">
                 <a:latin typeface="+mn-lt"/>
               </a:rPr>
               <a:t>WallDance</a:t>
             </a:r>
             <a:r>
-              <a:rPr lang="en-US" sz="1800" b="0" dirty="0" smtClean="0">
+              <a:rPr lang="en-US" sz="1800" b="0" dirty="0">
                 <a:latin typeface="+mn-lt"/>
               </a:rPr>
               <a:t> is a programming language!</a:t>
@@ -7262,13 +6822,6 @@
   <p:clrMapOvr>
     <a:masterClrMapping/>
   </p:clrMapOvr>
-  <p:timing>
-    <p:tnLst>
-      <p:par>
-        <p:cTn id="1" dur="indefinite" restart="never" nodeType="tmRoot"/>
-      </p:par>
-    </p:tnLst>
-  </p:timing>
 </p:sld>
 </file>
 
@@ -7305,10 +6858,9 @@
           <a:lstStyle/>
           <a:p>
             <a:r>
-              <a:rPr lang="en-US" dirty="0" smtClean="0"/>
+              <a:rPr lang="en-US" dirty="0"/>
               <a:t>Extending pub-sub</a:t>
             </a:r>
-            <a:endParaRPr lang="en-US" dirty="0"/>
           </a:p>
         </p:txBody>
       </p:sp>
@@ -7328,7 +6880,7 @@
           <a:lstStyle/>
           <a:p>
             <a:r>
-              <a:rPr lang="en-US" dirty="0" smtClean="0"/>
+              <a:rPr lang="en-US" dirty="0"/>
               <a:t>What if we wanted to deal with multiple messages?</a:t>
             </a:r>
           </a:p>
@@ -7336,7 +6888,7 @@
             <a:pPr marL="457200" lvl="1" indent="0">
               <a:buNone/>
             </a:pPr>
-            <a:endParaRPr lang="en-US" dirty="0" smtClean="0"/>
+            <a:endParaRPr lang="en-US" dirty="0"/>
           </a:p>
         </p:txBody>
       </p:sp>
@@ -7373,13 +6925,6 @@
   <p:clrMapOvr>
     <a:masterClrMapping/>
   </p:clrMapOvr>
-  <p:timing>
-    <p:tnLst>
-      <p:par>
-        <p:cTn id="1" dur="indefinite" restart="never" nodeType="tmRoot"/>
-      </p:par>
-    </p:tnLst>
-  </p:timing>
 </p:sld>
 </file>
 
@@ -7418,10 +6963,9 @@
           <a:lstStyle/>
           <a:p>
             <a:r>
-              <a:rPr lang="en-US" dirty="0" smtClean="0"/>
+              <a:rPr lang="en-US" dirty="0"/>
               <a:t>Design #1: Separate subscription lists</a:t>
             </a:r>
-            <a:endParaRPr lang="en-US" dirty="0"/>
           </a:p>
         </p:txBody>
       </p:sp>
@@ -7443,16 +6987,15 @@
           <a:lstStyle/>
           <a:p>
             <a:r>
-              <a:rPr lang="en-US" dirty="0" smtClean="0"/>
+              <a:rPr lang="en-US" dirty="0"/>
               <a:t>Each kind of message would have its own subscription list and its own method name</a:t>
             </a:r>
           </a:p>
           <a:p>
             <a:r>
-              <a:rPr lang="en-US" dirty="0" smtClean="0"/>
+              <a:rPr lang="en-US" dirty="0"/>
               <a:t>Good choice if different groups of methods want to see different sets of messages.</a:t>
             </a:r>
-            <a:endParaRPr lang="en-US" dirty="0"/>
           </a:p>
         </p:txBody>
       </p:sp>
@@ -7489,13 +7032,6 @@
   <p:clrMapOvr>
     <a:masterClrMapping/>
   </p:clrMapOvr>
-  <p:timing>
-    <p:tnLst>
-      <p:par>
-        <p:cTn id="1" dur="indefinite" restart="never" nodeType="tmRoot"/>
-      </p:par>
-    </p:tnLst>
-  </p:timing>
 </p:sld>
 </file>
 
@@ -7529,15 +7065,14 @@
         <p:spPr/>
         <p:txBody>
           <a:bodyPr>
-            <a:normAutofit fontScale="90000"/>
+            <a:normAutofit/>
           </a:bodyPr>
           <a:lstStyle/>
           <a:p>
             <a:r>
-              <a:rPr lang="en-US" dirty="0" smtClean="0"/>
-              <a:t>The agreement between publisher and subscriber</a:t>
-            </a:r>
-            <a:endParaRPr lang="en-US" dirty="0"/>
+              <a:rPr lang="en-US" dirty="0"/>
+              <a:t>Key Points for Lesson 10.8</a:t>
+            </a:r>
           </a:p>
         </p:txBody>
       </p:sp>
@@ -7553,49 +7088,57 @@
         </p:nvSpPr>
         <p:spPr/>
         <p:txBody>
-          <a:bodyPr/>
-          <a:lstStyle/>
-          <a:p>
-            <a:r>
-              <a:rPr lang="en-US" dirty="0" smtClean="0"/>
+          <a:bodyPr>
+            <a:normAutofit fontScale="92500" lnSpcReduction="10000"/>
+          </a:bodyPr>
+          <a:lstStyle/>
+          <a:p>
+            <a:r>
+              <a:rPr lang="en-US" dirty="0"/>
               <a:t>The publisher and subscriber must agree on a </a:t>
             </a:r>
             <a:r>
-              <a:rPr lang="en-US" i="1" dirty="0" smtClean="0"/>
+              <a:rPr lang="en-US" i="1" dirty="0"/>
               <a:t>protocol</a:t>
             </a:r>
             <a:r>
-              <a:rPr lang="en-US" dirty="0" smtClean="0"/>
+              <a:rPr lang="en-US" dirty="0"/>
               <a:t> for exchanging messages.</a:t>
             </a:r>
           </a:p>
           <a:p>
             <a:r>
-              <a:rPr lang="en-US" dirty="0" smtClean="0"/>
+              <a:rPr lang="en-US" dirty="0"/>
               <a:t>The protocol consists of:</a:t>
             </a:r>
           </a:p>
           <a:p>
             <a:pPr lvl="1"/>
             <a:r>
-              <a:rPr lang="en-US" dirty="0" smtClean="0"/>
+              <a:rPr lang="en-US" dirty="0"/>
               <a:t>A publisher-side method for an object to subscribe to the messages</a:t>
             </a:r>
           </a:p>
           <a:p>
             <a:pPr lvl="1"/>
             <a:r>
-              <a:rPr lang="en-US" dirty="0" smtClean="0"/>
+              <a:rPr lang="en-US" dirty="0"/>
               <a:t>A subscriber-side method that the publisher can call to deliver the messages</a:t>
             </a:r>
           </a:p>
           <a:p>
             <a:pPr lvl="1"/>
             <a:r>
-              <a:rPr lang="en-US" dirty="0" smtClean="0"/>
+              <a:rPr lang="en-US" dirty="0"/>
               <a:t>An agreement on what messages mean and how they are represented.</a:t>
             </a:r>
-            <a:endParaRPr lang="en-US" dirty="0"/>
+          </a:p>
+          <a:p>
+            <a:pPr lvl="1"/>
+            <a:r>
+              <a:rPr lang="en-US" dirty="0"/>
+              <a:t>This agreement can take many different forms.</a:t>
+            </a:r>
           </a:p>
         </p:txBody>
       </p:sp>
@@ -7630,19 +7173,21 @@
         </p:nvSpPr>
         <p:spPr>
           <a:xfrm>
-            <a:off x="4724400" y="5664498"/>
+            <a:off x="5029200" y="5798145"/>
             <a:ext cx="2895600" cy="923330"/>
           </a:xfrm>
           <a:prstGeom prst="rect">
             <a:avLst/>
           </a:prstGeom>
           <a:solidFill>
-            <a:schemeClr val="accent3">
-              <a:lumMod val="40000"/>
-              <a:lumOff val="60000"/>
+            <a:schemeClr val="accent1">
+              <a:lumMod val="20000"/>
+              <a:lumOff val="80000"/>
             </a:schemeClr>
           </a:solidFill>
-          <a:ln/>
+          <a:ln>
+            <a:noFill/>
+          </a:ln>
         </p:spPr>
         <p:style>
           <a:lnRef idx="2">
@@ -7734,6 +7279,41 @@
           </a:p>
         </p:txBody>
       </p:sp>
+      <p:cxnSp>
+        <p:nvCxnSpPr>
+          <p:cNvPr id="3" name="Straight Arrow Connector 2"/>
+          <p:cNvCxnSpPr>
+            <a:stCxn id="9" idx="1"/>
+          </p:cNvCxnSpPr>
+          <p:nvPr/>
+        </p:nvCxnSpPr>
+        <p:spPr>
+          <a:xfrm flipH="1" flipV="1">
+            <a:off x="3886200" y="5105401"/>
+            <a:ext cx="1143000" cy="1154409"/>
+          </a:xfrm>
+          <a:prstGeom prst="straightConnector1">
+            <a:avLst/>
+          </a:prstGeom>
+          <a:ln w="12700">
+            <a:tailEnd type="triangle"/>
+          </a:ln>
+        </p:spPr>
+        <p:style>
+          <a:lnRef idx="1">
+            <a:schemeClr val="accent1"/>
+          </a:lnRef>
+          <a:fillRef idx="0">
+            <a:schemeClr val="accent1"/>
+          </a:fillRef>
+          <a:effectRef idx="0">
+            <a:schemeClr val="accent1"/>
+          </a:effectRef>
+          <a:fontRef idx="minor">
+            <a:schemeClr val="tx1"/>
+          </a:fontRef>
+        </p:style>
+      </p:cxnSp>
     </p:spTree>
     <p:extLst>
       <p:ext uri="{BB962C8B-B14F-4D97-AF65-F5344CB8AC3E}">
@@ -7744,13 +7324,6 @@
   <p:clrMapOvr>
     <a:masterClrMapping/>
   </p:clrMapOvr>
-  <p:timing>
-    <p:tnLst>
-      <p:par>
-        <p:cTn id="1" dur="indefinite" restart="never" nodeType="tmRoot"/>
-      </p:par>
-    </p:tnLst>
-  </p:timing>
 </p:sld>
 </file>
 
@@ -7789,10 +7362,9 @@
           <a:lstStyle/>
           <a:p>
             <a:r>
-              <a:rPr lang="en-US" dirty="0" smtClean="0"/>
+              <a:rPr lang="en-US" dirty="0"/>
               <a:t>Design #2: Single subscription list</a:t>
             </a:r>
-            <a:endParaRPr lang="en-US" dirty="0"/>
           </a:p>
         </p:txBody>
       </p:sp>
@@ -7814,19 +7386,19 @@
           <a:lstStyle/>
           <a:p>
             <a:r>
-              <a:rPr lang="en-US" dirty="0" smtClean="0"/>
+              <a:rPr lang="en-US" dirty="0"/>
               <a:t>Better if most classes want to see most of the same messages.</a:t>
             </a:r>
           </a:p>
           <a:p>
             <a:r>
-              <a:rPr lang="en-US" dirty="0" smtClean="0"/>
+              <a:rPr lang="en-US" dirty="0"/>
               <a:t>All subscribers now see all the messages</a:t>
             </a:r>
           </a:p>
           <a:p>
             <a:r>
-              <a:rPr lang="en-US" dirty="0" smtClean="0"/>
+              <a:rPr lang="en-US" dirty="0"/>
               <a:t>The object can simply ignore the messages it’s not interested in.</a:t>
             </a:r>
           </a:p>
@@ -7865,13 +7437,6 @@
   <p:clrMapOvr>
     <a:masterClrMapping/>
   </p:clrMapOvr>
-  <p:timing>
-    <p:tnLst>
-      <p:par>
-        <p:cTn id="1" dur="indefinite" restart="never" nodeType="tmRoot"/>
-      </p:par>
-    </p:tnLst>
-  </p:timing>
 </p:sld>
 </file>
 
@@ -7908,10 +7473,9 @@
           <a:lstStyle/>
           <a:p>
             <a:r>
-              <a:rPr lang="en-US" dirty="0" smtClean="0"/>
+              <a:rPr lang="en-US" dirty="0"/>
               <a:t>Variations on Design #2</a:t>
             </a:r>
-            <a:endParaRPr lang="en-US" dirty="0"/>
           </a:p>
         </p:txBody>
       </p:sp>
@@ -7933,27 +7497,15 @@
           <a:lstStyle/>
           <a:p>
             <a:r>
-              <a:rPr lang="en-US" dirty="0" smtClean="0"/>
+              <a:rPr lang="en-US" dirty="0"/>
               <a:t>Could have different receiver methods for different messages:</a:t>
             </a:r>
           </a:p>
           <a:p>
             <a:pPr lvl="1"/>
             <a:r>
-              <a:rPr lang="en-US" dirty="0" smtClean="0"/>
-              <a:t>This </a:t>
-            </a:r>
-            <a:r>
-              <a:rPr lang="en-US" dirty="0"/>
-              <a:t>is </a:t>
-            </a:r>
-            <a:r>
-              <a:rPr lang="en-US" dirty="0" smtClean="0"/>
-              <a:t>what </a:t>
-            </a:r>
-            <a:r>
-              <a:rPr lang="en-US" dirty="0"/>
-              <a:t>we did in </a:t>
+              <a:rPr lang="en-US" dirty="0"/>
+              <a:t>This is what we did in </a:t>
             </a:r>
             <a:r>
               <a:rPr lang="en-US" b="1" dirty="0"/>
@@ -7977,70 +7529,66 @@
             </a:r>
             <a:r>
               <a:rPr lang="en-US" dirty="0"/>
-              <a:t>,  etc</a:t>
-            </a:r>
-            <a:r>
-              <a:rPr lang="en-US" dirty="0" smtClean="0"/>
+              <a:t>,  etc.</a:t>
+            </a:r>
+          </a:p>
+          <a:p>
+            <a:pPr lvl="1"/>
+            <a:r>
+              <a:rPr lang="en-US" b="1" dirty="0"/>
+              <a:t>add-</a:t>
+            </a:r>
+            <a:r>
+              <a:rPr lang="en-US" b="1" dirty="0" err="1"/>
+              <a:t>stateful</a:t>
+            </a:r>
+            <a:r>
+              <a:rPr lang="en-US" b="1" dirty="0"/>
+              <a:t>-object </a:t>
+            </a:r>
+            <a:r>
+              <a:rPr lang="en-US" dirty="0"/>
+              <a:t>was the equivalent of </a:t>
+            </a:r>
+            <a:r>
+              <a:rPr lang="en-US" b="1" dirty="0"/>
+              <a:t>register</a:t>
+            </a:r>
+            <a:r>
+              <a:rPr lang="en-US" dirty="0"/>
               <a:t>.</a:t>
             </a:r>
           </a:p>
           <a:p>
+            <a:r>
+              <a:rPr lang="en-US" dirty="0"/>
+              <a:t>Or could have a single receiver method, but complex messages</a:t>
+            </a:r>
+          </a:p>
+          <a:p>
             <a:pPr lvl="1"/>
             <a:r>
-              <a:rPr lang="en-US" b="1" dirty="0" smtClean="0"/>
-              <a:t>add-</a:t>
-            </a:r>
-            <a:r>
-              <a:rPr lang="en-US" b="1" dirty="0" err="1" smtClean="0"/>
-              <a:t>stateful</a:t>
-            </a:r>
-            <a:r>
-              <a:rPr lang="en-US" b="1" dirty="0" smtClean="0"/>
-              <a:t>-object </a:t>
-            </a:r>
-            <a:r>
-              <a:rPr lang="en-US" dirty="0" smtClean="0"/>
-              <a:t>was the equivalent of </a:t>
-            </a:r>
-            <a:r>
-              <a:rPr lang="en-US" b="1" dirty="0" smtClean="0"/>
-              <a:t>register</a:t>
-            </a:r>
-            <a:r>
-              <a:rPr lang="en-US" dirty="0" smtClean="0"/>
-              <a:t>.</a:t>
-            </a:r>
-          </a:p>
-          <a:p>
-            <a:r>
-              <a:rPr lang="en-US" dirty="0" smtClean="0"/>
-              <a:t>Or could have a single receiver method, but complex messages</a:t>
+              <a:rPr lang="en-US" dirty="0"/>
+              <a:t>sometimes called a "message bus"</a:t>
             </a:r>
           </a:p>
           <a:p>
             <a:pPr lvl="1"/>
             <a:r>
-              <a:rPr lang="en-US" dirty="0" smtClean="0"/>
-              <a:t>sometimes called a "message bus"</a:t>
+              <a:rPr lang="en-US" dirty="0"/>
+              <a:t>this is how IP works:  each device on the bus just listens for the messages directed to it.</a:t>
             </a:r>
           </a:p>
           <a:p>
             <a:pPr lvl="1"/>
             <a:r>
-              <a:rPr lang="en-US" dirty="0" smtClean="0"/>
-              <a:t>this is how IP works:  each device on the bus just listens for the messages directed to it.</a:t>
+              <a:rPr lang="en-US" dirty="0"/>
+              <a:t>this generalizes to large message sets</a:t>
             </a:r>
           </a:p>
           <a:p>
             <a:pPr lvl="1"/>
-            <a:r>
-              <a:rPr lang="en-US" dirty="0"/>
-              <a:t>this generalizes to large message sets</a:t>
-            </a:r>
-          </a:p>
-          <a:p>
-            <a:pPr lvl="1"/>
-            <a:endParaRPr lang="en-US" dirty="0" smtClean="0"/>
+            <a:endParaRPr lang="en-US" dirty="0"/>
           </a:p>
           <a:p>
             <a:endParaRPr lang="en-US" dirty="0"/>
@@ -8089,13 +7637,6 @@
   <p:clrMapOvr>
     <a:masterClrMapping/>
   </p:clrMapOvr>
-  <p:timing>
-    <p:tnLst>
-      <p:par>
-        <p:cTn id="1" dur="indefinite" restart="never" nodeType="tmRoot"/>
-      </p:par>
-    </p:tnLst>
-  </p:timing>
 </p:sld>
 </file>
 
@@ -8134,10 +7675,9 @@
           <a:lstStyle/>
           <a:p>
             <a:r>
-              <a:rPr lang="en-US" dirty="0" smtClean="0"/>
+              <a:rPr lang="en-US" dirty="0"/>
               <a:t>Summary: Reasons to use publish-subscribe</a:t>
             </a:r>
-            <a:endParaRPr lang="en-US" dirty="0"/>
           </a:p>
         </p:txBody>
       </p:sp>
@@ -8157,36 +7697,35 @@
           <a:lstStyle/>
           <a:p>
             <a:r>
-              <a:rPr lang="en-US" dirty="0" smtClean="0"/>
+              <a:rPr lang="en-US" dirty="0"/>
               <a:t>Metaphor:  </a:t>
             </a:r>
           </a:p>
           <a:p>
             <a:pPr lvl="1"/>
             <a:r>
-              <a:rPr lang="en-US" dirty="0" smtClean="0"/>
+              <a:rPr lang="en-US" dirty="0"/>
               <a:t>"you" are an information-supplier</a:t>
             </a:r>
           </a:p>
           <a:p>
             <a:pPr lvl="1"/>
             <a:r>
-              <a:rPr lang="en-US" dirty="0" smtClean="0"/>
+              <a:rPr lang="en-US" dirty="0"/>
               <a:t>You have many people that  depend on your information</a:t>
             </a:r>
           </a:p>
           <a:p>
             <a:r>
-              <a:rPr lang="en-US" dirty="0" smtClean="0"/>
+              <a:rPr lang="en-US" dirty="0"/>
               <a:t>Your information changes rarely, so most of your dependents' questions are redundant</a:t>
             </a:r>
           </a:p>
           <a:p>
             <a:r>
-              <a:rPr lang="en-US" dirty="0" smtClean="0"/>
+              <a:rPr lang="en-US" dirty="0"/>
               <a:t>You don't know who needs your information</a:t>
             </a:r>
-            <a:endParaRPr lang="en-US" dirty="0"/>
           </a:p>
         </p:txBody>
       </p:sp>
@@ -8223,13 +7762,6 @@
   <p:clrMapOvr>
     <a:masterClrMapping/>
   </p:clrMapOvr>
-  <p:timing>
-    <p:tnLst>
-      <p:par>
-        <p:cTn id="1" dur="indefinite" restart="never" nodeType="tmRoot"/>
-      </p:par>
-    </p:tnLst>
-  </p:timing>
 </p:sld>
 </file>
 
@@ -8252,7 +7784,7 @@
       </p:grpSpPr>
       <p:sp>
         <p:nvSpPr>
-          <p:cNvPr id="3" name="Title 2"/>
+          <p:cNvPr id="7" name="Title 6"/>
           <p:cNvSpPr>
             <a:spLocks noGrp="1"/>
           </p:cNvSpPr>
@@ -8262,20 +7794,21 @@
         </p:nvSpPr>
         <p:spPr/>
         <p:txBody>
-          <a:bodyPr/>
-          <a:lstStyle/>
-          <a:p>
-            <a:r>
-              <a:rPr lang="en-US" dirty="0" smtClean="0"/>
-              <a:t>Module Summary</a:t>
-            </a:r>
-            <a:endParaRPr lang="en-US" dirty="0"/>
-          </a:p>
-        </p:txBody>
-      </p:sp>
-      <p:sp>
-        <p:nvSpPr>
-          <p:cNvPr id="4" name="Content Placeholder 3"/>
+          <a:bodyPr>
+            <a:normAutofit/>
+          </a:bodyPr>
+          <a:lstStyle/>
+          <a:p>
+            <a:r>
+              <a:rPr lang="en-US" dirty="0"/>
+              <a:t>Key Points for Lesson 10.8</a:t>
+            </a:r>
+          </a:p>
+        </p:txBody>
+      </p:sp>
+      <p:sp>
+        <p:nvSpPr>
+          <p:cNvPr id="8" name="Content Placeholder 7"/>
           <p:cNvSpPr>
             <a:spLocks noGrp="1"/>
           </p:cNvSpPr>
@@ -8286,162 +7819,62 @@
         <p:spPr/>
         <p:txBody>
           <a:bodyPr>
-            <a:normAutofit fontScale="85000" lnSpcReduction="20000"/>
+            <a:normAutofit fontScale="92500" lnSpcReduction="10000"/>
           </a:bodyPr>
           <a:lstStyle/>
           <a:p>
             <a:r>
-              <a:rPr lang="en-US" dirty="0" smtClean="0"/>
-              <a:t>Objects may need to know each other's identity:</a:t>
+              <a:rPr lang="en-US" dirty="0"/>
+              <a:t>The publisher and subscriber must agree on a </a:t>
+            </a:r>
+            <a:r>
+              <a:rPr lang="en-US" i="1" dirty="0"/>
+              <a:t>protocol</a:t>
+            </a:r>
+            <a:r>
+              <a:rPr lang="en-US" dirty="0"/>
+              <a:t> for exchanging messages.</a:t>
+            </a:r>
+          </a:p>
+          <a:p>
+            <a:r>
+              <a:rPr lang="en-US" dirty="0"/>
+              <a:t>The protocol consists of:</a:t>
             </a:r>
           </a:p>
           <a:p>
             <a:pPr lvl="1"/>
             <a:r>
-              <a:rPr lang="en-US" dirty="0" smtClean="0"/>
-              <a:t>either to </a:t>
-            </a:r>
-            <a:r>
-              <a:rPr lang="en-US" i="1" dirty="0" smtClean="0">
-                <a:solidFill>
-                  <a:srgbClr val="FF0000"/>
-                </a:solidFill>
-              </a:rPr>
-              <a:t>pull</a:t>
-            </a:r>
-            <a:r>
-              <a:rPr lang="en-US" dirty="0" smtClean="0"/>
-              <a:t> information from that object</a:t>
+              <a:rPr lang="en-US" dirty="0"/>
+              <a:t>A publisher-side method for an object to subscribe to the messages</a:t>
             </a:r>
           </a:p>
           <a:p>
             <a:pPr lvl="1"/>
             <a:r>
-              <a:rPr lang="en-US" dirty="0" smtClean="0"/>
-              <a:t>or to </a:t>
-            </a:r>
-            <a:r>
-              <a:rPr lang="en-US" i="1" dirty="0" smtClean="0">
-                <a:solidFill>
-                  <a:srgbClr val="FF0000"/>
-                </a:solidFill>
-              </a:rPr>
-              <a:t>push</a:t>
-            </a:r>
-            <a:r>
-              <a:rPr lang="en-US" dirty="0" smtClean="0"/>
-              <a:t> information to that object</a:t>
-            </a:r>
-          </a:p>
-          <a:p>
-            <a:r>
-              <a:rPr lang="en-US" dirty="0" smtClean="0"/>
-              <a:t>Publish-subscribe enables you to send information to objects you don't know about</a:t>
+              <a:rPr lang="en-US" dirty="0"/>
+              <a:t>A subscriber-side method that the publisher can call to deliver the messages</a:t>
             </a:r>
           </a:p>
           <a:p>
             <a:pPr lvl="1"/>
             <a:r>
-              <a:rPr lang="en-US" dirty="0" smtClean="0"/>
-              <a:t>objects register with you ("subscribe")</a:t>
+              <a:rPr lang="en-US" dirty="0"/>
+              <a:t>An agreement on what messages mean and how they are represented.</a:t>
             </a:r>
           </a:p>
           <a:p>
             <a:pPr lvl="1"/>
             <a:r>
-              <a:rPr lang="en-US" dirty="0" smtClean="0"/>
-              <a:t>you send them messages ("publish") when your information changes</a:t>
-            </a:r>
-          </a:p>
-          <a:p>
-            <a:pPr lvl="1"/>
-            <a:r>
-              <a:rPr lang="en-US" dirty="0" smtClean="0"/>
-              <a:t>must agree on protocol for transmission</a:t>
-            </a:r>
-          </a:p>
-          <a:p>
-            <a:pPr lvl="2"/>
-            <a:r>
-              <a:rPr lang="en-US" dirty="0" err="1" smtClean="0"/>
-              <a:t>eg</a:t>
-            </a:r>
-            <a:r>
-              <a:rPr lang="en-US" dirty="0" smtClean="0"/>
-              <a:t>: </a:t>
-            </a:r>
-            <a:r>
-              <a:rPr lang="en-US" b="1" dirty="0" smtClean="0">
-                <a:latin typeface="Consolas" pitchFamily="49" charset="0"/>
-                <a:cs typeface="Consolas" pitchFamily="49" charset="0"/>
-              </a:rPr>
-              <a:t>(</a:t>
-            </a:r>
-            <a:r>
-              <a:rPr lang="en-US" b="1" i="1" dirty="0" smtClean="0">
-                <a:latin typeface="Consolas" pitchFamily="49" charset="0"/>
-                <a:cs typeface="Consolas" pitchFamily="49" charset="0"/>
-              </a:rPr>
-              <a:t>method-name</a:t>
-            </a:r>
-            <a:r>
-              <a:rPr lang="en-US" b="1" dirty="0" smtClean="0">
-                <a:latin typeface="Consolas" pitchFamily="49" charset="0"/>
-                <a:cs typeface="Consolas" pitchFamily="49" charset="0"/>
-              </a:rPr>
-              <a:t> </a:t>
-            </a:r>
-            <a:r>
-              <a:rPr lang="en-US" b="1" i="1" dirty="0" smtClean="0">
-                <a:latin typeface="Consolas" pitchFamily="49" charset="0"/>
-                <a:cs typeface="Consolas" pitchFamily="49" charset="0"/>
-              </a:rPr>
-              <a:t>&lt;data&gt;</a:t>
-            </a:r>
-            <a:r>
-              <a:rPr lang="en-US" b="1" dirty="0" smtClean="0">
-                <a:latin typeface="Consolas" pitchFamily="49" charset="0"/>
-                <a:cs typeface="Consolas" pitchFamily="49" charset="0"/>
-              </a:rPr>
-              <a:t>)</a:t>
-            </a:r>
-            <a:endParaRPr lang="en-US" b="1" i="1" dirty="0" smtClean="0">
-              <a:latin typeface="Consolas" pitchFamily="49" charset="0"/>
-              <a:cs typeface="Consolas" pitchFamily="49" charset="0"/>
-            </a:endParaRPr>
-          </a:p>
-          <a:p>
-            <a:pPr lvl="2"/>
-            <a:r>
-              <a:rPr lang="en-US" dirty="0" err="1" smtClean="0"/>
-              <a:t>eg</a:t>
-            </a:r>
-            <a:r>
-              <a:rPr lang="en-US" dirty="0" smtClean="0"/>
-              <a:t>: call a registered </a:t>
-            </a:r>
-            <a:r>
-              <a:rPr lang="en-US" dirty="0" smtClean="0"/>
-              <a:t>closure with </a:t>
-            </a:r>
-            <a:r>
-              <a:rPr lang="en-US" dirty="0" smtClean="0"/>
-              <a:t>some data</a:t>
-            </a:r>
-          </a:p>
-          <a:p>
-            <a:pPr lvl="1"/>
-            <a:r>
-              <a:rPr lang="en-US" dirty="0" smtClean="0"/>
-              <a:t>it's up to receiver to decide what to do with the data.</a:t>
-            </a:r>
-            <a:endParaRPr lang="en-US" dirty="0"/>
-          </a:p>
-        </p:txBody>
-      </p:sp>
-      <p:sp>
-        <p:nvSpPr>
-          <p:cNvPr id="2" name="Slide Number Placeholder 1"/>
+              <a:rPr lang="en-US" dirty="0"/>
+              <a:t>This agreement can take many different forms.</a:t>
+            </a:r>
+          </a:p>
+        </p:txBody>
+      </p:sp>
+      <p:sp>
+        <p:nvSpPr>
+          <p:cNvPr id="4" name="Slide Number Placeholder 3"/>
           <p:cNvSpPr>
             <a:spLocks noGrp="1"/>
           </p:cNvSpPr>
@@ -8462,23 +7895,165 @@
           </a:p>
         </p:txBody>
       </p:sp>
+      <p:sp>
+        <p:nvSpPr>
+          <p:cNvPr id="9" name="TextBox 8"/>
+          <p:cNvSpPr txBox="1"/>
+          <p:nvPr/>
+        </p:nvSpPr>
+        <p:spPr>
+          <a:xfrm>
+            <a:off x="5029200" y="5798145"/>
+            <a:ext cx="2895600" cy="923330"/>
+          </a:xfrm>
+          <a:prstGeom prst="rect">
+            <a:avLst/>
+          </a:prstGeom>
+          <a:solidFill>
+            <a:schemeClr val="accent1">
+              <a:lumMod val="20000"/>
+              <a:lumOff val="80000"/>
+            </a:schemeClr>
+          </a:solidFill>
+          <a:ln>
+            <a:noFill/>
+          </a:ln>
+        </p:spPr>
+        <p:style>
+          <a:lnRef idx="2">
+            <a:schemeClr val="accent1"/>
+          </a:lnRef>
+          <a:fillRef idx="1">
+            <a:schemeClr val="lt1"/>
+          </a:fillRef>
+          <a:effectRef idx="0">
+            <a:schemeClr val="accent1"/>
+          </a:effectRef>
+          <a:fontRef idx="minor">
+            <a:schemeClr val="dk1"/>
+          </a:fontRef>
+        </p:style>
+        <p:txBody>
+          <a:bodyPr rot="0" spcFirstLastPara="0" vertOverflow="overflow" horzOverflow="overflow" vert="horz" wrap="square" lIns="91440" tIns="45720" rIns="91440" bIns="45720" numCol="1" spcCol="0" rtlCol="0" fromWordArt="0" anchor="ctr" anchorCtr="0" forceAA="0" compatLnSpc="1">
+            <a:prstTxWarp prst="textNoShape">
+              <a:avLst/>
+            </a:prstTxWarp>
+            <a:noAutofit/>
+          </a:bodyPr>
+          <a:lstStyle>
+            <a:defPPr>
+              <a:defRPr lang="en-US"/>
+            </a:defPPr>
+            <a:lvl2pPr>
+              <a:defRPr>
+                <a:solidFill>
+                  <a:schemeClr val="dk1"/>
+                </a:solidFill>
+              </a:defRPr>
+            </a:lvl2pPr>
+            <a:lvl3pPr>
+              <a:defRPr>
+                <a:solidFill>
+                  <a:schemeClr val="dk1"/>
+                </a:solidFill>
+              </a:defRPr>
+            </a:lvl3pPr>
+            <a:lvl4pPr>
+              <a:defRPr>
+                <a:solidFill>
+                  <a:schemeClr val="dk1"/>
+                </a:solidFill>
+              </a:defRPr>
+            </a:lvl4pPr>
+            <a:lvl5pPr>
+              <a:defRPr>
+                <a:solidFill>
+                  <a:schemeClr val="dk1"/>
+                </a:solidFill>
+              </a:defRPr>
+            </a:lvl5pPr>
+            <a:lvl6pPr>
+              <a:defRPr>
+                <a:solidFill>
+                  <a:schemeClr val="dk1"/>
+                </a:solidFill>
+              </a:defRPr>
+            </a:lvl6pPr>
+            <a:lvl7pPr>
+              <a:defRPr>
+                <a:solidFill>
+                  <a:schemeClr val="dk1"/>
+                </a:solidFill>
+              </a:defRPr>
+            </a:lvl7pPr>
+            <a:lvl8pPr>
+              <a:defRPr>
+                <a:solidFill>
+                  <a:schemeClr val="dk1"/>
+                </a:solidFill>
+              </a:defRPr>
+            </a:lvl8pPr>
+            <a:lvl9pPr>
+              <a:defRPr>
+                <a:solidFill>
+                  <a:schemeClr val="dk1"/>
+                </a:solidFill>
+              </a:defRPr>
+            </a:lvl9pPr>
+          </a:lstStyle>
+          <a:p>
+            <a:r>
+              <a:rPr lang="en-US" dirty="0"/>
+              <a:t>Information and its Representation as Data (again!!)</a:t>
+            </a:r>
+          </a:p>
+        </p:txBody>
+      </p:sp>
+      <p:cxnSp>
+        <p:nvCxnSpPr>
+          <p:cNvPr id="3" name="Straight Arrow Connector 2"/>
+          <p:cNvCxnSpPr>
+            <a:stCxn id="9" idx="1"/>
+          </p:cNvCxnSpPr>
+          <p:nvPr/>
+        </p:nvCxnSpPr>
+        <p:spPr>
+          <a:xfrm flipH="1" flipV="1">
+            <a:off x="3886200" y="5105401"/>
+            <a:ext cx="1143000" cy="1154409"/>
+          </a:xfrm>
+          <a:prstGeom prst="straightConnector1">
+            <a:avLst/>
+          </a:prstGeom>
+          <a:ln w="12700">
+            <a:tailEnd type="triangle"/>
+          </a:ln>
+        </p:spPr>
+        <p:style>
+          <a:lnRef idx="1">
+            <a:schemeClr val="accent1"/>
+          </a:lnRef>
+          <a:fillRef idx="0">
+            <a:schemeClr val="accent1"/>
+          </a:fillRef>
+          <a:effectRef idx="0">
+            <a:schemeClr val="accent1"/>
+          </a:effectRef>
+          <a:fontRef idx="minor">
+            <a:schemeClr val="tx1"/>
+          </a:fontRef>
+        </p:style>
+      </p:cxnSp>
     </p:spTree>
     <p:extLst>
       <p:ext uri="{BB962C8B-B14F-4D97-AF65-F5344CB8AC3E}">
-        <p14:creationId xmlns:p14="http://schemas.microsoft.com/office/powerpoint/2010/main" val="3736177350"/>
+        <p14:creationId xmlns:p14="http://schemas.microsoft.com/office/powerpoint/2010/main" val="2296915541"/>
       </p:ext>
     </p:extLst>
   </p:cSld>
   <p:clrMapOvr>
     <a:masterClrMapping/>
   </p:clrMapOvr>
-  <p:timing>
-    <p:tnLst>
-      <p:par>
-        <p:cTn id="1" dur="indefinite" restart="never" nodeType="tmRoot"/>
-      </p:par>
-    </p:tnLst>
-  </p:timing>
 </p:sld>
 </file>
 
@@ -8501,6 +8076,238 @@
       </p:grpSpPr>
       <p:sp>
         <p:nvSpPr>
+          <p:cNvPr id="3" name="Title 2"/>
+          <p:cNvSpPr>
+            <a:spLocks noGrp="1"/>
+          </p:cNvSpPr>
+          <p:nvPr>
+            <p:ph type="title"/>
+          </p:nvPr>
+        </p:nvSpPr>
+        <p:spPr/>
+        <p:txBody>
+          <a:bodyPr/>
+          <a:lstStyle/>
+          <a:p>
+            <a:r>
+              <a:rPr lang="en-US" dirty="0"/>
+              <a:t>Module Summary</a:t>
+            </a:r>
+          </a:p>
+        </p:txBody>
+      </p:sp>
+      <p:sp>
+        <p:nvSpPr>
+          <p:cNvPr id="4" name="Content Placeholder 3"/>
+          <p:cNvSpPr>
+            <a:spLocks noGrp="1"/>
+          </p:cNvSpPr>
+          <p:nvPr>
+            <p:ph idx="1"/>
+          </p:nvPr>
+        </p:nvSpPr>
+        <p:spPr/>
+        <p:txBody>
+          <a:bodyPr>
+            <a:normAutofit fontScale="85000" lnSpcReduction="20000"/>
+          </a:bodyPr>
+          <a:lstStyle/>
+          <a:p>
+            <a:r>
+              <a:rPr lang="en-US" dirty="0"/>
+              <a:t>Objects may need to know each other's identity:</a:t>
+            </a:r>
+          </a:p>
+          <a:p>
+            <a:pPr lvl="1"/>
+            <a:r>
+              <a:rPr lang="en-US" dirty="0"/>
+              <a:t>either to </a:t>
+            </a:r>
+            <a:r>
+              <a:rPr lang="en-US" i="1" dirty="0">
+                <a:solidFill>
+                  <a:srgbClr val="FF0000"/>
+                </a:solidFill>
+              </a:rPr>
+              <a:t>pull</a:t>
+            </a:r>
+            <a:r>
+              <a:rPr lang="en-US" dirty="0"/>
+              <a:t> information from that object</a:t>
+            </a:r>
+          </a:p>
+          <a:p>
+            <a:pPr lvl="1"/>
+            <a:r>
+              <a:rPr lang="en-US" dirty="0"/>
+              <a:t>or to </a:t>
+            </a:r>
+            <a:r>
+              <a:rPr lang="en-US" i="1" dirty="0">
+                <a:solidFill>
+                  <a:srgbClr val="FF0000"/>
+                </a:solidFill>
+              </a:rPr>
+              <a:t>push</a:t>
+            </a:r>
+            <a:r>
+              <a:rPr lang="en-US" dirty="0"/>
+              <a:t> information to that object</a:t>
+            </a:r>
+          </a:p>
+          <a:p>
+            <a:r>
+              <a:rPr lang="en-US" dirty="0"/>
+              <a:t>Publish-subscribe enables you to send information to objects you don't know about</a:t>
+            </a:r>
+          </a:p>
+          <a:p>
+            <a:pPr lvl="1"/>
+            <a:r>
+              <a:rPr lang="en-US" dirty="0"/>
+              <a:t>objects register with you ("subscribe")</a:t>
+            </a:r>
+          </a:p>
+          <a:p>
+            <a:pPr lvl="1"/>
+            <a:r>
+              <a:rPr lang="en-US" dirty="0"/>
+              <a:t>you send them messages ("publish") when your information changes</a:t>
+            </a:r>
+          </a:p>
+          <a:p>
+            <a:pPr lvl="1"/>
+            <a:r>
+              <a:rPr lang="en-US" dirty="0"/>
+              <a:t>must agree on protocol for transmission</a:t>
+            </a:r>
+          </a:p>
+          <a:p>
+            <a:pPr lvl="2"/>
+            <a:r>
+              <a:rPr lang="en-US" dirty="0" err="1"/>
+              <a:t>eg</a:t>
+            </a:r>
+            <a:r>
+              <a:rPr lang="en-US" dirty="0"/>
+              <a:t>: </a:t>
+            </a:r>
+            <a:r>
+              <a:rPr lang="en-US" b="1" dirty="0">
+                <a:latin typeface="Consolas" pitchFamily="49" charset="0"/>
+                <a:cs typeface="Consolas" pitchFamily="49" charset="0"/>
+              </a:rPr>
+              <a:t>(</a:t>
+            </a:r>
+            <a:r>
+              <a:rPr lang="en-US" b="1" i="1" dirty="0">
+                <a:latin typeface="Consolas" pitchFamily="49" charset="0"/>
+                <a:cs typeface="Consolas" pitchFamily="49" charset="0"/>
+              </a:rPr>
+              <a:t>method-name</a:t>
+            </a:r>
+            <a:r>
+              <a:rPr lang="en-US" b="1" dirty="0">
+                <a:latin typeface="Consolas" pitchFamily="49" charset="0"/>
+                <a:cs typeface="Consolas" pitchFamily="49" charset="0"/>
+              </a:rPr>
+              <a:t> </a:t>
+            </a:r>
+            <a:r>
+              <a:rPr lang="en-US" b="1" i="1" dirty="0">
+                <a:latin typeface="Consolas" pitchFamily="49" charset="0"/>
+                <a:cs typeface="Consolas" pitchFamily="49" charset="0"/>
+              </a:rPr>
+              <a:t>&lt;data&gt;</a:t>
+            </a:r>
+            <a:r>
+              <a:rPr lang="en-US" b="1" dirty="0">
+                <a:latin typeface="Consolas" pitchFamily="49" charset="0"/>
+                <a:cs typeface="Consolas" pitchFamily="49" charset="0"/>
+              </a:rPr>
+              <a:t>)</a:t>
+            </a:r>
+            <a:endParaRPr lang="en-US" b="1" i="1" dirty="0">
+              <a:latin typeface="Consolas" pitchFamily="49" charset="0"/>
+              <a:cs typeface="Consolas" pitchFamily="49" charset="0"/>
+            </a:endParaRPr>
+          </a:p>
+          <a:p>
+            <a:pPr lvl="2"/>
+            <a:r>
+              <a:rPr lang="en-US" dirty="0" err="1"/>
+              <a:t>eg</a:t>
+            </a:r>
+            <a:r>
+              <a:rPr lang="en-US" dirty="0"/>
+              <a:t>: call a registered closure with some data</a:t>
+            </a:r>
+          </a:p>
+          <a:p>
+            <a:pPr lvl="1"/>
+            <a:r>
+              <a:rPr lang="en-US" dirty="0"/>
+              <a:t>it's up to receiver to decide what to do with the data.</a:t>
+            </a:r>
+          </a:p>
+        </p:txBody>
+      </p:sp>
+      <p:sp>
+        <p:nvSpPr>
+          <p:cNvPr id="2" name="Slide Number Placeholder 1"/>
+          <p:cNvSpPr>
+            <a:spLocks noGrp="1"/>
+          </p:cNvSpPr>
+          <p:nvPr>
+            <p:ph type="sldNum" sz="quarter" idx="12"/>
+          </p:nvPr>
+        </p:nvSpPr>
+        <p:spPr/>
+        <p:txBody>
+          <a:bodyPr/>
+          <a:lstStyle/>
+          <a:p>
+            <a:fld id="{58421BAC-3CAF-46BB-86EE-DF587652A52E}" type="slidenum">
+              <a:rPr lang="en-US" smtClean="0"/>
+              <a:t>24</a:t>
+            </a:fld>
+            <a:endParaRPr lang="en-US"/>
+          </a:p>
+        </p:txBody>
+      </p:sp>
+    </p:spTree>
+    <p:extLst>
+      <p:ext uri="{BB962C8B-B14F-4D97-AF65-F5344CB8AC3E}">
+        <p14:creationId xmlns:p14="http://schemas.microsoft.com/office/powerpoint/2010/main" val="3736177350"/>
+      </p:ext>
+    </p:extLst>
+  </p:cSld>
+  <p:clrMapOvr>
+    <a:masterClrMapping/>
+  </p:clrMapOvr>
+</p:sld>
+</file>
+
+<file path=ppt/slides/slide25.xml><?xml version="1.0" encoding="utf-8"?>
+<p:sld xmlns:a="http://schemas.openxmlformats.org/drawingml/2006/main" xmlns:r="http://schemas.openxmlformats.org/officeDocument/2006/relationships" xmlns:p="http://schemas.openxmlformats.org/presentationml/2006/main">
+  <p:cSld>
+    <p:spTree>
+      <p:nvGrpSpPr>
+        <p:cNvPr id="1" name=""/>
+        <p:cNvGrpSpPr/>
+        <p:nvPr/>
+      </p:nvGrpSpPr>
+      <p:grpSpPr>
+        <a:xfrm>
+          <a:off x="0" y="0"/>
+          <a:ext cx="0" cy="0"/>
+          <a:chOff x="0" y="0"/>
+          <a:chExt cx="0" cy="0"/>
+        </a:xfrm>
+      </p:grpSpPr>
+      <p:sp>
+        <p:nvSpPr>
           <p:cNvPr id="2" name="Title 1"/>
           <p:cNvSpPr>
             <a:spLocks noGrp="1"/>
@@ -8515,10 +8322,9 @@
           <a:lstStyle/>
           <a:p>
             <a:r>
-              <a:rPr lang="en-US" dirty="0" smtClean="0"/>
+              <a:rPr lang="en-US" dirty="0"/>
               <a:t>Next Steps</a:t>
             </a:r>
-            <a:endParaRPr lang="en-US" dirty="0"/>
           </a:p>
         </p:txBody>
       </p:sp>
@@ -8540,47 +8346,46 @@
           <a:lstStyle/>
           <a:p>
             <a:r>
-              <a:rPr lang="en-US" dirty="0" smtClean="0"/>
+              <a:rPr lang="en-US" dirty="0"/>
               <a:t>Study the relevant files in the Examples folder:</a:t>
             </a:r>
           </a:p>
           <a:p>
             <a:pPr lvl="1"/>
             <a:r>
-              <a:rPr lang="en-US" dirty="0" smtClean="0"/>
+              <a:rPr lang="en-US" dirty="0"/>
               <a:t>10-6-push-model-fixed.rkt</a:t>
             </a:r>
           </a:p>
           <a:p>
             <a:pPr lvl="1"/>
             <a:r>
-              <a:rPr lang="en-US" dirty="0" smtClean="0"/>
+              <a:rPr lang="en-US" dirty="0"/>
               <a:t>10-7-callbacks.rkt</a:t>
             </a:r>
           </a:p>
           <a:p>
             <a:pPr lvl="1"/>
             <a:r>
-              <a:rPr lang="en-US" dirty="0" smtClean="0"/>
+              <a:rPr lang="en-US" dirty="0"/>
               <a:t>10-8-interacting-objects.rkt</a:t>
             </a:r>
           </a:p>
           <a:p>
             <a:r>
-              <a:rPr lang="en-US" smtClean="0"/>
+              <a:rPr lang="en-US"/>
               <a:t>If </a:t>
             </a:r>
             <a:r>
-              <a:rPr lang="en-US" dirty="0" smtClean="0"/>
+              <a:rPr lang="en-US" dirty="0"/>
               <a:t>you have questions about this lesson, ask them on the Discussion Board</a:t>
             </a:r>
           </a:p>
           <a:p>
             <a:r>
-              <a:rPr lang="en-US" dirty="0" smtClean="0"/>
+              <a:rPr lang="en-US" dirty="0"/>
               <a:t>Do Problem Set #10.</a:t>
             </a:r>
-            <a:endParaRPr lang="en-US" dirty="0"/>
           </a:p>
         </p:txBody>
       </p:sp>
@@ -8601,7 +8406,7 @@
           <a:p>
             <a:fld id="{2AF3B5EA-18B6-4040-9F78-6052AF49C681}" type="slidenum">
               <a:rPr lang="en-US" smtClean="0"/>
-              <a:t>24</a:t>
+              <a:t>25</a:t>
             </a:fld>
             <a:endParaRPr lang="en-US"/>
           </a:p>
@@ -8617,13 +8422,6 @@
   <p:clrMapOvr>
     <a:masterClrMapping/>
   </p:clrMapOvr>
-  <p:timing>
-    <p:tnLst>
-      <p:par>
-        <p:cTn id="1" dur="indefinite" restart="never" nodeType="tmRoot"/>
-      </p:par>
-    </p:tnLst>
-  </p:timing>
 </p:sld>
 </file>
 
@@ -8662,7 +8460,7 @@
           <a:lstStyle/>
           <a:p>
             <a:r>
-              <a:rPr lang="en-US" dirty="0" smtClean="0">
+              <a:rPr lang="en-US" dirty="0">
                 <a:cs typeface="Consolas" pitchFamily="49" charset="0"/>
               </a:rPr>
               <a:t>Doing pub-sub without relying on a common method name </a:t>
@@ -8689,47 +8487,47 @@
           <a:lstStyle/>
           <a:p>
             <a:r>
-              <a:rPr lang="en-US" dirty="0" smtClean="0"/>
+              <a:rPr lang="en-US" dirty="0"/>
               <a:t>You might have several different classes of subscribers, who want to do different things with a published message.</a:t>
             </a:r>
           </a:p>
           <a:p>
             <a:r>
-              <a:rPr lang="en-US" dirty="0" smtClean="0"/>
+              <a:rPr lang="en-US" dirty="0"/>
               <a:t>Maybe you don't know the name of the subscriber's receiver method</a:t>
             </a:r>
           </a:p>
           <a:p>
             <a:r>
-              <a:rPr lang="en-US" dirty="0" smtClean="0"/>
+              <a:rPr lang="en-US" dirty="0"/>
               <a:t>Solution: instead of registering an object, register a </a:t>
             </a:r>
             <a:r>
-              <a:rPr lang="en-US" i="1" dirty="0" smtClean="0"/>
+              <a:rPr lang="en-US" i="1" dirty="0"/>
               <a:t>function</a:t>
             </a:r>
             <a:r>
-              <a:rPr lang="en-US" dirty="0" smtClean="0"/>
+              <a:rPr lang="en-US" dirty="0"/>
               <a:t> to be called.</a:t>
             </a:r>
           </a:p>
           <a:p>
             <a:pPr lvl="1"/>
             <a:r>
-              <a:rPr lang="en-US" b="1" dirty="0" smtClean="0">
+              <a:rPr lang="en-US" b="1" dirty="0">
                 <a:latin typeface="Consolas" pitchFamily="49" charset="0"/>
                 <a:cs typeface="Consolas" pitchFamily="49" charset="0"/>
               </a:rPr>
               <a:t>f : X -&gt; Void  </a:t>
             </a:r>
             <a:r>
-              <a:rPr lang="en-US" dirty="0" smtClean="0">
+              <a:rPr lang="en-US" dirty="0">
                 <a:cs typeface="Consolas" pitchFamily="49" charset="0"/>
               </a:rPr>
               <a:t>where X is the kind of value being published</a:t>
             </a:r>
             <a:r>
-              <a:rPr lang="en-US" b="1" dirty="0" smtClean="0">
+              <a:rPr lang="en-US" b="1" dirty="0">
                 <a:latin typeface="Consolas" pitchFamily="49" charset="0"/>
                 <a:cs typeface="Consolas" pitchFamily="49" charset="0"/>
               </a:rPr>
@@ -8738,24 +8536,24 @@
           </a:p>
           <a:p>
             <a:r>
-              <a:rPr lang="en-US" dirty="0" smtClean="0"/>
+              <a:rPr lang="en-US" dirty="0"/>
               <a:t>To publish a value, call each of the registered functions</a:t>
             </a:r>
           </a:p>
           <a:p>
             <a:pPr lvl="1"/>
             <a:r>
-              <a:rPr lang="en-US" dirty="0" smtClean="0"/>
+              <a:rPr lang="en-US" dirty="0"/>
               <a:t>It's a callback!</a:t>
             </a:r>
           </a:p>
           <a:p>
             <a:r>
-              <a:rPr lang="en-US" dirty="0" smtClean="0"/>
+              <a:rPr lang="en-US" dirty="0"/>
               <a:t>These functions are called </a:t>
             </a:r>
             <a:r>
-              <a:rPr lang="en-US" i="1" dirty="0" smtClean="0">
+              <a:rPr lang="en-US" i="1" dirty="0">
                 <a:solidFill>
                   <a:srgbClr val="FF0000"/>
                 </a:solidFill>
@@ -8763,11 +8561,11 @@
               <a:t>delegates</a:t>
             </a:r>
             <a:r>
-              <a:rPr lang="en-US" dirty="0" smtClean="0"/>
+              <a:rPr lang="en-US" dirty="0"/>
               <a:t> or </a:t>
             </a:r>
             <a:r>
-              <a:rPr lang="en-US" i="1" dirty="0" smtClean="0">
+              <a:rPr lang="en-US" i="1" dirty="0">
                 <a:solidFill>
                   <a:srgbClr val="FF0000"/>
                 </a:solidFill>
@@ -8775,7 +8573,7 @@
               <a:t>closures</a:t>
             </a:r>
             <a:r>
-              <a:rPr lang="en-US" dirty="0" smtClean="0"/>
+              <a:rPr lang="en-US" dirty="0"/>
               <a:t>.</a:t>
             </a:r>
           </a:p>
@@ -8814,13 +8612,6 @@
   <p:clrMapOvr>
     <a:masterClrMapping/>
   </p:clrMapOvr>
-  <p:timing>
-    <p:tnLst>
-      <p:par>
-        <p:cTn id="1" dur="indefinite" restart="never" nodeType="tmRoot"/>
-      </p:par>
-    </p:tnLst>
-  </p:timing>
 </p:sld>
 </file>
 
@@ -8857,18 +8648,17 @@
           <a:lstStyle/>
           <a:p>
             <a:r>
-              <a:rPr lang="en-US" dirty="0" smtClean="0"/>
+              <a:rPr lang="en-US" dirty="0"/>
               <a:t>No more update-wall-</a:t>
             </a:r>
             <a:r>
-              <a:rPr lang="en-US" dirty="0" err="1" smtClean="0"/>
+              <a:rPr lang="en-US" dirty="0" err="1"/>
               <a:t>pos</a:t>
             </a:r>
             <a:r>
-              <a:rPr lang="en-US" dirty="0" smtClean="0"/>
+              <a:rPr lang="en-US" dirty="0"/>
               <a:t> method</a:t>
             </a:r>
-            <a:endParaRPr lang="en-US" dirty="0"/>
           </a:p>
         </p:txBody>
       </p:sp>
@@ -9034,13 +8824,6 @@
   <p:clrMapOvr>
     <a:masterClrMapping/>
   </p:clrMapOvr>
-  <p:timing>
-    <p:tnLst>
-      <p:par>
-        <p:cTn id="1" dur="indefinite" restart="never" nodeType="tmRoot"/>
-      </p:par>
-    </p:tnLst>
-  </p:timing>
 </p:sld>
 </file>
 
@@ -9079,10 +8862,9 @@
           <a:lstStyle/>
           <a:p>
             <a:r>
-              <a:rPr lang="en-US" dirty="0" smtClean="0"/>
+              <a:rPr lang="en-US" dirty="0"/>
               <a:t>The Wall keeps a list of callback functions</a:t>
             </a:r>
-            <a:endParaRPr lang="en-US" dirty="0"/>
           </a:p>
         </p:txBody>
       </p:sp>
@@ -9118,98 +8900,64 @@
               <a:t>SWall</a:t>
             </a:r>
             <a:r>
-              <a:rPr lang="en-US" dirty="0" smtClean="0"/>
+              <a:rPr lang="en-US" dirty="0"/>
               <a:t>&lt;%&gt;)     </a:t>
             </a:r>
           </a:p>
           <a:p>
             <a:r>
               <a:rPr lang="en-US" dirty="0"/>
-              <a:t> </a:t>
-            </a:r>
-            <a:r>
-              <a:rPr lang="en-US" dirty="0" smtClean="0"/>
-              <a:t>   ....</a:t>
-            </a:r>
-          </a:p>
-          <a:p>
-            <a:endParaRPr lang="en-US" dirty="0" smtClean="0"/>
-          </a:p>
-          <a:p>
-            <a:r>
-              <a:rPr lang="en-US" dirty="0"/>
-              <a:t> </a:t>
-            </a:r>
-            <a:r>
-              <a:rPr lang="en-US" dirty="0" smtClean="0"/>
-              <a:t>    </a:t>
-            </a:r>
-            <a:r>
-              <a:rPr lang="en-US" strike="sngStrike" dirty="0" smtClean="0"/>
+              <a:t>    ....</a:t>
+            </a:r>
+          </a:p>
+          <a:p>
+            <a:endParaRPr lang="en-US" dirty="0"/>
+          </a:p>
+          <a:p>
+            <a:r>
+              <a:rPr lang="en-US" dirty="0"/>
+              <a:t>     </a:t>
+            </a:r>
+            <a:r>
+              <a:rPr lang="en-US" strike="sngStrike" dirty="0"/>
+              <a:t>;; the list of registered balls</a:t>
+            </a:r>
+          </a:p>
+          <a:p>
+            <a:r>
+              <a:rPr lang="en-US" dirty="0"/>
+              <a:t>     </a:t>
+            </a:r>
+            <a:r>
+              <a:rPr lang="en-US" strike="sngStrike" dirty="0"/>
               <a:t>;; </a:t>
             </a:r>
             <a:r>
+              <a:rPr lang="en-US" strike="sngStrike" dirty="0" err="1"/>
+              <a:t>ListOf</a:t>
+            </a:r>
+            <a:r>
               <a:rPr lang="en-US" strike="sngStrike" dirty="0"/>
-              <a:t>the list of registered </a:t>
-            </a:r>
-            <a:r>
-              <a:rPr lang="en-US" strike="sngStrike" dirty="0" smtClean="0"/>
-              <a:t>balls</a:t>
-            </a:r>
-          </a:p>
-          <a:p>
-            <a:r>
-              <a:rPr lang="en-US" dirty="0"/>
-              <a:t> </a:t>
-            </a:r>
-            <a:r>
-              <a:rPr lang="en-US" dirty="0" smtClean="0"/>
-              <a:t>    </a:t>
-            </a:r>
-            <a:r>
-              <a:rPr lang="en-US" strike="sngStrike" dirty="0" smtClean="0"/>
-              <a:t>;; </a:t>
-            </a:r>
-            <a:r>
-              <a:rPr lang="en-US" strike="sngStrike" dirty="0" err="1" smtClean="0"/>
-              <a:t>ListOf</a:t>
-            </a:r>
-            <a:r>
-              <a:rPr lang="en-US" strike="sngStrike" dirty="0" smtClean="0"/>
               <a:t>(Ball&lt;%&gt;)</a:t>
             </a:r>
-            <a:endParaRPr lang="en-US" strike="sngStrike" dirty="0"/>
-          </a:p>
-          <a:p>
-            <a:r>
-              <a:rPr lang="en-US" dirty="0" smtClean="0"/>
-              <a:t>    </a:t>
-            </a:r>
-            <a:r>
-              <a:rPr lang="en-US" dirty="0"/>
-              <a:t> </a:t>
+          </a:p>
+          <a:p>
+            <a:r>
+              <a:rPr lang="en-US" dirty="0"/>
+              <a:t>     </a:t>
             </a:r>
             <a:r>
               <a:rPr lang="en-US" strike="sngStrike" dirty="0"/>
               <a:t>(field [balls empty]) </a:t>
             </a:r>
-            <a:endParaRPr lang="en-US" strike="sngStrike" dirty="0" smtClean="0"/>
-          </a:p>
-          <a:p>
-            <a:endParaRPr lang="en-US" dirty="0" smtClean="0"/>
-          </a:p>
-          <a:p>
-            <a:r>
-              <a:rPr lang="en-US" dirty="0" smtClean="0"/>
+          </a:p>
+          <a:p>
+            <a:endParaRPr lang="en-US" dirty="0"/>
+          </a:p>
+          <a:p>
+            <a:r>
+              <a:rPr lang="en-US" dirty="0"/>
               <a:t>    </a:t>
-            </a:r>
-            <a:r>
-              <a:rPr lang="en-US" dirty="0" smtClean="0">
-                <a:solidFill>
-                  <a:srgbClr val="FF0000"/>
-                </a:solidFill>
-              </a:rPr>
-              <a:t>;; </a:t>
             </a:r>
             <a:r>
               <a:rPr lang="en-US" dirty="0">
@@ -9217,15 +8965,7 @@
                   <a:srgbClr val="FF0000"/>
                 </a:solidFill>
               </a:rPr>
-              <a:t>the list of </a:t>
-            </a:r>
-            <a:r>
-              <a:rPr lang="en-US" dirty="0" smtClean="0">
-                <a:solidFill>
-                  <a:srgbClr val="FF0000"/>
-                </a:solidFill>
-              </a:rPr>
-              <a:t>registered</a:t>
+              <a:t>;; the list of registered</a:t>
             </a:r>
           </a:p>
           <a:p>
@@ -9235,23 +8975,7 @@
                   <a:srgbClr val="FF0000"/>
                 </a:solidFill>
               </a:rPr>
-              <a:t> </a:t>
-            </a:r>
-            <a:r>
-              <a:rPr lang="en-US" dirty="0" smtClean="0">
-                <a:solidFill>
-                  <a:srgbClr val="FF0000"/>
-                </a:solidFill>
-              </a:rPr>
-              <a:t>   ;; </a:t>
-            </a:r>
-            <a:r>
-              <a:rPr lang="en-US" dirty="0">
-                <a:solidFill>
-                  <a:srgbClr val="FF0000"/>
-                </a:solidFill>
-              </a:rPr>
-              <a:t>callbacks</a:t>
+              <a:t>    ;; callbacks</a:t>
             </a:r>
           </a:p>
           <a:p>
@@ -9315,20 +9039,12 @@
               <a:t>    </a:t>
             </a:r>
             <a:r>
-              <a:rPr lang="en-US" dirty="0" smtClean="0">
-                <a:solidFill>
-                  <a:srgbClr val="FF0000"/>
-                </a:solidFill>
-              </a:rPr>
-              <a:t>;; </a:t>
-            </a:r>
-            <a:r>
               <a:rPr lang="en-US" dirty="0">
                 <a:solidFill>
                   <a:srgbClr val="FF0000"/>
                 </a:solidFill>
               </a:rPr>
-              <a:t>(</a:t>
+              <a:t>;; (</a:t>
             </a:r>
             <a:r>
               <a:rPr lang="en-US" dirty="0" err="1">
@@ -9363,46 +9079,25 @@
           <a:p>
             <a:r>
               <a:rPr lang="en-US" dirty="0"/>
-              <a:t>    ;; EFFECT: registers the </a:t>
-            </a:r>
-            <a:r>
-              <a:rPr lang="en-US" dirty="0" smtClean="0"/>
-              <a:t>given</a:t>
-            </a:r>
-          </a:p>
-          <a:p>
-            <a:r>
-              <a:rPr lang="en-US" dirty="0"/>
-              <a:t> </a:t>
-            </a:r>
-            <a:r>
-              <a:rPr lang="en-US" dirty="0" smtClean="0"/>
-              <a:t>   ;;   callback</a:t>
-            </a:r>
-            <a:endParaRPr lang="en-US" dirty="0"/>
-          </a:p>
-          <a:p>
-            <a:r>
-              <a:rPr lang="en-US" dirty="0"/>
-              <a:t>    ;; RETURNS: the current </a:t>
-            </a:r>
-            <a:r>
-              <a:rPr lang="en-US" dirty="0" smtClean="0"/>
-              <a:t>position</a:t>
-            </a:r>
-          </a:p>
-          <a:p>
-            <a:r>
-              <a:rPr lang="en-US" dirty="0"/>
-              <a:t> </a:t>
-            </a:r>
-            <a:r>
-              <a:rPr lang="en-US" dirty="0" smtClean="0"/>
-              <a:t>   ;;   </a:t>
-            </a:r>
-            <a:r>
-              <a:rPr lang="en-US" dirty="0"/>
-              <a:t>of the wall</a:t>
+              <a:t>    ;; EFFECT: registers the given</a:t>
+            </a:r>
+          </a:p>
+          <a:p>
+            <a:r>
+              <a:rPr lang="en-US" dirty="0"/>
+              <a:t>    ;;   callback</a:t>
+            </a:r>
+          </a:p>
+          <a:p>
+            <a:r>
+              <a:rPr lang="en-US" dirty="0"/>
+              <a:t>    ;; RETURNS: the current position</a:t>
+            </a:r>
+          </a:p>
+          <a:p>
+            <a:r>
+              <a:rPr lang="en-US" dirty="0"/>
+              <a:t>    ;;   of the wall</a:t>
             </a:r>
           </a:p>
           <a:p>
@@ -9422,20 +9117,11 @@
               <a:rPr lang="en-US" dirty="0"/>
               <a:t>        (set! callbacks </a:t>
             </a:r>
-            <a:endParaRPr lang="en-US" dirty="0" smtClean="0"/>
-          </a:p>
-          <a:p>
-            <a:r>
-              <a:rPr lang="en-US" dirty="0"/>
-              <a:t> </a:t>
-            </a:r>
-            <a:r>
-              <a:rPr lang="en-US" dirty="0" smtClean="0"/>
-              <a:t>         (</a:t>
-            </a:r>
-            <a:r>
-              <a:rPr lang="en-US" dirty="0"/>
-              <a:t>cons c callbacks))</a:t>
+          </a:p>
+          <a:p>
+            <a:r>
+              <a:rPr lang="en-US" dirty="0"/>
+              <a:t>          (cons c callbacks))</a:t>
             </a:r>
           </a:p>
           <a:p>
@@ -9489,12 +9175,8 @@
           </a:p>
           <a:p>
             <a:r>
-              <a:rPr lang="en-US" dirty="0" smtClean="0"/>
-              <a:t>        </a:t>
-            </a:r>
-            <a:r>
-              <a:rPr lang="en-US" dirty="0"/>
-              <a:t>(begin</a:t>
+              <a:rPr lang="en-US" dirty="0"/>
+              <a:t>        (begin</a:t>
             </a:r>
           </a:p>
           <a:p>
@@ -9520,41 +9202,24 @@
           <a:p>
             <a:r>
               <a:rPr lang="en-US" dirty="0"/>
-              <a:t>            (lambda (</a:t>
-            </a:r>
-            <a:r>
-              <a:rPr lang="en-US" dirty="0" smtClean="0"/>
-              <a:t>callback) </a:t>
-            </a:r>
-            <a:endParaRPr lang="en-US" dirty="0"/>
-          </a:p>
-          <a:p>
-            <a:r>
-              <a:rPr lang="en-US" dirty="0"/>
-              <a:t> </a:t>
-            </a:r>
-            <a:r>
-              <a:rPr lang="en-US" dirty="0" smtClean="0"/>
-              <a:t>             </a:t>
-            </a:r>
-            <a:r>
-              <a:rPr lang="en-US" strike="sngStrike" dirty="0" smtClean="0"/>
-              <a:t>(</a:t>
+              <a:t>            (lambda (callback) </a:t>
+            </a:r>
+          </a:p>
+          <a:p>
+            <a:r>
+              <a:rPr lang="en-US" dirty="0"/>
+              <a:t>              </a:t>
             </a:r>
             <a:r>
               <a:rPr lang="en-US" strike="sngStrike" dirty="0"/>
-              <a:t>send b </a:t>
-            </a:r>
-            <a:r>
-              <a:rPr lang="en-US" strike="sngStrike" dirty="0" smtClean="0"/>
-              <a:t>update-wall-</a:t>
-            </a:r>
-            <a:r>
-              <a:rPr lang="en-US" strike="sngStrike" dirty="0" err="1" smtClean="0"/>
+              <a:t>(send b update-wall-</a:t>
+            </a:r>
+            <a:r>
+              <a:rPr lang="en-US" strike="sngStrike" dirty="0" err="1"/>
               <a:t>pos</a:t>
             </a:r>
             <a:r>
-              <a:rPr lang="en-US" strike="sngStrike" dirty="0" smtClean="0"/>
+              <a:rPr lang="en-US" strike="sngStrike" dirty="0"/>
               <a:t> </a:t>
             </a:r>
             <a:r>
@@ -9577,15 +9242,7 @@
                   <a:srgbClr val="FF0000"/>
                 </a:solidFill>
               </a:rPr>
-              <a:t>(</a:t>
-            </a:r>
-            <a:r>
-              <a:rPr lang="en-US" dirty="0" smtClean="0">
-                <a:solidFill>
-                  <a:srgbClr val="FF0000"/>
-                </a:solidFill>
-              </a:rPr>
-              <a:t>callback </a:t>
+              <a:t>(callback </a:t>
             </a:r>
             <a:r>
               <a:rPr lang="en-US" dirty="0" err="1">
@@ -9596,7 +9253,7 @@
               <a:t>pos</a:t>
             </a:r>
             <a:r>
-              <a:rPr lang="en-US" dirty="0" smtClean="0">
+              <a:rPr lang="en-US" dirty="0">
                 <a:solidFill>
                   <a:srgbClr val="FF0000"/>
                 </a:solidFill>
@@ -9604,10 +9261,9 @@
               <a:t>)</a:t>
             </a:r>
             <a:r>
-              <a:rPr lang="en-US" dirty="0" smtClean="0"/>
+              <a:rPr lang="en-US" dirty="0"/>
               <a:t>)</a:t>
             </a:r>
-            <a:endParaRPr lang="en-US" dirty="0"/>
           </a:p>
           <a:p>
             <a:r>
@@ -9693,18 +9349,13 @@
           <a:p>
             <a:pPr algn="ctr"/>
             <a:r>
-              <a:rPr lang="en-US" dirty="0" smtClean="0">
+              <a:rPr lang="en-US" dirty="0">
                 <a:solidFill>
                   <a:schemeClr val="tx1"/>
                 </a:solidFill>
               </a:rPr>
               <a:t>The wall keeps a list of callback functions instead of a list of Balls.  When the wall moves, it calls each registered function instead of sending a message to each registered ball.</a:t>
             </a:r>
-            <a:endParaRPr lang="en-US" dirty="0">
-              <a:solidFill>
-                <a:schemeClr val="tx1"/>
-              </a:solidFill>
-            </a:endParaRPr>
           </a:p>
         </p:txBody>
       </p:sp>
@@ -9718,13 +9369,6 @@
   <p:clrMapOvr>
     <a:masterClrMapping/>
   </p:clrMapOvr>
-  <p:timing>
-    <p:tnLst>
-      <p:par>
-        <p:cTn id="1" dur="indefinite" restart="never" nodeType="tmRoot"/>
-      </p:par>
-    </p:tnLst>
-  </p:timing>
 </p:sld>
 </file>
 
@@ -9787,7 +9431,7 @@
           <a:lstStyle/>
           <a:p>
             <a:r>
-              <a:rPr lang="en-US" b="1" dirty="0" smtClean="0">
+              <a:rPr lang="en-US" b="1" dirty="0">
                 <a:solidFill>
                   <a:schemeClr val="tx1"/>
                 </a:solidFill>
@@ -9799,7 +9443,7 @@
           </a:p>
           <a:p>
             <a:r>
-              <a:rPr lang="en-US" b="1" dirty="0" smtClean="0">
+              <a:rPr lang="en-US" b="1" dirty="0">
                 <a:solidFill>
                   <a:schemeClr val="tx1"/>
                 </a:solidFill>
@@ -9809,7 +9453,7 @@
               <a:t>wall-</a:t>
             </a:r>
             <a:r>
-              <a:rPr lang="en-US" b="1" dirty="0" err="1" smtClean="0">
+              <a:rPr lang="en-US" b="1" dirty="0" err="1">
                 <a:solidFill>
                   <a:schemeClr val="tx1"/>
                 </a:solidFill>
@@ -9819,7 +9463,7 @@
               <a:t>pos</a:t>
             </a:r>
             <a:r>
-              <a:rPr lang="en-US" b="1" dirty="0" smtClean="0">
+              <a:rPr lang="en-US" b="1" dirty="0">
                 <a:solidFill>
                   <a:schemeClr val="tx1"/>
                 </a:solidFill>
@@ -9828,13 +9472,6 @@
               </a:rPr>
               <a:t> =       </a:t>
             </a:r>
-            <a:endParaRPr lang="en-US" b="1" dirty="0">
-              <a:solidFill>
-                <a:schemeClr val="tx1"/>
-              </a:solidFill>
-              <a:latin typeface="Consolas" pitchFamily="49" charset="0"/>
-              <a:cs typeface="Consolas" pitchFamily="49" charset="0"/>
-            </a:endParaRPr>
           </a:p>
         </p:txBody>
       </p:sp>
@@ -9861,10 +9498,9 @@
           <a:lstStyle/>
           <a:p>
             <a:r>
-              <a:rPr lang="en-US" dirty="0" smtClean="0"/>
+              <a:rPr lang="en-US" dirty="0"/>
               <a:t>ball1</a:t>
             </a:r>
-            <a:endParaRPr lang="en-US" dirty="0"/>
           </a:p>
         </p:txBody>
       </p:sp>
@@ -9961,10 +9597,9 @@
           <a:lstStyle/>
           <a:p>
             <a:r>
-              <a:rPr lang="en-US" dirty="0" smtClean="0"/>
+              <a:rPr lang="en-US" dirty="0"/>
               <a:t>f1</a:t>
             </a:r>
-            <a:endParaRPr lang="en-US" dirty="0"/>
           </a:p>
         </p:txBody>
       </p:sp>
@@ -10005,16 +9640,12 @@
             <a:lstStyle/>
             <a:p>
               <a:r>
-                <a:rPr lang="en-US" b="1" dirty="0" smtClean="0">
+                <a:rPr lang="en-US" b="1" dirty="0">
                   <a:latin typeface="Consolas" pitchFamily="49" charset="0"/>
                   <a:cs typeface="Consolas" pitchFamily="49" charset="0"/>
                 </a:rPr>
                 <a:t>(lambda (n) (set!   n))</a:t>
               </a:r>
-              <a:endParaRPr lang="en-US" b="1" dirty="0">
-                <a:latin typeface="Consolas" pitchFamily="49" charset="0"/>
-                <a:cs typeface="Consolas" pitchFamily="49" charset="0"/>
-              </a:endParaRPr>
             </a:p>
           </p:txBody>
         </p:sp>
@@ -10086,10 +9717,9 @@
           <a:lstStyle/>
           <a:p>
             <a:r>
-              <a:rPr lang="en-US" dirty="0" smtClean="0"/>
+              <a:rPr lang="en-US" dirty="0"/>
               <a:t>wall1</a:t>
             </a:r>
-            <a:endParaRPr lang="en-US" dirty="0"/>
           </a:p>
         </p:txBody>
       </p:sp>
@@ -10152,10 +9782,9 @@
           <a:lstStyle/>
           <a:p>
             <a:r>
-              <a:rPr lang="en-US" dirty="0" smtClean="0"/>
+              <a:rPr lang="en-US" dirty="0"/>
               <a:t>(register f1)</a:t>
             </a:r>
-            <a:endParaRPr lang="en-US" dirty="0"/>
           </a:p>
         </p:txBody>
       </p:sp>
@@ -10182,10 +9811,9 @@
           <a:lstStyle/>
           <a:p>
             <a:r>
-              <a:rPr lang="en-US" dirty="0" smtClean="0"/>
+              <a:rPr lang="en-US" dirty="0"/>
               <a:t>ball1</a:t>
             </a:r>
-            <a:endParaRPr lang="en-US" dirty="0"/>
           </a:p>
         </p:txBody>
       </p:sp>
@@ -10248,10 +9876,9 @@
           <a:lstStyle/>
           <a:p>
             <a:r>
-              <a:rPr lang="en-US" dirty="0" smtClean="0"/>
+              <a:rPr lang="en-US" dirty="0"/>
               <a:t>after-drag</a:t>
             </a:r>
-            <a:endParaRPr lang="en-US" dirty="0"/>
           </a:p>
         </p:txBody>
       </p:sp>
@@ -10327,37 +9954,37 @@
           <a:lstStyle/>
           <a:p>
             <a:r>
-              <a:rPr lang="en-US" dirty="0" smtClean="0"/>
+              <a:rPr lang="en-US" dirty="0"/>
               <a:t>wall-</a:t>
             </a:r>
             <a:r>
-              <a:rPr lang="en-US" dirty="0" err="1" smtClean="0"/>
+              <a:rPr lang="en-US" dirty="0" err="1"/>
               <a:t>pos</a:t>
             </a:r>
             <a:r>
-              <a:rPr lang="en-US" dirty="0" smtClean="0"/>
+              <a:rPr lang="en-US" dirty="0"/>
               <a:t> = 250</a:t>
             </a:r>
           </a:p>
           <a:p>
-            <a:endParaRPr lang="en-US" dirty="0" smtClean="0"/>
-          </a:p>
-          <a:p>
-            <a:r>
-              <a:rPr lang="en-US" dirty="0" smtClean="0"/>
+            <a:endParaRPr lang="en-US" dirty="0"/>
+          </a:p>
+          <a:p>
+            <a:r>
+              <a:rPr lang="en-US" dirty="0"/>
               <a:t>(publish 250)</a:t>
             </a:r>
           </a:p>
           <a:p>
-            <a:endParaRPr lang="en-US" dirty="0" smtClean="0"/>
-          </a:p>
-          <a:p>
-            <a:r>
-              <a:rPr lang="en-US" dirty="0" smtClean="0"/>
+            <a:endParaRPr lang="en-US" dirty="0"/>
+          </a:p>
+          <a:p>
+            <a:r>
+              <a:rPr lang="en-US" dirty="0"/>
               <a:t>(f1 </a:t>
             </a:r>
             <a:r>
-              <a:rPr lang="en-US" dirty="0" smtClean="0">
+              <a:rPr lang="en-US" dirty="0">
                 <a:solidFill>
                   <a:srgbClr val="FF0000"/>
                 </a:solidFill>
@@ -10365,10 +9992,9 @@
               <a:t>250</a:t>
             </a:r>
             <a:r>
-              <a:rPr lang="en-US" dirty="0" smtClean="0"/>
+              <a:rPr lang="en-US" dirty="0"/>
               <a:t>)</a:t>
             </a:r>
-            <a:endParaRPr lang="en-US" dirty="0"/>
           </a:p>
         </p:txBody>
       </p:sp>
@@ -10493,16 +10119,15 @@
           <a:lstStyle/>
           <a:p>
             <a:r>
-              <a:rPr lang="en-US" dirty="0" smtClean="0"/>
+              <a:rPr lang="en-US" dirty="0"/>
               <a:t>callbacks =</a:t>
             </a:r>
           </a:p>
           <a:p>
             <a:r>
-              <a:rPr lang="en-US" dirty="0" smtClean="0"/>
+              <a:rPr lang="en-US" dirty="0"/>
               <a:t> (list f1)</a:t>
             </a:r>
-            <a:endParaRPr lang="en-US" dirty="0"/>
           </a:p>
         </p:txBody>
       </p:sp>
@@ -10529,18 +10154,13 @@
           <a:lstStyle/>
           <a:p>
             <a:r>
-              <a:rPr lang="en-US" dirty="0" smtClean="0">
+              <a:rPr lang="en-US" dirty="0">
                 <a:solidFill>
                   <a:srgbClr val="FF0000"/>
                 </a:solidFill>
               </a:rPr>
               <a:t>250</a:t>
             </a:r>
-            <a:endParaRPr lang="en-US" dirty="0">
-              <a:solidFill>
-                <a:srgbClr val="FF0000"/>
-              </a:solidFill>
-            </a:endParaRPr>
           </a:p>
         </p:txBody>
       </p:sp>
@@ -10567,10 +10187,9 @@
           <a:lstStyle/>
           <a:p>
             <a:r>
-              <a:rPr lang="en-US" sz="2800" dirty="0" smtClean="0"/>
+              <a:rPr lang="en-US" sz="2800" dirty="0"/>
               <a:t>Publishing through a delegate</a:t>
             </a:r>
-            <a:endParaRPr lang="en-US" sz="2800" dirty="0"/>
           </a:p>
         </p:txBody>
       </p:sp>
@@ -11681,22 +11300,21 @@
           <a:lstStyle/>
           <a:p>
             <a:r>
-              <a:rPr lang="en-US" dirty="0" smtClean="0"/>
+              <a:rPr lang="en-US" dirty="0"/>
               <a:t>Whose </a:t>
             </a:r>
             <a:r>
-              <a:rPr lang="en-US" b="1" dirty="0" smtClean="0"/>
+              <a:rPr lang="en-US" b="1" dirty="0"/>
               <a:t>wall-</a:t>
             </a:r>
             <a:r>
-              <a:rPr lang="en-US" b="1" dirty="0" err="1" smtClean="0"/>
+              <a:rPr lang="en-US" b="1" dirty="0" err="1"/>
               <a:t>pos</a:t>
             </a:r>
             <a:r>
-              <a:rPr lang="en-US" dirty="0" smtClean="0"/>
+              <a:rPr lang="en-US" dirty="0"/>
               <a:t>?</a:t>
             </a:r>
-            <a:endParaRPr lang="en-US" dirty="0"/>
           </a:p>
         </p:txBody>
       </p:sp>
@@ -11718,18 +11336,9 @@
           <a:lstStyle/>
           <a:p>
             <a:r>
-              <a:rPr lang="en-US" dirty="0" smtClean="0"/>
-              <a:t>When </a:t>
-            </a:r>
-            <a:r>
-              <a:rPr lang="en-US" dirty="0"/>
-              <a:t>we </a:t>
-            </a:r>
-            <a:r>
-              <a:rPr lang="en-US" dirty="0" smtClean="0"/>
-              <a:t>write</a:t>
-            </a:r>
-            <a:endParaRPr lang="en-US" dirty="0"/>
+              <a:rPr lang="en-US" dirty="0"/>
+              <a:t>When we write</a:t>
+            </a:r>
           </a:p>
           <a:p>
             <a:pPr marL="0" indent="0" algn="ctr">
@@ -11737,23 +11346,15 @@
             </a:pPr>
             <a:r>
               <a:rPr lang="en-US" b="1" dirty="0"/>
-              <a:t>(lambda (n) (set! </a:t>
-            </a:r>
-            <a:r>
-              <a:rPr lang="en-US" b="1" dirty="0" smtClean="0"/>
-              <a:t>wall-</a:t>
-            </a:r>
-            <a:r>
-              <a:rPr lang="en-US" b="1" dirty="0" err="1" smtClean="0"/>
+              <a:t>(lambda (n) (set! wall-</a:t>
+            </a:r>
+            <a:r>
+              <a:rPr lang="en-US" b="1" dirty="0" err="1"/>
               <a:t>pos</a:t>
             </a:r>
             <a:r>
-              <a:rPr lang="en-US" b="1" dirty="0" smtClean="0"/>
-              <a:t> n</a:t>
-            </a:r>
-            <a:r>
               <a:rPr lang="en-US" b="1" dirty="0"/>
-              <a:t>))</a:t>
+              <a:t> n))</a:t>
             </a:r>
           </a:p>
           <a:p>
@@ -11761,87 +11362,54 @@
               <a:buNone/>
             </a:pPr>
             <a:r>
-              <a:rPr lang="en-US" sz="3200" dirty="0" smtClean="0"/>
-              <a:t>we </a:t>
-            </a:r>
-            <a:r>
               <a:rPr lang="en-US" sz="3200" dirty="0"/>
-              <a:t>are referring to the </a:t>
-            </a:r>
-            <a:r>
-              <a:rPr lang="en-US" sz="3200" b="1" dirty="0" smtClean="0"/>
+              <a:t>we are referring to the </a:t>
+            </a:r>
+            <a:r>
+              <a:rPr lang="en-US" sz="3200" b="1" dirty="0"/>
               <a:t>wall-</a:t>
             </a:r>
             <a:r>
-              <a:rPr lang="en-US" sz="3200" b="1" dirty="0" err="1" smtClean="0"/>
+              <a:rPr lang="en-US" sz="3200" b="1" dirty="0" err="1"/>
               <a:t>pos</a:t>
             </a:r>
             <a:r>
-              <a:rPr lang="en-US" sz="3200" b="1" dirty="0" smtClean="0"/>
+              <a:rPr lang="en-US" sz="3200" b="1" dirty="0"/>
               <a:t> </a:t>
             </a:r>
             <a:r>
-              <a:rPr lang="en-US" sz="3200" dirty="0" smtClean="0"/>
-              <a:t>field </a:t>
-            </a:r>
-            <a:r>
               <a:rPr lang="en-US" sz="3200" dirty="0"/>
-              <a:t>in this object</a:t>
-            </a:r>
-            <a:r>
-              <a:rPr lang="en-US" sz="3200" dirty="0" smtClean="0"/>
-              <a:t>.</a:t>
+              <a:t>field in this object.</a:t>
             </a:r>
           </a:p>
           <a:p>
             <a:pPr marL="457200" indent="-457200"/>
             <a:r>
-              <a:rPr lang="en-US" sz="3600" dirty="0" smtClean="0"/>
-              <a:t>The next slide shows a similar </a:t>
-            </a:r>
-            <a:r>
               <a:rPr lang="en-US" sz="3600" dirty="0"/>
-              <a:t>diagram </a:t>
-            </a:r>
-            <a:r>
-              <a:rPr lang="en-US" sz="3600" dirty="0" smtClean="0"/>
-              <a:t>illustrating what </a:t>
-            </a:r>
+              <a:t>The next slide shows a similar diagram illustrating what happens when there are two balls in the world.  </a:t>
+            </a:r>
+          </a:p>
+          <a:p>
+            <a:pPr marL="457200" indent="-457200"/>
             <a:r>
               <a:rPr lang="en-US" sz="3600" dirty="0"/>
-              <a:t>happens when there are two balls in the world.  </a:t>
-            </a:r>
-            <a:endParaRPr lang="en-US" sz="3600" dirty="0" smtClean="0"/>
-          </a:p>
-          <a:p>
-            <a:pPr marL="457200" indent="-457200"/>
-            <a:r>
-              <a:rPr lang="en-US" sz="3600" dirty="0" smtClean="0"/>
-              <a:t>Each </a:t>
+              <a:t>Each ball has its own delegate, which refers to its own </a:t>
+            </a:r>
+            <a:r>
+              <a:rPr lang="en-US" sz="3600" b="1" dirty="0"/>
+              <a:t>wall-</a:t>
+            </a:r>
+            <a:r>
+              <a:rPr lang="en-US" sz="3600" b="1" dirty="0" err="1"/>
+              <a:t>pos</a:t>
+            </a:r>
+            <a:r>
+              <a:rPr lang="en-US" sz="3600" b="1" dirty="0"/>
+              <a:t> </a:t>
             </a:r>
             <a:r>
               <a:rPr lang="en-US" sz="3600" dirty="0"/>
-              <a:t>ball has its own delegate, which refers to its own </a:t>
-            </a:r>
-            <a:r>
-              <a:rPr lang="en-US" sz="3600" b="1" dirty="0" smtClean="0"/>
-              <a:t>wall-</a:t>
-            </a:r>
-            <a:r>
-              <a:rPr lang="en-US" sz="3600" b="1" dirty="0" err="1" smtClean="0"/>
-              <a:t>pos</a:t>
-            </a:r>
-            <a:r>
-              <a:rPr lang="en-US" sz="3600" b="1" dirty="0" smtClean="0"/>
-              <a:t> </a:t>
-            </a:r>
-            <a:r>
-              <a:rPr lang="en-US" sz="3600" dirty="0" smtClean="0"/>
-              <a:t>field</a:t>
-            </a:r>
-            <a:r>
-              <a:rPr lang="en-US" sz="3600" dirty="0"/>
-              <a:t>.</a:t>
+              <a:t>field.</a:t>
             </a:r>
           </a:p>
           <a:p>
@@ -11888,13 +11456,6 @@
   <p:clrMapOvr>
     <a:masterClrMapping/>
   </p:clrMapOvr>
-  <p:timing>
-    <p:tnLst>
-      <p:par>
-        <p:cTn id="1" dur="indefinite" restart="never" nodeType="tmRoot"/>
-      </p:par>
-    </p:tnLst>
-  </p:timing>
 </p:sld>
 </file>
 
@@ -11987,10 +11548,9 @@
             <a:lstStyle/>
             <a:p>
               <a:r>
-                <a:rPr lang="en-US" dirty="0" smtClean="0"/>
+                <a:rPr lang="en-US" dirty="0"/>
                 <a:t>ball2</a:t>
               </a:r>
-              <a:endParaRPr lang="en-US" dirty="0"/>
             </a:p>
           </p:txBody>
         </p:sp>
@@ -12017,10 +11577,9 @@
             <a:lstStyle/>
             <a:p>
               <a:r>
-                <a:rPr lang="en-US" dirty="0" smtClean="0"/>
+                <a:rPr lang="en-US" dirty="0"/>
                 <a:t>f2</a:t>
               </a:r>
-              <a:endParaRPr lang="en-US" dirty="0"/>
             </a:p>
           </p:txBody>
         </p:sp>
@@ -12061,16 +11620,12 @@
               <a:lstStyle/>
               <a:p>
                 <a:r>
-                  <a:rPr lang="en-US" b="1" dirty="0" smtClean="0">
+                  <a:rPr lang="en-US" b="1" dirty="0">
                     <a:latin typeface="Consolas" pitchFamily="49" charset="0"/>
                     <a:cs typeface="Consolas" pitchFamily="49" charset="0"/>
                   </a:rPr>
                   <a:t>(lambda (n) (set!   n))</a:t>
                 </a:r>
-                <a:endParaRPr lang="en-US" b="1" dirty="0">
-                  <a:latin typeface="Consolas" pitchFamily="49" charset="0"/>
-                  <a:cs typeface="Consolas" pitchFamily="49" charset="0"/>
-                </a:endParaRPr>
               </a:p>
             </p:txBody>
           </p:sp>
@@ -12161,7 +11716,7 @@
             <a:lstStyle/>
             <a:p>
               <a:r>
-                <a:rPr lang="en-US" b="1" dirty="0" smtClean="0">
+                <a:rPr lang="en-US" b="1" dirty="0">
                   <a:solidFill>
                     <a:schemeClr val="tx1"/>
                   </a:solidFill>
@@ -12173,7 +11728,7 @@
             </a:p>
             <a:p>
               <a:r>
-                <a:rPr lang="en-US" b="1" dirty="0" smtClean="0">
+                <a:rPr lang="en-US" b="1" dirty="0">
                   <a:solidFill>
                     <a:schemeClr val="tx1"/>
                   </a:solidFill>
@@ -12183,7 +11738,7 @@
                 <a:t>wall-</a:t>
               </a:r>
               <a:r>
-                <a:rPr lang="en-US" b="1" dirty="0" err="1" smtClean="0">
+                <a:rPr lang="en-US" b="1" dirty="0" err="1">
                   <a:solidFill>
                     <a:schemeClr val="tx1"/>
                   </a:solidFill>
@@ -12193,7 +11748,7 @@
                 <a:t>pos</a:t>
               </a:r>
               <a:r>
-                <a:rPr lang="en-US" b="1" dirty="0" smtClean="0">
+                <a:rPr lang="en-US" b="1" dirty="0">
                   <a:solidFill>
                     <a:schemeClr val="tx1"/>
                   </a:solidFill>
@@ -12202,13 +11757,6 @@
                 </a:rPr>
                 <a:t> = </a:t>
               </a:r>
-              <a:endParaRPr lang="en-US" b="1" dirty="0">
-                <a:solidFill>
-                  <a:schemeClr val="tx1"/>
-                </a:solidFill>
-                <a:latin typeface="Consolas" pitchFamily="49" charset="0"/>
-                <a:cs typeface="Consolas" pitchFamily="49" charset="0"/>
-              </a:endParaRPr>
             </a:p>
           </p:txBody>
         </p:sp>
@@ -12236,10 +11784,9 @@
           <a:lstStyle/>
           <a:p>
             <a:r>
-              <a:rPr lang="en-US" dirty="0" smtClean="0"/>
+              <a:rPr lang="en-US" dirty="0"/>
               <a:t>wall1</a:t>
             </a:r>
-            <a:endParaRPr lang="en-US" dirty="0"/>
           </a:p>
         </p:txBody>
       </p:sp>
@@ -12302,10 +11849,9 @@
           <a:lstStyle/>
           <a:p>
             <a:r>
-              <a:rPr lang="en-US" dirty="0" smtClean="0"/>
+              <a:rPr lang="en-US" dirty="0"/>
               <a:t>(register f1)</a:t>
             </a:r>
-            <a:endParaRPr lang="en-US" dirty="0"/>
           </a:p>
         </p:txBody>
       </p:sp>
@@ -12332,10 +11878,9 @@
           <a:lstStyle/>
           <a:p>
             <a:r>
-              <a:rPr lang="en-US" dirty="0" smtClean="0"/>
+              <a:rPr lang="en-US" dirty="0"/>
               <a:t>after-drag</a:t>
             </a:r>
-            <a:endParaRPr lang="en-US" dirty="0"/>
           </a:p>
         </p:txBody>
       </p:sp>
@@ -12447,37 +11992,37 @@
           <a:lstStyle/>
           <a:p>
             <a:r>
-              <a:rPr lang="en-US" dirty="0" smtClean="0"/>
+              <a:rPr lang="en-US" dirty="0"/>
               <a:t>wall-</a:t>
             </a:r>
             <a:r>
-              <a:rPr lang="en-US" dirty="0" err="1" smtClean="0"/>
+              <a:rPr lang="en-US" dirty="0" err="1"/>
               <a:t>pos</a:t>
             </a:r>
             <a:r>
-              <a:rPr lang="en-US" dirty="0" smtClean="0"/>
+              <a:rPr lang="en-US" dirty="0"/>
               <a:t> = 250</a:t>
             </a:r>
           </a:p>
           <a:p>
-            <a:endParaRPr lang="en-US" dirty="0" smtClean="0"/>
-          </a:p>
-          <a:p>
-            <a:r>
-              <a:rPr lang="en-US" dirty="0" smtClean="0"/>
+            <a:endParaRPr lang="en-US" dirty="0"/>
+          </a:p>
+          <a:p>
+            <a:r>
+              <a:rPr lang="en-US" dirty="0"/>
               <a:t>(publish 250)</a:t>
             </a:r>
           </a:p>
           <a:p>
-            <a:endParaRPr lang="en-US" dirty="0" smtClean="0"/>
-          </a:p>
-          <a:p>
-            <a:r>
-              <a:rPr lang="en-US" dirty="0" smtClean="0"/>
+            <a:endParaRPr lang="en-US" dirty="0"/>
+          </a:p>
+          <a:p>
+            <a:r>
+              <a:rPr lang="en-US" dirty="0"/>
               <a:t>(f2 </a:t>
             </a:r>
             <a:r>
-              <a:rPr lang="en-US" dirty="0" smtClean="0">
+              <a:rPr lang="en-US" dirty="0">
                 <a:solidFill>
                   <a:srgbClr val="FF0000"/>
                 </a:solidFill>
@@ -12485,17 +12030,17 @@
               <a:t>250</a:t>
             </a:r>
             <a:r>
-              <a:rPr lang="en-US" dirty="0" smtClean="0"/>
+              <a:rPr lang="en-US" dirty="0"/>
               <a:t>)</a:t>
             </a:r>
           </a:p>
           <a:p>
             <a:r>
-              <a:rPr lang="en-US" dirty="0" smtClean="0"/>
+              <a:rPr lang="en-US" dirty="0"/>
               <a:t>(f1 </a:t>
             </a:r>
             <a:r>
-              <a:rPr lang="en-US" dirty="0" smtClean="0">
+              <a:rPr lang="en-US" dirty="0">
                 <a:solidFill>
                   <a:srgbClr val="92D050"/>
                 </a:solidFill>
@@ -12503,10 +12048,9 @@
               <a:t>250</a:t>
             </a:r>
             <a:r>
-              <a:rPr lang="en-US" dirty="0" smtClean="0"/>
+              <a:rPr lang="en-US" dirty="0"/>
               <a:t>)</a:t>
             </a:r>
-            <a:endParaRPr lang="en-US" dirty="0"/>
           </a:p>
         </p:txBody>
       </p:sp>
@@ -12568,10 +12112,9 @@
           <a:lstStyle/>
           <a:p>
             <a:r>
-              <a:rPr lang="en-US" dirty="0" smtClean="0"/>
+              <a:rPr lang="en-US" dirty="0"/>
               <a:t>ball1</a:t>
             </a:r>
-            <a:endParaRPr lang="en-US" dirty="0"/>
           </a:p>
         </p:txBody>
       </p:sp>
@@ -12696,24 +12239,15 @@
           <a:lstStyle/>
           <a:p>
             <a:r>
-              <a:rPr lang="en-US" dirty="0" smtClean="0"/>
+              <a:rPr lang="en-US" dirty="0"/>
               <a:t>subscribers =</a:t>
             </a:r>
           </a:p>
           <a:p>
             <a:r>
-              <a:rPr lang="en-US" dirty="0" smtClean="0"/>
-              <a:t> (list f2 </a:t>
-            </a:r>
-            <a:r>
-              <a:rPr lang="en-US" dirty="0"/>
-              <a:t>f</a:t>
-            </a:r>
-            <a:r>
-              <a:rPr lang="en-US" dirty="0" smtClean="0"/>
-              <a:t>1)</a:t>
-            </a:r>
-            <a:endParaRPr lang="en-US" dirty="0"/>
+              <a:rPr lang="en-US" dirty="0"/>
+              <a:t> (list f2 f1)</a:t>
+            </a:r>
           </a:p>
         </p:txBody>
       </p:sp>
@@ -12775,10 +12309,9 @@
           <a:lstStyle/>
           <a:p>
             <a:r>
-              <a:rPr lang="en-US" dirty="0" smtClean="0"/>
+              <a:rPr lang="en-US" dirty="0"/>
               <a:t>ball2</a:t>
             </a:r>
-            <a:endParaRPr lang="en-US" dirty="0"/>
           </a:p>
         </p:txBody>
       </p:sp>
@@ -12903,10 +12436,9 @@
           <a:lstStyle/>
           <a:p>
             <a:r>
-              <a:rPr lang="en-US" dirty="0" smtClean="0"/>
+              <a:rPr lang="en-US" dirty="0"/>
               <a:t>(register f2)</a:t>
             </a:r>
-            <a:endParaRPr lang="en-US" dirty="0"/>
           </a:p>
         </p:txBody>
       </p:sp>
@@ -12969,18 +12501,13 @@
           <a:lstStyle/>
           <a:p>
             <a:r>
-              <a:rPr lang="en-US" dirty="0" smtClean="0">
+              <a:rPr lang="en-US" dirty="0">
                 <a:solidFill>
                   <a:srgbClr val="92D050"/>
                 </a:solidFill>
               </a:rPr>
               <a:t>250</a:t>
             </a:r>
-            <a:endParaRPr lang="en-US" dirty="0">
-              <a:solidFill>
-                <a:srgbClr val="92D050"/>
-              </a:solidFill>
-            </a:endParaRPr>
           </a:p>
         </p:txBody>
       </p:sp>
@@ -13007,18 +12534,13 @@
           <a:lstStyle/>
           <a:p>
             <a:r>
-              <a:rPr lang="en-US" dirty="0" smtClean="0">
+              <a:rPr lang="en-US" dirty="0">
                 <a:solidFill>
                   <a:srgbClr val="FF0000"/>
                 </a:solidFill>
               </a:rPr>
               <a:t>250</a:t>
             </a:r>
-            <a:endParaRPr lang="en-US" dirty="0">
-              <a:solidFill>
-                <a:srgbClr val="FF0000"/>
-              </a:solidFill>
-            </a:endParaRPr>
           </a:p>
         </p:txBody>
       </p:sp>
@@ -13045,10 +12567,9 @@
           <a:lstStyle/>
           <a:p>
             <a:r>
-              <a:rPr lang="en-US" sz="2800" dirty="0" smtClean="0"/>
+              <a:rPr lang="en-US" sz="2800" dirty="0"/>
               <a:t>Many balls, many delegates</a:t>
             </a:r>
-            <a:endParaRPr lang="en-US" sz="2800" dirty="0"/>
           </a:p>
         </p:txBody>
       </p:sp>
@@ -13304,7 +12825,7 @@
             <a:lstStyle/>
             <a:p>
               <a:r>
-                <a:rPr lang="en-US" b="1" dirty="0" smtClean="0">
+                <a:rPr lang="en-US" b="1" dirty="0">
                   <a:solidFill>
                     <a:schemeClr val="tx1"/>
                   </a:solidFill>
@@ -13316,7 +12837,7 @@
             </a:p>
             <a:p>
               <a:r>
-                <a:rPr lang="en-US" b="1" dirty="0" smtClean="0">
+                <a:rPr lang="en-US" b="1" dirty="0">
                   <a:solidFill>
                     <a:schemeClr val="tx1"/>
                   </a:solidFill>
@@ -13326,7 +12847,7 @@
                 <a:t>wall-</a:t>
               </a:r>
               <a:r>
-                <a:rPr lang="en-US" b="1" dirty="0" err="1" smtClean="0">
+                <a:rPr lang="en-US" b="1" dirty="0" err="1">
                   <a:solidFill>
                     <a:schemeClr val="tx1"/>
                   </a:solidFill>
@@ -13336,7 +12857,7 @@
                 <a:t>pos</a:t>
               </a:r>
               <a:r>
-                <a:rPr lang="en-US" b="1" dirty="0" smtClean="0">
+                <a:rPr lang="en-US" b="1" dirty="0">
                   <a:solidFill>
                     <a:schemeClr val="tx1"/>
                   </a:solidFill>
@@ -13345,13 +12866,6 @@
                 </a:rPr>
                 <a:t> = </a:t>
               </a:r>
-              <a:endParaRPr lang="en-US" b="1" dirty="0">
-                <a:solidFill>
-                  <a:schemeClr val="tx1"/>
-                </a:solidFill>
-                <a:latin typeface="Consolas" pitchFamily="49" charset="0"/>
-                <a:cs typeface="Consolas" pitchFamily="49" charset="0"/>
-              </a:endParaRPr>
             </a:p>
           </p:txBody>
         </p:sp>
@@ -13379,10 +12893,9 @@
           <a:lstStyle/>
           <a:p>
             <a:r>
-              <a:rPr lang="en-US" dirty="0" smtClean="0"/>
+              <a:rPr lang="en-US" dirty="0"/>
               <a:t>ball1</a:t>
             </a:r>
-            <a:endParaRPr lang="en-US" dirty="0"/>
           </a:p>
         </p:txBody>
       </p:sp>
@@ -13423,10 +12936,9 @@
             <a:lstStyle/>
             <a:p>
               <a:r>
-                <a:rPr lang="en-US" dirty="0" smtClean="0"/>
+                <a:rPr lang="en-US" dirty="0"/>
                 <a:t>f1</a:t>
               </a:r>
-              <a:endParaRPr lang="en-US" dirty="0"/>
             </a:p>
           </p:txBody>
         </p:sp>
@@ -13467,16 +12979,12 @@
               <a:lstStyle/>
               <a:p>
                 <a:r>
-                  <a:rPr lang="en-US" b="1" dirty="0" smtClean="0">
+                  <a:rPr lang="en-US" b="1" dirty="0">
                     <a:latin typeface="Consolas" pitchFamily="49" charset="0"/>
                     <a:cs typeface="Consolas" pitchFamily="49" charset="0"/>
                   </a:rPr>
                   <a:t>(lambda (n) (set!   n))</a:t>
                 </a:r>
-                <a:endParaRPr lang="en-US" b="1" dirty="0">
-                  <a:latin typeface="Consolas" pitchFamily="49" charset="0"/>
-                  <a:cs typeface="Consolas" pitchFamily="49" charset="0"/>
-                </a:endParaRPr>
               </a:p>
             </p:txBody>
           </p:sp>
@@ -13670,18 +13178,13 @@
           <a:lstStyle/>
           <a:p>
             <a:r>
-              <a:rPr lang="en-US" dirty="0" smtClean="0">
+              <a:rPr lang="en-US" dirty="0">
                 <a:solidFill>
                   <a:srgbClr val="FF0000"/>
                 </a:solidFill>
               </a:rPr>
               <a:t>250</a:t>
             </a:r>
-            <a:endParaRPr lang="en-US" dirty="0">
-              <a:solidFill>
-                <a:srgbClr val="FF0000"/>
-              </a:solidFill>
-            </a:endParaRPr>
           </a:p>
         </p:txBody>
       </p:sp>
@@ -13708,18 +13211,13 @@
           <a:lstStyle/>
           <a:p>
             <a:r>
-              <a:rPr lang="en-US" dirty="0" smtClean="0">
+              <a:rPr lang="en-US" dirty="0">
                 <a:solidFill>
                   <a:srgbClr val="FF0000"/>
                 </a:solidFill>
               </a:rPr>
               <a:t>250</a:t>
             </a:r>
-            <a:endParaRPr lang="en-US" dirty="0">
-              <a:solidFill>
-                <a:srgbClr val="FF0000"/>
-              </a:solidFill>
-            </a:endParaRPr>
           </a:p>
         </p:txBody>
       </p:sp>
@@ -13746,18 +13244,13 @@
           <a:lstStyle/>
           <a:p>
             <a:r>
-              <a:rPr lang="en-US" dirty="0" smtClean="0">
+              <a:rPr lang="en-US" dirty="0">
                 <a:solidFill>
                   <a:srgbClr val="92D050"/>
                 </a:solidFill>
               </a:rPr>
               <a:t>250</a:t>
             </a:r>
-            <a:endParaRPr lang="en-US" dirty="0">
-              <a:solidFill>
-                <a:srgbClr val="92D050"/>
-              </a:solidFill>
-            </a:endParaRPr>
           </a:p>
         </p:txBody>
       </p:sp>
@@ -13784,18 +13277,13 @@
           <a:lstStyle/>
           <a:p>
             <a:r>
-              <a:rPr lang="en-US" dirty="0" smtClean="0">
+              <a:rPr lang="en-US" dirty="0">
                 <a:solidFill>
                   <a:srgbClr val="92D050"/>
                 </a:solidFill>
               </a:rPr>
               <a:t>250</a:t>
             </a:r>
-            <a:endParaRPr lang="en-US" dirty="0">
-              <a:solidFill>
-                <a:srgbClr val="92D050"/>
-              </a:solidFill>
-            </a:endParaRPr>
           </a:p>
         </p:txBody>
       </p:sp>
@@ -15364,10 +14852,9 @@
           <a:lstStyle/>
           <a:p>
             <a:r>
-              <a:rPr lang="en-US" dirty="0" smtClean="0"/>
+              <a:rPr lang="en-US" dirty="0"/>
               <a:t>Extending pub-sub</a:t>
             </a:r>
-            <a:endParaRPr lang="en-US" dirty="0"/>
           </a:p>
         </p:txBody>
       </p:sp>
@@ -15387,10 +14874,9 @@
           <a:lstStyle/>
           <a:p>
             <a:r>
-              <a:rPr lang="en-US" dirty="0" smtClean="0"/>
+              <a:rPr lang="en-US" dirty="0"/>
               <a:t>Now that each ball knows about the wall, the ball could send the wall other kinds of messages.</a:t>
             </a:r>
-            <a:endParaRPr lang="en-US" dirty="0"/>
           </a:p>
         </p:txBody>
       </p:sp>
@@ -15427,13 +14913,6 @@
   <p:clrMapOvr>
     <a:masterClrMapping/>
   </p:clrMapOvr>
-  <p:timing>
-    <p:tnLst>
-      <p:par>
-        <p:cTn id="1" dur="indefinite" restart="never" nodeType="tmRoot"/>
-      </p:par>
-    </p:tnLst>
-  </p:timing>
 </p:sld>
 </file>
 

--- a/Slides/Lesson 10.8 Callbacks and Interacting Objects.pptx
+++ b/Slides/Lesson 10.8 Callbacks and Interacting Objects.pptx
@@ -235,7 +235,7 @@
           <a:p>
             <a:fld id="{D921B35E-F9A9-4F4B-882B-2AFF4C2A0596}" type="datetimeFigureOut">
               <a:rPr lang="en-US" smtClean="0"/>
-              <a:t>11/4/2016</a:t>
+              <a:t>11/9/2016</a:t>
             </a:fld>
             <a:endParaRPr lang="en-US"/>
           </a:p>
@@ -1017,7 +1017,7 @@
           <a:p>
             <a:fld id="{2F1F79F5-7BEC-496A-AFC7-876E38F64D71}" type="datetime1">
               <a:rPr lang="en-US" smtClean="0"/>
-              <a:t>11/4/2016</a:t>
+              <a:t>11/9/2016</a:t>
             </a:fld>
             <a:endParaRPr lang="en-US"/>
           </a:p>
@@ -1134,7 +1134,7 @@
           <a:p>
             <a:fld id="{2F7B77F5-1464-4F6B-92A8-64FC8A508293}" type="datetime1">
               <a:rPr lang="en-US" smtClean="0"/>
-              <a:t>11/4/2016</a:t>
+              <a:t>11/9/2016</a:t>
             </a:fld>
             <a:endParaRPr lang="en-US"/>
           </a:p>
@@ -1229,7 +1229,7 @@
           <a:p>
             <a:fld id="{0A05703A-7669-4FEA-9056-25299B4D29D4}" type="datetime1">
               <a:rPr lang="en-US" smtClean="0"/>
-              <a:t>11/4/2016</a:t>
+              <a:t>11/9/2016</a:t>
             </a:fld>
             <a:endParaRPr lang="en-US"/>
           </a:p>
@@ -1504,7 +1504,7 @@
           <a:p>
             <a:fld id="{6E5077B5-BB57-49DB-88CA-226A139E5C01}" type="datetime1">
               <a:rPr lang="en-US" smtClean="0"/>
-              <a:t>11/4/2016</a:t>
+              <a:t>11/9/2016</a:t>
             </a:fld>
             <a:endParaRPr lang="en-US"/>
           </a:p>
@@ -1756,7 +1756,7 @@
           <a:p>
             <a:fld id="{C48D9447-CBD6-49A1-89FD-8512A8CF8999}" type="datetime1">
               <a:rPr lang="en-US" smtClean="0"/>
-              <a:t>11/4/2016</a:t>
+              <a:t>11/9/2016</a:t>
             </a:fld>
             <a:endParaRPr lang="en-US"/>
           </a:p>
@@ -1924,7 +1924,7 @@
           <a:p>
             <a:fld id="{A3639A2A-823D-48B7-9ACE-7FAF42870BA9}" type="datetime1">
               <a:rPr lang="en-US" smtClean="0"/>
-              <a:t>11/4/2016</a:t>
+              <a:t>11/9/2016</a:t>
             </a:fld>
             <a:endParaRPr lang="en-US"/>
           </a:p>
@@ -2102,7 +2102,7 @@
           <a:p>
             <a:fld id="{ED1B6996-82E9-463C-972C-7B56056E426C}" type="datetime1">
               <a:rPr lang="en-US" smtClean="0"/>
-              <a:t>11/4/2016</a:t>
+              <a:t>11/9/2016</a:t>
             </a:fld>
             <a:endParaRPr lang="en-US"/>
           </a:p>
@@ -2276,7 +2276,7 @@
           <a:p>
             <a:fld id="{E22ED4DA-448D-4BB1-B935-CC112220207B}" type="datetime1">
               <a:rPr lang="en-US" smtClean="0"/>
-              <a:t>11/4/2016</a:t>
+              <a:t>11/9/2016</a:t>
             </a:fld>
             <a:endParaRPr lang="en-US"/>
           </a:p>
@@ -2449,7 +2449,7 @@
           <a:p>
             <a:fld id="{E22ED4DA-448D-4BB1-B935-CC112220207B}" type="datetime1">
               <a:rPr lang="en-US" smtClean="0"/>
-              <a:t>11/4/2016</a:t>
+              <a:t>11/9/2016</a:t>
             </a:fld>
             <a:endParaRPr lang="en-US"/>
           </a:p>
@@ -2709,7 +2709,7 @@
           <a:p>
             <a:fld id="{FF5D65A6-AB94-4435-B0B7-3743215FA46C}" type="datetime1">
               <a:rPr lang="en-US" smtClean="0"/>
-              <a:t>11/4/2016</a:t>
+              <a:t>11/9/2016</a:t>
             </a:fld>
             <a:endParaRPr lang="en-US"/>
           </a:p>
@@ -3002,7 +3002,7 @@
           <a:p>
             <a:fld id="{5D1846AD-9252-4647-9435-4C2AC365653A}" type="datetime1">
               <a:rPr lang="en-US" smtClean="0"/>
-              <a:t>11/4/2016</a:t>
+              <a:t>11/9/2016</a:t>
             </a:fld>
             <a:endParaRPr lang="en-US"/>
           </a:p>
@@ -3178,7 +3178,7 @@
           <a:p>
             <a:fld id="{FF5D65A6-AB94-4435-B0B7-3743215FA46C}" type="datetime1">
               <a:rPr lang="en-US" smtClean="0"/>
-              <a:t>11/4/2016</a:t>
+              <a:t>11/9/2016</a:t>
             </a:fld>
             <a:endParaRPr lang="en-US"/>
           </a:p>
@@ -3472,7 +3472,7 @@
           <a:p>
             <a:fld id="{7C193DC4-6EF0-48C9-B29C-616106A645E1}" type="datetime1">
               <a:rPr lang="en-US" smtClean="0"/>
-              <a:t>11/4/2016</a:t>
+              <a:t>11/9/2016</a:t>
             </a:fld>
             <a:endParaRPr lang="en-US"/>
           </a:p>
@@ -3757,7 +3757,7 @@
           <a:p>
             <a:fld id="{5D1846AD-9252-4647-9435-4C2AC365653A}" type="datetime1">
               <a:rPr lang="en-US" smtClean="0"/>
-              <a:t>11/4/2016</a:t>
+              <a:t>11/9/2016</a:t>
             </a:fld>
             <a:endParaRPr lang="en-US"/>
           </a:p>
@@ -4176,7 +4176,7 @@
           <a:p>
             <a:fld id="{CE56DC10-3561-4063-A6AF-C1CC7A41040A}" type="datetime1">
               <a:rPr lang="en-US" smtClean="0"/>
-              <a:t>11/4/2016</a:t>
+              <a:t>11/9/2016</a:t>
             </a:fld>
             <a:endParaRPr lang="en-US"/>
           </a:p>
@@ -4399,7 +4399,7 @@
           <a:p>
             <a:fld id="{02B3F677-983B-48DB-ADFD-63FE6CBC7FB2}" type="datetime1">
               <a:rPr lang="en-US" smtClean="0"/>
-              <a:t>11/4/2016</a:t>
+              <a:t>11/9/2016</a:t>
             </a:fld>
             <a:endParaRPr lang="en-US"/>
           </a:p>
@@ -4934,7 +4934,7 @@
             <a:p>
               <a:r>
                 <a:rPr lang="en-US" sz="1000" dirty="0"/>
-                <a:t>© Mitchell Wand, 2012-2014</a:t>
+                <a:t>© Mitchell Wand, 2012-2016</a:t>
               </a:r>
             </a:p>
             <a:p>
@@ -5029,7 +5029,7 @@
           <a:p>
             <a:r>
               <a:rPr lang="en-US" dirty="0"/>
-              <a:t>Example: 10-8-communicating objects</a:t>
+              <a:t>Example: 10-9-communicating objects</a:t>
             </a:r>
           </a:p>
         </p:txBody>
@@ -5183,7 +5183,7 @@
             </a:r>
             <a:r>
               <a:rPr lang="en-US" dirty="0"/>
-              <a:t> method (as in 10-6-push-model-fixed).</a:t>
+              <a:t> method (as in 10-7-push-model-fixed).</a:t>
             </a:r>
           </a:p>
           <a:p>
@@ -5351,11 +5351,11 @@
             </a:r>
             <a:r>
               <a:rPr lang="en-US" dirty="0" err="1"/>
-              <a:t>SBall</a:t>
-            </a:r>
-            <a:r>
-              <a:rPr lang="en-US" dirty="0"/>
-              <a:t>&lt;%&gt; -&gt; </a:t>
+              <a:t>Sball</a:t>
+            </a:r>
+            <a:r>
+              <a:rPr lang="en-US" dirty="0"/>
+              <a:t> -&gt; </a:t>
             </a:r>
             <a:r>
               <a:rPr lang="en-US" dirty="0" err="1"/>
@@ -5372,10 +5372,7 @@
               <a:rPr lang="en-US" dirty="0" err="1"/>
               <a:t>SBall</a:t>
             </a:r>
-            <a:r>
-              <a:rPr lang="en-US" dirty="0"/>
-              <a:t>&lt;%&gt;</a:t>
-            </a:r>
+            <a:endParaRPr lang="en-US" dirty="0"/>
           </a:p>
           <a:p>
             <a:r>
@@ -5521,7 +5518,15 @@
           <a:p>
             <a:r>
               <a:rPr lang="en-US" dirty="0"/>
-              <a:t>(define Wall%</a:t>
+              <a:t>(define </a:t>
+            </a:r>
+            <a:r>
+              <a:rPr lang="en-US" dirty="0" err="1"/>
+              <a:t>SWall</a:t>
+            </a:r>
+            <a:r>
+              <a:rPr lang="en-US" dirty="0"/>
+              <a:t>%</a:t>
             </a:r>
           </a:p>
           <a:p>
@@ -5769,19 +5774,21 @@
         </p:nvSpPr>
         <p:spPr>
           <a:xfrm>
-            <a:off x="1143000" y="5715000"/>
+            <a:off x="1447800" y="5715000"/>
             <a:ext cx="2057400" cy="641350"/>
           </a:xfrm>
           <a:prstGeom prst="rect">
             <a:avLst/>
           </a:prstGeom>
           <a:solidFill>
-            <a:schemeClr val="accent3">
-              <a:lumMod val="40000"/>
-              <a:lumOff val="60000"/>
+            <a:schemeClr val="accent1">
+              <a:lumMod val="20000"/>
+              <a:lumOff val="80000"/>
             </a:schemeClr>
           </a:solidFill>
-          <a:ln/>
+          <a:ln>
+            <a:noFill/>
+          </a:ln>
         </p:spPr>
         <p:style>
           <a:lnRef idx="2">
@@ -5826,19 +5833,21 @@
         </p:nvSpPr>
         <p:spPr>
           <a:xfrm>
-            <a:off x="5181600" y="5715000"/>
+            <a:off x="5867400" y="5715000"/>
             <a:ext cx="2057400" cy="641350"/>
           </a:xfrm>
           <a:prstGeom prst="rect">
             <a:avLst/>
           </a:prstGeom>
           <a:solidFill>
-            <a:schemeClr val="accent3">
-              <a:lumMod val="40000"/>
-              <a:lumOff val="60000"/>
+            <a:schemeClr val="accent1">
+              <a:lumMod val="20000"/>
+              <a:lumOff val="80000"/>
             </a:schemeClr>
           </a:solidFill>
-          <a:ln/>
+          <a:ln>
+            <a:noFill/>
+          </a:ln>
         </p:spPr>
         <p:style>
           <a:lnRef idx="2">
@@ -5871,63 +5880,6 @@
                 </a:solidFill>
               </a:rPr>
               <a:t>In the class definition.  </a:t>
-            </a:r>
-          </a:p>
-        </p:txBody>
-      </p:sp>
-      <p:sp>
-        <p:nvSpPr>
-          <p:cNvPr id="12" name="Rectangle 11"/>
-          <p:cNvSpPr/>
-          <p:nvPr/>
-        </p:nvSpPr>
-        <p:spPr>
-          <a:xfrm>
-            <a:off x="7620000" y="5105400"/>
-            <a:ext cx="1447800" cy="1020763"/>
-          </a:xfrm>
-          <a:prstGeom prst="rect">
-            <a:avLst/>
-          </a:prstGeom>
-          <a:solidFill>
-            <a:schemeClr val="accent3">
-              <a:lumMod val="40000"/>
-              <a:lumOff val="60000"/>
-            </a:schemeClr>
-          </a:solidFill>
-          <a:ln/>
-        </p:spPr>
-        <p:style>
-          <a:lnRef idx="2">
-            <a:schemeClr val="accent1"/>
-          </a:lnRef>
-          <a:fillRef idx="1">
-            <a:schemeClr val="lt1"/>
-          </a:fillRef>
-          <a:effectRef idx="0">
-            <a:schemeClr val="accent1"/>
-          </a:effectRef>
-          <a:fontRef idx="minor">
-            <a:schemeClr val="dk1"/>
-          </a:fontRef>
-        </p:style>
-        <p:txBody>
-          <a:bodyPr rot="0" spcFirstLastPara="0" vertOverflow="overflow" horzOverflow="overflow" vert="horz" wrap="square" lIns="91440" tIns="45720" rIns="91440" bIns="45720" numCol="1" spcCol="0" rtlCol="0" fromWordArt="0" anchor="ctr" anchorCtr="0" forceAA="0" compatLnSpc="1">
-            <a:prstTxWarp prst="textNoShape">
-              <a:avLst/>
-            </a:prstTxWarp>
-            <a:noAutofit/>
-          </a:bodyPr>
-          <a:lstStyle/>
-          <a:p>
-            <a:pPr algn="ctr"/>
-            <a:r>
-              <a:rPr lang="en-US" sz="1200" dirty="0">
-                <a:solidFill>
-                  <a:schemeClr val="tx1"/>
-                </a:solidFill>
-              </a:rPr>
-              <a:t>The for-each is repeated code, and should probably be moved to a help function</a:t>
             </a:r>
           </a:p>
         </p:txBody>
@@ -5982,8 +5934,12 @@
               <a:t>... and in </a:t>
             </a:r>
             <a:r>
+              <a:rPr lang="en-US" b="1" dirty="0" err="1"/>
+              <a:t>SBall</a:t>
+            </a:r>
+            <a:r>
               <a:rPr lang="en-US" b="1" dirty="0"/>
-              <a:t>Ball%</a:t>
+              <a:t>%</a:t>
             </a:r>
           </a:p>
         </p:txBody>
@@ -6001,7 +5957,7 @@
         <p:spPr/>
         <p:txBody>
           <a:bodyPr>
-            <a:normAutofit fontScale="62500" lnSpcReduction="20000"/>
+            <a:normAutofit fontScale="55000" lnSpcReduction="20000"/>
           </a:bodyPr>
           <a:lstStyle/>
           <a:p>
@@ -6084,6 +6040,12 @@
           <a:p>
             <a:r>
               <a:rPr lang="en-US" dirty="0"/>
+              <a:t>    ;; -&gt; Void</a:t>
+            </a:r>
+          </a:p>
+          <a:p>
+            <a:r>
+              <a:rPr lang="en-US" dirty="0"/>
               <a:t>    (define (attract-wall)</a:t>
             </a:r>
           </a:p>
@@ -6111,6 +6073,12 @@
           </a:p>
           <a:p>
             <a:endParaRPr lang="en-US" dirty="0"/>
+          </a:p>
+          <a:p>
+            <a:r>
+              <a:rPr lang="en-US" dirty="0"/>
+              <a:t>    ;; -&gt; Void</a:t>
+            </a:r>
           </a:p>
           <a:p>
             <a:r>
@@ -7174,7 +7142,7 @@
         <p:spPr>
           <a:xfrm>
             <a:off x="5029200" y="5798145"/>
-            <a:ext cx="2895600" cy="923330"/>
+            <a:ext cx="2362200" cy="923330"/>
           </a:xfrm>
           <a:prstGeom prst="rect">
             <a:avLst/>
@@ -7272,6 +7240,7 @@
             </a:lvl9pPr>
           </a:lstStyle>
           <a:p>
+            <a:pPr algn="ctr"/>
             <a:r>
               <a:rPr lang="en-US" dirty="0"/>
               <a:t>Information and its Representation as Data (again!!)</a:t>
@@ -7289,8 +7258,8 @@
         </p:nvCxnSpPr>
         <p:spPr>
           <a:xfrm flipH="1" flipV="1">
-            <a:off x="3886200" y="5105401"/>
-            <a:ext cx="1143000" cy="1154409"/>
+            <a:off x="3886200" y="5105402"/>
+            <a:ext cx="1143000" cy="1154408"/>
           </a:xfrm>
           <a:prstGeom prst="straightConnector1">
             <a:avLst/>
@@ -8354,31 +8323,27 @@
             <a:pPr lvl="1"/>
             <a:r>
               <a:rPr lang="en-US" dirty="0"/>
-              <a:t>10-6-push-model-fixed.rkt</a:t>
+              <a:t>10-7-push-model-fixed.rkt</a:t>
             </a:r>
           </a:p>
           <a:p>
             <a:pPr lvl="1"/>
             <a:r>
               <a:rPr lang="en-US" dirty="0"/>
-              <a:t>10-7-callbacks.rkt</a:t>
+              <a:t>10-8-callbacks.rkt</a:t>
             </a:r>
           </a:p>
           <a:p>
             <a:pPr lvl="1"/>
             <a:r>
               <a:rPr lang="en-US" dirty="0"/>
-              <a:t>10-8-interacting-objects.rkt</a:t>
-            </a:r>
-          </a:p>
-          <a:p>
-            <a:r>
-              <a:rPr lang="en-US"/>
-              <a:t>If </a:t>
-            </a:r>
-            <a:r>
-              <a:rPr lang="en-US" dirty="0"/>
-              <a:t>you have questions about this lesson, ask them on the Discussion Board</a:t>
+              <a:t>10-9-interacting-objects.rkt</a:t>
+            </a:r>
+          </a:p>
+          <a:p>
+            <a:r>
+              <a:rPr lang="en-US" dirty="0"/>
+              <a:t>If you have questions about this lesson, ask them on the Discussion Board</a:t>
             </a:r>
           </a:p>
           <a:p>
@@ -8731,15 +8696,15 @@
               </a:spcBef>
             </a:pPr>
             <a:r>
-              <a:rPr lang="en-US" sz="2000" strike="sngStrike" dirty="0"/>
+              <a:rPr lang="en-US" sz="2000" dirty="0"/>
               <a:t>    ;; ; </a:t>
             </a:r>
             <a:r>
-              <a:rPr lang="en-US" sz="2000" strike="sngStrike" dirty="0" err="1"/>
+              <a:rPr lang="en-US" sz="2000" dirty="0" err="1"/>
               <a:t>Int</a:t>
             </a:r>
             <a:r>
-              <a:rPr lang="en-US" sz="2000" strike="sngStrike" dirty="0"/>
+              <a:rPr lang="en-US" sz="2000" dirty="0"/>
               <a:t> -&gt; Void</a:t>
             </a:r>
           </a:p>
@@ -8750,8 +8715,8 @@
               </a:spcBef>
             </a:pPr>
             <a:r>
-              <a:rPr lang="en-US" sz="2000" strike="sngStrike" dirty="0"/>
-              <a:t>    ;; ; EFFECT: updates the ball's cached value of the wall's position</a:t>
+              <a:rPr lang="en-US" sz="2000" dirty="0"/>
+              <a:t>    ;; ; EFFECT: updates the ball's cached value of the</a:t>
             </a:r>
           </a:p>
           <a:p>
@@ -8761,14 +8726,25 @@
               </a:spcBef>
             </a:pPr>
             <a:r>
-              <a:rPr lang="en-US" sz="2000" strike="sngStrike" dirty="0"/>
+              <a:rPr lang="en-US" sz="2000" dirty="0"/>
+              <a:t>    ;; ; wall's position</a:t>
+            </a:r>
+          </a:p>
+          <a:p>
+            <a:pPr>
+              <a:spcBef>
+                <a:spcPts val="0"/>
+              </a:spcBef>
+            </a:pPr>
+            <a:r>
+              <a:rPr lang="en-US" sz="2000" dirty="0"/>
               <a:t>    ;; update-wall-</a:t>
             </a:r>
             <a:r>
-              <a:rPr lang="en-US" sz="2000" strike="sngStrike" dirty="0" err="1"/>
+              <a:rPr lang="en-US" sz="2000" dirty="0" err="1"/>
               <a:t>pos</a:t>
             </a:r>
-            <a:endParaRPr lang="en-US" sz="2000" strike="sngStrike" dirty="0"/>
+            <a:endParaRPr lang="en-US" sz="2000" dirty="0"/>
           </a:p>
           <a:p>
             <a:pPr>
@@ -9060,7 +9036,7 @@
                   <a:srgbClr val="FF0000"/>
                 </a:solidFill>
               </a:rPr>
-              <a:t> -&gt; X) -&gt; </a:t>
+              <a:t> -&gt; Void) -&gt; </a:t>
             </a:r>
             <a:r>
               <a:rPr lang="en-US" dirty="0" err="1">
@@ -9152,8 +9128,8 @@
         </p:nvSpPr>
         <p:spPr>
           <a:xfrm>
-            <a:off x="3886200" y="1600200"/>
-            <a:ext cx="4800600" cy="4525963"/>
+            <a:off x="4343400" y="1600200"/>
+            <a:ext cx="4343400" cy="4525963"/>
           </a:xfrm>
         </p:spPr>
         <p:txBody>
@@ -9317,12 +9293,14 @@
             <a:avLst/>
           </a:prstGeom>
           <a:solidFill>
-            <a:schemeClr val="accent3">
-              <a:lumMod val="40000"/>
-              <a:lumOff val="60000"/>
+            <a:schemeClr val="accent1">
+              <a:lumMod val="20000"/>
+              <a:lumOff val="80000"/>
             </a:schemeClr>
           </a:solidFill>
-          <a:ln/>
+          <a:ln>
+            <a:noFill/>
+          </a:ln>
         </p:spPr>
         <p:style>
           <a:lnRef idx="2">
@@ -9354,7 +9332,7 @@
                   <a:schemeClr val="tx1"/>
                 </a:solidFill>
               </a:rPr>
-              <a:t>The wall keeps a list of callback functions instead of a list of Balls.  When the wall moves, it calls each registered function instead of sending a message to each registered ball.</a:t>
+              <a:t>The wall keeps a list of callback functions instead of a list of balls.  When the wall moves, it calls each registered function instead of sending a message to each registered ball.</a:t>
             </a:r>
           </a:p>
         </p:txBody>
